--- a/HGRN_pseudocode/GATE architecture.pptx
+++ b/HGRN_pseudocode/GATE architecture.pptx
@@ -6,6 +6,7 @@
   </p:sldMasterIdLst>
   <p:sldIdLst>
     <p:sldId id="257" r:id="rId2"/>
+    <p:sldId id="259" r:id="rId3"/>
   </p:sldIdLst>
   <p:sldSz cx="12192000" cy="6858000"/>
   <p:notesSz cx="6858000" cy="9144000"/>
@@ -259,7 +260,7 @@
           <a:p>
             <a:fld id="{EF1DACBF-6F2F-480C-8776-D86192B533B0}" type="datetimeFigureOut">
               <a:rPr lang="en-US" smtClean="0"/>
-              <a:t>9/22/2023</a:t>
+              <a:t>9/20/2024</a:t>
             </a:fld>
             <a:endParaRPr lang="en-US"/>
           </a:p>
@@ -457,7 +458,7 @@
           <a:p>
             <a:fld id="{EF1DACBF-6F2F-480C-8776-D86192B533B0}" type="datetimeFigureOut">
               <a:rPr lang="en-US" smtClean="0"/>
-              <a:t>9/22/2023</a:t>
+              <a:t>9/20/2024</a:t>
             </a:fld>
             <a:endParaRPr lang="en-US"/>
           </a:p>
@@ -665,7 +666,7 @@
           <a:p>
             <a:fld id="{EF1DACBF-6F2F-480C-8776-D86192B533B0}" type="datetimeFigureOut">
               <a:rPr lang="en-US" smtClean="0"/>
-              <a:t>9/22/2023</a:t>
+              <a:t>9/20/2024</a:t>
             </a:fld>
             <a:endParaRPr lang="en-US"/>
           </a:p>
@@ -863,7 +864,7 @@
           <a:p>
             <a:fld id="{EF1DACBF-6F2F-480C-8776-D86192B533B0}" type="datetimeFigureOut">
               <a:rPr lang="en-US" smtClean="0"/>
-              <a:t>9/22/2023</a:t>
+              <a:t>9/20/2024</a:t>
             </a:fld>
             <a:endParaRPr lang="en-US"/>
           </a:p>
@@ -1138,7 +1139,7 @@
           <a:p>
             <a:fld id="{EF1DACBF-6F2F-480C-8776-D86192B533B0}" type="datetimeFigureOut">
               <a:rPr lang="en-US" smtClean="0"/>
-              <a:t>9/22/2023</a:t>
+              <a:t>9/20/2024</a:t>
             </a:fld>
             <a:endParaRPr lang="en-US"/>
           </a:p>
@@ -1403,7 +1404,7 @@
           <a:p>
             <a:fld id="{EF1DACBF-6F2F-480C-8776-D86192B533B0}" type="datetimeFigureOut">
               <a:rPr lang="en-US" smtClean="0"/>
-              <a:t>9/22/2023</a:t>
+              <a:t>9/20/2024</a:t>
             </a:fld>
             <a:endParaRPr lang="en-US"/>
           </a:p>
@@ -1815,7 +1816,7 @@
           <a:p>
             <a:fld id="{EF1DACBF-6F2F-480C-8776-D86192B533B0}" type="datetimeFigureOut">
               <a:rPr lang="en-US" smtClean="0"/>
-              <a:t>9/22/2023</a:t>
+              <a:t>9/20/2024</a:t>
             </a:fld>
             <a:endParaRPr lang="en-US"/>
           </a:p>
@@ -1956,7 +1957,7 @@
           <a:p>
             <a:fld id="{EF1DACBF-6F2F-480C-8776-D86192B533B0}" type="datetimeFigureOut">
               <a:rPr lang="en-US" smtClean="0"/>
-              <a:t>9/22/2023</a:t>
+              <a:t>9/20/2024</a:t>
             </a:fld>
             <a:endParaRPr lang="en-US"/>
           </a:p>
@@ -2069,7 +2070,7 @@
           <a:p>
             <a:fld id="{EF1DACBF-6F2F-480C-8776-D86192B533B0}" type="datetimeFigureOut">
               <a:rPr lang="en-US" smtClean="0"/>
-              <a:t>9/22/2023</a:t>
+              <a:t>9/20/2024</a:t>
             </a:fld>
             <a:endParaRPr lang="en-US"/>
           </a:p>
@@ -2380,7 +2381,7 @@
           <a:p>
             <a:fld id="{EF1DACBF-6F2F-480C-8776-D86192B533B0}" type="datetimeFigureOut">
               <a:rPr lang="en-US" smtClean="0"/>
-              <a:t>9/22/2023</a:t>
+              <a:t>9/20/2024</a:t>
             </a:fld>
             <a:endParaRPr lang="en-US"/>
           </a:p>
@@ -2668,7 +2669,7 @@
           <a:p>
             <a:fld id="{EF1DACBF-6F2F-480C-8776-D86192B533B0}" type="datetimeFigureOut">
               <a:rPr lang="en-US" smtClean="0"/>
-              <a:t>9/22/2023</a:t>
+              <a:t>9/20/2024</a:t>
             </a:fld>
             <a:endParaRPr lang="en-US"/>
           </a:p>
@@ -2909,7 +2910,7 @@
           <a:p>
             <a:fld id="{EF1DACBF-6F2F-480C-8776-D86192B533B0}" type="datetimeFigureOut">
               <a:rPr lang="en-US" smtClean="0"/>
-              <a:t>9/22/2023</a:t>
+              <a:t>9/20/2024</a:t>
             </a:fld>
             <a:endParaRPr lang="en-US"/>
           </a:p>
@@ -3341,7 +3342,7 @@
         <p:spPr>
           <a:xfrm>
             <a:off x="360218" y="258618"/>
-            <a:ext cx="6319743" cy="646331"/>
+            <a:ext cx="6319743" cy="369332"/>
           </a:xfrm>
           <a:prstGeom prst="rect">
             <a:avLst/>
@@ -3373,12 +3374,6 @@
             <a:r>
               <a:rPr lang="en-US" b="1" dirty="0"/>
               <a:t>, 2019</a:t>
-            </a:r>
-          </a:p>
-          <a:p>
-            <a:r>
-              <a:rPr lang="en-US" b="1" dirty="0"/>
-              <a:t>Original Task: Node Classification</a:t>
             </a:r>
           </a:p>
         </p:txBody>
@@ -4298,8 +4293,8 @@
           </p:sp>
         </mc:Fallback>
       </mc:AlternateContent>
-      <mc:AlternateContent xmlns:mc="http://schemas.openxmlformats.org/markup-compatibility/2006">
-        <mc:Choice xmlns:a14="http://schemas.microsoft.com/office/drawing/2010/main" Requires="a14">
+      <mc:AlternateContent xmlns:mc="http://schemas.openxmlformats.org/markup-compatibility/2006" xmlns:a14="http://schemas.microsoft.com/office/drawing/2010/main">
+        <mc:Choice Requires="a14">
           <p:sp>
             <p:nvSpPr>
               <p:cNvPr id="14" name="Rectangle 13">
@@ -4416,7 +4411,7 @@
             </p:txBody>
           </p:sp>
         </mc:Choice>
-        <mc:Fallback>
+        <mc:Fallback xmlns="">
           <p:sp>
             <p:nvSpPr>
               <p:cNvPr id="14" name="Rectangle 13">
@@ -4478,7 +4473,7 @@
             </p:nvSpPr>
             <p:spPr>
               <a:xfrm>
-                <a:off x="10036865" y="2540575"/>
+                <a:off x="10528417" y="2553417"/>
                 <a:ext cx="1136073" cy="1108364"/>
               </a:xfrm>
               <a:prstGeom prst="rect">
@@ -4572,7 +4567,7 @@
             </p:nvSpPr>
             <p:spPr>
               <a:xfrm>
-                <a:off x="10036865" y="2540575"/>
+                <a:off x="10528417" y="2553417"/>
                 <a:ext cx="1136073" cy="1108364"/>
               </a:xfrm>
               <a:prstGeom prst="rect">
@@ -4618,7 +4613,7 @@
             <p:spPr>
               <a:xfrm>
                 <a:off x="1725279" y="2913437"/>
-                <a:ext cx="1249573" cy="338554"/>
+                <a:ext cx="1130951" cy="338554"/>
               </a:xfrm>
               <a:prstGeom prst="rect">
                 <a:avLst/>
@@ -4645,7 +4640,7 @@
                         <a:rPr lang="en-US" sz="1600" b="0" i="0" smtClean="0">
                           <a:latin typeface="Cambria Math" panose="02040503050406030204" pitchFamily="18" charset="0"/>
                         </a:rPr>
-                        <m:t>GATE</m:t>
+                        <m:t>GAT</m:t>
                       </m:r>
                       <m:r>
                         <a:rPr lang="en-US" sz="1600" b="0" i="0" smtClean="0">
@@ -4703,7 +4698,7 @@
             <p:spPr>
               <a:xfrm>
                 <a:off x="1725279" y="2913437"/>
-                <a:ext cx="1249573" cy="338554"/>
+                <a:ext cx="1130951" cy="338554"/>
               </a:xfrm>
               <a:prstGeom prst="rect">
                 <a:avLst/>
@@ -4748,8 +4743,8 @@
         </p:nvCxnSpPr>
         <p:spPr>
           <a:xfrm>
-            <a:off x="2974852" y="3082714"/>
-            <a:ext cx="654915" cy="12043"/>
+            <a:off x="2856230" y="3082714"/>
+            <a:ext cx="773537" cy="12043"/>
           </a:xfrm>
           <a:prstGeom prst="straightConnector1">
             <a:avLst/>
@@ -4832,7 +4827,7 @@
             <p:spPr>
               <a:xfrm>
                 <a:off x="6863244" y="2691615"/>
-                <a:ext cx="1257588" cy="313612"/>
+                <a:ext cx="1111715" cy="313612"/>
               </a:xfrm>
               <a:prstGeom prst="rect">
                 <a:avLst/>
@@ -4859,7 +4854,7 @@
                         <a:rPr lang="en-US" sz="1400" b="0" i="0" smtClean="0">
                           <a:latin typeface="Cambria Math" panose="02040503050406030204" pitchFamily="18" charset="0"/>
                         </a:rPr>
-                        <m:t>GATE</m:t>
+                        <m:t>GAT</m:t>
                       </m:r>
                       <m:r>
                         <a:rPr lang="en-US" sz="1400" b="0" i="0" smtClean="0">
@@ -4948,7 +4943,7 @@
             <p:spPr>
               <a:xfrm>
                 <a:off x="6863244" y="2691615"/>
-                <a:ext cx="1257588" cy="313612"/>
+                <a:ext cx="1111715" cy="313612"/>
               </a:xfrm>
               <a:prstGeom prst="rect">
                 <a:avLst/>
@@ -5019,7 +5014,7 @@
                         <a:rPr lang="en-US" sz="1400" b="0" i="0" smtClean="0">
                           <a:latin typeface="Cambria Math" panose="02040503050406030204" pitchFamily="18" charset="0"/>
                         </a:rPr>
-                        <m:t>GATE</m:t>
+                        <m:t>GAT</m:t>
                       </m:r>
                       <m:r>
                         <a:rPr lang="en-US" sz="1400" b="0" i="0" smtClean="0">
@@ -5116,7 +5111,7 @@
               <a:blipFill>
                 <a:blip r:embed="rId12"/>
                 <a:stretch>
-                  <a:fillRect r="-9268" b="-8000"/>
+                  <a:fillRect r="-976" b="-8000"/>
                 </a:stretch>
               </a:blipFill>
             </p:spPr>
@@ -5154,7 +5149,7 @@
         <p:spPr>
           <a:xfrm>
             <a:off x="9212183" y="3088735"/>
-            <a:ext cx="824682" cy="6022"/>
+            <a:ext cx="1316234" cy="18864"/>
           </a:xfrm>
           <a:prstGeom prst="straightConnector1">
             <a:avLst/>
@@ -5246,7 +5241,7 @@
         <p:spPr>
           <a:xfrm>
             <a:off x="5965031" y="1879880"/>
-            <a:ext cx="3372934" cy="2429754"/>
+            <a:ext cx="4421940" cy="2429754"/>
           </a:xfrm>
           <a:prstGeom prst="roundRect">
             <a:avLst/>
@@ -5392,8 +5387,8 @@
           </p:sp>
         </mc:Fallback>
       </mc:AlternateContent>
-      <mc:AlternateContent xmlns:mc="http://schemas.openxmlformats.org/markup-compatibility/2006">
-        <mc:Choice xmlns:a14="http://schemas.microsoft.com/office/drawing/2010/main" Requires="a14">
+      <mc:AlternateContent xmlns:mc="http://schemas.openxmlformats.org/markup-compatibility/2006" xmlns:a14="http://schemas.microsoft.com/office/drawing/2010/main">
+        <mc:Choice Requires="a14">
           <p:sp>
             <p:nvSpPr>
               <p:cNvPr id="134" name="TextBox 133">
@@ -5455,7 +5450,7 @@
             </p:txBody>
           </p:sp>
         </mc:Choice>
-        <mc:Fallback>
+        <mc:Fallback xmlns="">
           <p:sp>
             <p:nvSpPr>
               <p:cNvPr id="134" name="TextBox 133">
@@ -5516,7 +5511,7 @@
             </p:nvSpPr>
             <p:spPr>
               <a:xfrm>
-                <a:off x="10178310" y="2179611"/>
+                <a:off x="10669862" y="2192453"/>
                 <a:ext cx="810286" cy="369332"/>
               </a:xfrm>
               <a:prstGeom prst="rect">
@@ -5580,7 +5575,7 @@
             </p:nvSpPr>
             <p:spPr>
               <a:xfrm>
-                <a:off x="10178310" y="2179611"/>
+                <a:off x="10669862" y="2192453"/>
                 <a:ext cx="810286" cy="369332"/>
               </a:xfrm>
               <a:prstGeom prst="rect">
@@ -5625,7 +5620,7 @@
             <p:spPr>
               <a:xfrm>
                 <a:off x="6017129" y="2190278"/>
-                <a:ext cx="819583" cy="369332"/>
+                <a:ext cx="811248" cy="369332"/>
               </a:xfrm>
               <a:prstGeom prst="rect">
                 <a:avLst/>
@@ -5661,7 +5656,7 @@
                         <a:rPr lang="en-US" b="0" i="1" smtClean="0">
                           <a:latin typeface="Cambria Math" panose="02040503050406030204" pitchFamily="18" charset="0"/>
                         </a:rPr>
-                        <m:t>𝑑</m:t>
+                        <m:t>𝑞</m:t>
                       </m:r>
                     </m:oMath>
                   </m:oMathPara>
@@ -5689,7 +5684,7 @@
             <p:spPr>
               <a:xfrm>
                 <a:off x="6017129" y="2190278"/>
-                <a:ext cx="819583" cy="369332"/>
+                <a:ext cx="811248" cy="369332"/>
               </a:xfrm>
               <a:prstGeom prst="rect">
                 <a:avLst/>
@@ -5697,7 +5692,7 @@
               <a:blipFill>
                 <a:blip r:embed="rId17"/>
                 <a:stretch>
-                  <a:fillRect/>
+                  <a:fillRect b="-6557"/>
                 </a:stretch>
               </a:blipFill>
             </p:spPr>
@@ -5732,8 +5727,8 @@
             </p:nvSpPr>
             <p:spPr>
               <a:xfrm>
-                <a:off x="1275573" y="5051802"/>
-                <a:ext cx="5151347" cy="997774"/>
+                <a:off x="650277" y="5245296"/>
+                <a:ext cx="3925498" cy="439736"/>
               </a:xfrm>
               <a:prstGeom prst="rect">
                 <a:avLst/>
@@ -5765,359 +5760,122 @@
                         </a:rPr>
                         <m:t>=</m:t>
                       </m:r>
-                      <m:nary>
-                        <m:naryPr>
-                          <m:chr m:val="∑"/>
+                      <m:r>
+                        <m:rPr>
+                          <m:sty m:val="p"/>
+                        </m:rPr>
+                        <a:rPr lang="en-US" sz="2000" b="0" i="0" smtClean="0">
+                          <a:latin typeface="Cambria Math" panose="02040503050406030204" pitchFamily="18" charset="0"/>
+                        </a:rPr>
+                        <m:t>BCE</m:t>
+                      </m:r>
+                      <m:d>
+                        <m:dPr>
+                          <m:ctrlPr>
+                            <a:rPr lang="en-US" sz="2000" b="0" i="0" smtClean="0">
+                              <a:latin typeface="Cambria Math" panose="02040503050406030204" pitchFamily="18" charset="0"/>
+                            </a:rPr>
+                          </m:ctrlPr>
+                        </m:dPr>
+                        <m:e>
+                          <m:r>
+                            <a:rPr lang="en-US" sz="2000" b="1" i="0" smtClean="0">
+                              <a:latin typeface="Cambria Math" panose="02040503050406030204" pitchFamily="18" charset="0"/>
+                            </a:rPr>
+                            <m:t>𝐀</m:t>
+                          </m:r>
+                          <m:r>
+                            <a:rPr lang="en-US" sz="2000" b="1" i="0" smtClean="0">
+                              <a:latin typeface="Cambria Math" panose="02040503050406030204" pitchFamily="18" charset="0"/>
+                            </a:rPr>
+                            <m:t>, </m:t>
+                          </m:r>
+                          <m:acc>
+                            <m:accPr>
+                              <m:chr m:val="̂"/>
+                              <m:ctrlPr>
+                                <a:rPr lang="en-US" sz="2000" b="1" i="1" smtClean="0">
+                                  <a:latin typeface="Cambria Math" panose="02040503050406030204" pitchFamily="18" charset="0"/>
+                                </a:rPr>
+                              </m:ctrlPr>
+                            </m:accPr>
+                            <m:e>
+                              <m:r>
+                                <a:rPr lang="en-US" sz="2000" b="1" i="1" smtClean="0">
+                                  <a:latin typeface="Cambria Math" panose="02040503050406030204" pitchFamily="18" charset="0"/>
+                                </a:rPr>
+                                <m:t>𝑨</m:t>
+                              </m:r>
+                            </m:e>
+                          </m:acc>
+                        </m:e>
+                      </m:d>
+                      <m:r>
+                        <a:rPr lang="en-US" sz="2000" b="1" i="0" smtClean="0">
+                          <a:latin typeface="Cambria Math" panose="02040503050406030204" pitchFamily="18" charset="0"/>
+                        </a:rPr>
+                        <m:t>+</m:t>
+                      </m:r>
+                      <m:r>
+                        <a:rPr lang="en-US" sz="2000" b="0" i="1" smtClean="0">
+                          <a:latin typeface="Cambria Math" panose="02040503050406030204" pitchFamily="18" charset="0"/>
+                        </a:rPr>
+                        <m:t>𝛾</m:t>
+                      </m:r>
+                      <m:r>
+                        <a:rPr lang="en-US" sz="2000" b="0" i="1" smtClean="0">
+                          <a:latin typeface="Cambria Math" panose="02040503050406030204" pitchFamily="18" charset="0"/>
+                        </a:rPr>
+                        <m:t> </m:t>
+                      </m:r>
+                      <m:r>
+                        <a:rPr lang="en-US" sz="2000" b="0" i="1" smtClean="0">
+                          <a:latin typeface="Cambria Math" panose="02040503050406030204" pitchFamily="18" charset="0"/>
+                        </a:rPr>
+                        <m:t>𝑀𝑆𝐸</m:t>
+                      </m:r>
+                      <m:r>
+                        <a:rPr lang="en-US" sz="2000" b="0" i="1" smtClean="0">
+                          <a:latin typeface="Cambria Math" panose="02040503050406030204" pitchFamily="18" charset="0"/>
+                        </a:rPr>
+                        <m:t>(</m:t>
+                      </m:r>
+                      <m:r>
+                        <a:rPr lang="en-US" sz="2000" b="1" i="1" smtClean="0">
+                          <a:latin typeface="Cambria Math" panose="02040503050406030204" pitchFamily="18" charset="0"/>
+                        </a:rPr>
+                        <m:t>𝑿</m:t>
+                      </m:r>
+                      <m:r>
+                        <a:rPr lang="en-US" sz="2000" b="1" i="1" smtClean="0">
+                          <a:latin typeface="Cambria Math" panose="02040503050406030204" pitchFamily="18" charset="0"/>
+                        </a:rPr>
+                        <m:t>, </m:t>
+                      </m:r>
+                      <m:acc>
+                        <m:accPr>
+                          <m:chr m:val="̂"/>
                           <m:ctrlPr>
                             <a:rPr lang="en-US" sz="2000" b="0" i="1" smtClean="0">
                               <a:latin typeface="Cambria Math" panose="02040503050406030204" pitchFamily="18" charset="0"/>
                             </a:rPr>
                           </m:ctrlPr>
-                        </m:naryPr>
-                        <m:sub>
+                        </m:accPr>
+                        <m:e>
                           <m:r>
-                            <m:rPr>
-                              <m:brk m:alnAt="23"/>
-                            </m:rPr>
-                            <a:rPr lang="en-US" sz="2000" b="0" i="1" smtClean="0">
+                            <a:rPr lang="en-US" sz="2000" b="1" i="1" smtClean="0">
                               <a:latin typeface="Cambria Math" panose="02040503050406030204" pitchFamily="18" charset="0"/>
                             </a:rPr>
-                            <m:t>𝑖</m:t>
+                            <m:t>𝑿</m:t>
                           </m:r>
-                          <m:r>
-                            <a:rPr lang="en-US" sz="2000" b="0" i="1" smtClean="0">
-                              <a:latin typeface="Cambria Math" panose="02040503050406030204" pitchFamily="18" charset="0"/>
-                            </a:rPr>
-                            <m:t>=</m:t>
-                          </m:r>
-                          <m:r>
-                            <a:rPr lang="en-US" sz="2000" b="0" i="1" smtClean="0">
-                              <a:latin typeface="Cambria Math" panose="02040503050406030204" pitchFamily="18" charset="0"/>
-                            </a:rPr>
-                            <m:t>1</m:t>
-                          </m:r>
-                        </m:sub>
-                        <m:sup>
-                          <m:r>
-                            <a:rPr lang="en-US" sz="2000" b="0" i="1" smtClean="0">
-                              <a:latin typeface="Cambria Math" panose="02040503050406030204" pitchFamily="18" charset="0"/>
-                            </a:rPr>
-                            <m:t>𝑁</m:t>
-                          </m:r>
-                        </m:sup>
-                        <m:e>
-                          <m:sSub>
-                            <m:sSubPr>
-                              <m:ctrlPr>
-                                <a:rPr lang="en-US" sz="2000" b="0" i="1" smtClean="0">
-                                  <a:latin typeface="Cambria Math" panose="02040503050406030204" pitchFamily="18" charset="0"/>
-                                </a:rPr>
-                              </m:ctrlPr>
-                            </m:sSubPr>
-                            <m:e>
-                              <m:d>
-                                <m:dPr>
-                                  <m:begChr m:val="|"/>
-                                  <m:endChr m:val="|"/>
-                                  <m:ctrlPr>
-                                    <a:rPr lang="en-US" sz="2000" b="0" i="1" smtClean="0">
-                                      <a:latin typeface="Cambria Math" panose="02040503050406030204" pitchFamily="18" charset="0"/>
-                                    </a:rPr>
-                                  </m:ctrlPr>
-                                </m:dPr>
-                                <m:e>
-                                  <m:r>
-                                    <a:rPr lang="en-US" sz="2000" b="0" i="1" smtClean="0">
-                                      <a:latin typeface="Cambria Math" panose="02040503050406030204" pitchFamily="18" charset="0"/>
-                                    </a:rPr>
-                                    <m:t>|</m:t>
-                                  </m:r>
-                                  <m:sSub>
-                                    <m:sSubPr>
-                                      <m:ctrlPr>
-                                        <a:rPr lang="en-US" sz="2000" i="1">
-                                          <a:latin typeface="Cambria Math" panose="02040503050406030204" pitchFamily="18" charset="0"/>
-                                        </a:rPr>
-                                      </m:ctrlPr>
-                                    </m:sSubPr>
-                                    <m:e>
-                                      <m:r>
-                                        <a:rPr lang="en-US" sz="2000" b="1">
-                                          <a:latin typeface="Cambria Math" panose="02040503050406030204" pitchFamily="18" charset="0"/>
-                                        </a:rPr>
-                                        <m:t>𝐱</m:t>
-                                      </m:r>
-                                    </m:e>
-                                    <m:sub>
-                                      <m:r>
-                                        <a:rPr lang="en-US" sz="2000" i="1">
-                                          <a:latin typeface="Cambria Math" panose="02040503050406030204" pitchFamily="18" charset="0"/>
-                                        </a:rPr>
-                                        <m:t>𝑖</m:t>
-                                      </m:r>
-                                    </m:sub>
-                                  </m:sSub>
-                                  <m:r>
-                                    <a:rPr lang="en-US" sz="2000" b="0" i="0" smtClean="0">
-                                      <a:latin typeface="Cambria Math" panose="02040503050406030204" pitchFamily="18" charset="0"/>
-                                    </a:rPr>
-                                    <m:t>−</m:t>
-                                  </m:r>
-                                  <m:sSub>
-                                    <m:sSubPr>
-                                      <m:ctrlPr>
-                                        <a:rPr lang="en-US" sz="2000" i="1">
-                                          <a:latin typeface="Cambria Math" panose="02040503050406030204" pitchFamily="18" charset="0"/>
-                                        </a:rPr>
-                                      </m:ctrlPr>
-                                    </m:sSubPr>
-                                    <m:e>
-                                      <m:acc>
-                                        <m:accPr>
-                                          <m:chr m:val="̂"/>
-                                          <m:ctrlPr>
-                                            <a:rPr lang="en-US" sz="2000" b="1" i="1">
-                                              <a:latin typeface="Cambria Math" panose="02040503050406030204" pitchFamily="18" charset="0"/>
-                                            </a:rPr>
-                                          </m:ctrlPr>
-                                        </m:accPr>
-                                        <m:e>
-                                          <m:r>
-                                            <a:rPr lang="en-US" sz="2000" b="1">
-                                              <a:latin typeface="Cambria Math" panose="02040503050406030204" pitchFamily="18" charset="0"/>
-                                            </a:rPr>
-                                            <m:t>𝐱</m:t>
-                                          </m:r>
-                                        </m:e>
-                                      </m:acc>
-                                    </m:e>
-                                    <m:sub>
-                                      <m:r>
-                                        <a:rPr lang="en-US" sz="2000" i="1">
-                                          <a:latin typeface="Cambria Math" panose="02040503050406030204" pitchFamily="18" charset="0"/>
-                                        </a:rPr>
-                                        <m:t>𝑖</m:t>
-                                      </m:r>
-                                    </m:sub>
-                                  </m:sSub>
-                                  <m:r>
-                                    <a:rPr lang="en-US" sz="2000" b="0" i="1" smtClean="0">
-                                      <a:latin typeface="Cambria Math" panose="02040503050406030204" pitchFamily="18" charset="0"/>
-                                    </a:rPr>
-                                    <m:t>|</m:t>
-                                  </m:r>
-                                </m:e>
-                              </m:d>
-                            </m:e>
-                            <m:sub>
-                              <m:r>
-                                <a:rPr lang="en-US" sz="2000" b="0" i="1" smtClean="0">
-                                  <a:latin typeface="Cambria Math" panose="02040503050406030204" pitchFamily="18" charset="0"/>
-                                </a:rPr>
-                                <m:t>2</m:t>
-                              </m:r>
-                            </m:sub>
-                          </m:sSub>
-                          <m:r>
-                            <a:rPr lang="en-US" sz="2000" i="1">
-                              <a:latin typeface="Cambria Math" panose="02040503050406030204" pitchFamily="18" charset="0"/>
-                            </a:rPr>
-                            <m:t>+</m:t>
-                          </m:r>
-                          <m:r>
-                            <a:rPr lang="en-US" sz="2000" i="1">
-                              <a:latin typeface="Cambria Math" panose="02040503050406030204" pitchFamily="18" charset="0"/>
-                            </a:rPr>
-                            <m:t>𝜆</m:t>
-                          </m:r>
-                          <m:r>
-                            <a:rPr lang="en-US" sz="2000" i="1">
-                              <a:latin typeface="Cambria Math" panose="02040503050406030204" pitchFamily="18" charset="0"/>
-                            </a:rPr>
-                            <m:t>⋅</m:t>
-                          </m:r>
-                          <m:nary>
-                            <m:naryPr>
-                              <m:chr m:val="∑"/>
-                              <m:supHide m:val="on"/>
-                              <m:ctrlPr>
-                                <a:rPr lang="en-US" sz="2000" i="1">
-                                  <a:latin typeface="Cambria Math" panose="02040503050406030204" pitchFamily="18" charset="0"/>
-                                </a:rPr>
-                              </m:ctrlPr>
-                            </m:naryPr>
-                            <m:sub>
-                              <m:r>
-                                <m:rPr>
-                                  <m:brk m:alnAt="7"/>
-                                </m:rPr>
-                                <a:rPr lang="en-US" sz="2000" i="1">
-                                  <a:latin typeface="Cambria Math" panose="02040503050406030204" pitchFamily="18" charset="0"/>
-                                </a:rPr>
-                                <m:t>𝑗</m:t>
-                              </m:r>
-                              <m:r>
-                                <a:rPr lang="en-US" sz="2000" i="1">
-                                  <a:latin typeface="Cambria Math" panose="02040503050406030204" pitchFamily="18" charset="0"/>
-                                </a:rPr>
-                                <m:t>∈</m:t>
-                              </m:r>
-                              <m:sSub>
-                                <m:sSubPr>
-                                  <m:ctrlPr>
-                                    <a:rPr lang="en-US" sz="2000" i="1">
-                                      <a:latin typeface="Cambria Math" panose="02040503050406030204" pitchFamily="18" charset="0"/>
-                                      <a:ea typeface="Cambria Math" panose="02040503050406030204" pitchFamily="18" charset="0"/>
-                                    </a:rPr>
-                                  </m:ctrlPr>
-                                </m:sSubPr>
-                                <m:e>
-                                  <m:r>
-                                    <a:rPr lang="en-US" sz="2000" i="1">
-                                      <a:latin typeface="Cambria Math" panose="02040503050406030204" pitchFamily="18" charset="0"/>
-                                      <a:ea typeface="Cambria Math" panose="02040503050406030204" pitchFamily="18" charset="0"/>
-                                    </a:rPr>
-                                    <m:t>𝒩</m:t>
-                                  </m:r>
-                                </m:e>
-                                <m:sub>
-                                  <m:r>
-                                    <a:rPr lang="en-US" sz="2000" i="1">
-                                      <a:latin typeface="Cambria Math" panose="02040503050406030204" pitchFamily="18" charset="0"/>
-                                      <a:ea typeface="Cambria Math" panose="02040503050406030204" pitchFamily="18" charset="0"/>
-                                    </a:rPr>
-                                    <m:t>𝑖</m:t>
-                                  </m:r>
-                                </m:sub>
-                              </m:sSub>
-                            </m:sub>
-                            <m:sup/>
-                            <m:e>
-                              <m:func>
-                                <m:funcPr>
-                                  <m:ctrlPr>
-                                    <a:rPr lang="en-US" sz="2000" i="1">
-                                      <a:latin typeface="Cambria Math" panose="02040503050406030204" pitchFamily="18" charset="0"/>
-                                    </a:rPr>
-                                  </m:ctrlPr>
-                                </m:funcPr>
-                                <m:fName>
-                                  <m:r>
-                                    <m:rPr>
-                                      <m:sty m:val="p"/>
-                                    </m:rPr>
-                                    <a:rPr lang="en-US" sz="2000">
-                                      <a:latin typeface="Cambria Math" panose="02040503050406030204" pitchFamily="18" charset="0"/>
-                                    </a:rPr>
-                                    <m:t>log</m:t>
-                                  </m:r>
-                                </m:fName>
-                                <m:e>
-                                  <m:d>
-                                    <m:dPr>
-                                      <m:begChr m:val="["/>
-                                      <m:endChr m:val="]"/>
-                                      <m:ctrlPr>
-                                        <a:rPr lang="en-US" sz="2000" i="1">
-                                          <a:latin typeface="Cambria Math" panose="02040503050406030204" pitchFamily="18" charset="0"/>
-                                        </a:rPr>
-                                      </m:ctrlPr>
-                                    </m:dPr>
-                                    <m:e>
-                                      <m:r>
-                                        <a:rPr lang="en-US" sz="2000" i="1">
-                                          <a:latin typeface="Cambria Math" panose="02040503050406030204" pitchFamily="18" charset="0"/>
-                                          <a:ea typeface="Cambria Math" panose="02040503050406030204" pitchFamily="18" charset="0"/>
-                                        </a:rPr>
-                                        <m:t>𝜎</m:t>
-                                      </m:r>
-                                      <m:r>
-                                        <a:rPr lang="en-US" sz="2000" i="1">
-                                          <a:latin typeface="Cambria Math" panose="02040503050406030204" pitchFamily="18" charset="0"/>
-                                          <a:ea typeface="Cambria Math" panose="02040503050406030204" pitchFamily="18" charset="0"/>
-                                        </a:rPr>
-                                        <m:t>(</m:t>
-                                      </m:r>
-                                      <m:sSubSup>
-                                        <m:sSubSupPr>
-                                          <m:ctrlPr>
-                                            <a:rPr lang="en-US" sz="2000" i="1">
-                                              <a:latin typeface="Cambria Math" panose="02040503050406030204" pitchFamily="18" charset="0"/>
-                                              <a:ea typeface="Cambria Math" panose="02040503050406030204" pitchFamily="18" charset="0"/>
-                                            </a:rPr>
-                                          </m:ctrlPr>
-                                        </m:sSubSupPr>
-                                        <m:e>
-                                          <m:r>
-                                            <a:rPr lang="en-US" sz="2000" b="1" i="1">
-                                              <a:latin typeface="Cambria Math" panose="02040503050406030204" pitchFamily="18" charset="0"/>
-                                              <a:ea typeface="Cambria Math" panose="02040503050406030204" pitchFamily="18" charset="0"/>
-                                            </a:rPr>
-                                            <m:t>𝒛</m:t>
-                                          </m:r>
-                                        </m:e>
-                                        <m:sub>
-                                          <m:r>
-                                            <a:rPr lang="en-US" sz="2000" i="1">
-                                              <a:latin typeface="Cambria Math" panose="02040503050406030204" pitchFamily="18" charset="0"/>
-                                              <a:ea typeface="Cambria Math" panose="02040503050406030204" pitchFamily="18" charset="0"/>
-                                            </a:rPr>
-                                            <m:t>𝑖</m:t>
-                                          </m:r>
-                                        </m:sub>
-                                        <m:sup>
-                                          <m:r>
-                                            <a:rPr lang="en-US" sz="2000" i="1">
-                                              <a:latin typeface="Cambria Math" panose="02040503050406030204" pitchFamily="18" charset="0"/>
-                                              <a:ea typeface="Cambria Math" panose="02040503050406030204" pitchFamily="18" charset="0"/>
-                                            </a:rPr>
-                                            <m:t>𝑇</m:t>
-                                          </m:r>
-                                        </m:sup>
-                                      </m:sSubSup>
-                                      <m:sSub>
-                                        <m:sSubPr>
-                                          <m:ctrlPr>
-                                            <a:rPr lang="en-US" sz="2000" i="1">
-                                              <a:latin typeface="Cambria Math" panose="02040503050406030204" pitchFamily="18" charset="0"/>
-                                              <a:ea typeface="Cambria Math" panose="02040503050406030204" pitchFamily="18" charset="0"/>
-                                            </a:rPr>
-                                          </m:ctrlPr>
-                                        </m:sSubPr>
-                                        <m:e>
-                                          <m:r>
-                                            <a:rPr lang="en-US" sz="2000" b="1" i="1">
-                                              <a:latin typeface="Cambria Math" panose="02040503050406030204" pitchFamily="18" charset="0"/>
-                                              <a:ea typeface="Cambria Math" panose="02040503050406030204" pitchFamily="18" charset="0"/>
-                                            </a:rPr>
-                                            <m:t>𝒛</m:t>
-                                          </m:r>
-                                        </m:e>
-                                        <m:sub>
-                                          <m:r>
-                                            <a:rPr lang="en-US" sz="2000" i="1">
-                                              <a:latin typeface="Cambria Math" panose="02040503050406030204" pitchFamily="18" charset="0"/>
-                                              <a:ea typeface="Cambria Math" panose="02040503050406030204" pitchFamily="18" charset="0"/>
-                                            </a:rPr>
-                                            <m:t>𝑗</m:t>
-                                          </m:r>
-                                        </m:sub>
-                                      </m:sSub>
-                                      <m:r>
-                                        <a:rPr lang="en-US" sz="2000" i="1">
-                                          <a:latin typeface="Cambria Math" panose="02040503050406030204" pitchFamily="18" charset="0"/>
-                                          <a:ea typeface="Cambria Math" panose="02040503050406030204" pitchFamily="18" charset="0"/>
-                                        </a:rPr>
-                                        <m:t>)</m:t>
-                                      </m:r>
-                                    </m:e>
-                                  </m:d>
-                                </m:e>
-                              </m:func>
-                            </m:e>
-                          </m:nary>
                         </m:e>
-                      </m:nary>
+                      </m:acc>
+                      <m:r>
+                        <a:rPr lang="en-US" sz="2000" b="0" i="1" smtClean="0">
+                          <a:latin typeface="Cambria Math" panose="02040503050406030204" pitchFamily="18" charset="0"/>
+                        </a:rPr>
+                        <m:t>)</m:t>
+                      </m:r>
                     </m:oMath>
                   </m:oMathPara>
                 </a14:m>
@@ -6143,8 +5901,8 @@
             </p:nvSpPr>
             <p:spPr>
               <a:xfrm>
-                <a:off x="1275573" y="5051802"/>
-                <a:ext cx="5151347" cy="997774"/>
+                <a:off x="650277" y="5245296"/>
+                <a:ext cx="3925498" cy="439736"/>
               </a:xfrm>
               <a:prstGeom prst="rect">
                 <a:avLst/>
@@ -6152,7 +5910,7 @@
               <a:blipFill>
                 <a:blip r:embed="rId18"/>
                 <a:stretch>
-                  <a:fillRect/>
+                  <a:fillRect t="-5479" r="-6832" b="-9589"/>
                 </a:stretch>
               </a:blipFill>
             </p:spPr>
@@ -6485,8 +6243,8 @@
           </a:fontRef>
         </p:style>
       </p:cxnSp>
-      <mc:AlternateContent xmlns:mc="http://schemas.openxmlformats.org/markup-compatibility/2006">
-        <mc:Choice xmlns:a14="http://schemas.microsoft.com/office/drawing/2010/main" Requires="a14">
+      <mc:AlternateContent xmlns:mc="http://schemas.openxmlformats.org/markup-compatibility/2006" xmlns:a14="http://schemas.microsoft.com/office/drawing/2010/main">
+        <mc:Choice Requires="a14">
           <p:sp>
             <p:nvSpPr>
               <p:cNvPr id="21" name="Rectangle 20">
@@ -6578,7 +6336,7 @@
             </p:txBody>
           </p:sp>
         </mc:Choice>
-        <mc:Fallback>
+        <mc:Fallback xmlns="">
           <p:sp>
             <p:nvSpPr>
               <p:cNvPr id="21" name="Rectangle 20">
@@ -6624,8 +6382,8 @@
           </p:sp>
         </mc:Fallback>
       </mc:AlternateContent>
-      <mc:AlternateContent xmlns:mc="http://schemas.openxmlformats.org/markup-compatibility/2006">
-        <mc:Choice xmlns:a14="http://schemas.microsoft.com/office/drawing/2010/main" Requires="a14">
+      <mc:AlternateContent xmlns:mc="http://schemas.openxmlformats.org/markup-compatibility/2006" xmlns:a14="http://schemas.microsoft.com/office/drawing/2010/main">
+        <mc:Choice Requires="a14">
           <p:sp>
             <p:nvSpPr>
               <p:cNvPr id="22" name="TextBox 21">
@@ -6687,7 +6445,7 @@
             </p:txBody>
           </p:sp>
         </mc:Choice>
-        <mc:Fallback>
+        <mc:Fallback xmlns="">
           <p:sp>
             <p:nvSpPr>
               <p:cNvPr id="22" name="TextBox 21">
@@ -6732,10 +6490,5562 @@
           </p:sp>
         </mc:Fallback>
       </mc:AlternateContent>
+      <mc:AlternateContent xmlns:mc="http://schemas.openxmlformats.org/markup-compatibility/2006">
+        <mc:Choice xmlns:a14="http://schemas.microsoft.com/office/drawing/2010/main" Requires="a14">
+          <p:sp>
+            <p:nvSpPr>
+              <p:cNvPr id="3" name="TextBox 2">
+                <a:extLst>
+                  <a:ext uri="{FF2B5EF4-FFF2-40B4-BE49-F238E27FC236}">
+                    <a16:creationId xmlns:a16="http://schemas.microsoft.com/office/drawing/2014/main" id="{47B74C21-01F6-54BE-6664-E25646F7EAC4}"/>
+                  </a:ext>
+                </a:extLst>
+              </p:cNvPr>
+              <p:cNvSpPr txBox="1"/>
+              <p:nvPr/>
+            </p:nvSpPr>
+            <p:spPr>
+              <a:xfrm>
+                <a:off x="9335611" y="2681399"/>
+                <a:ext cx="1153393" cy="313612"/>
+              </a:xfrm>
+              <a:prstGeom prst="rect">
+                <a:avLst/>
+              </a:prstGeom>
+              <a:noFill/>
+            </p:spPr>
+            <p:txBody>
+              <a:bodyPr wrap="none" rtlCol="0">
+                <a:spAutoFit/>
+              </a:bodyPr>
+              <a:lstStyle/>
+              <a:p>
+                <a:pPr/>
+                <a14:m>
+                  <m:oMathPara xmlns:m="http://schemas.openxmlformats.org/officeDocument/2006/math">
+                    <m:oMathParaPr>
+                      <m:jc m:val="centerGroup"/>
+                    </m:oMathParaPr>
+                    <m:oMath xmlns:m="http://schemas.openxmlformats.org/officeDocument/2006/math">
+                      <m:r>
+                        <m:rPr>
+                          <m:sty m:val="p"/>
+                        </m:rPr>
+                        <a:rPr lang="en-US" sz="1400" b="0" i="0" smtClean="0">
+                          <a:latin typeface="Cambria Math" panose="02040503050406030204" pitchFamily="18" charset="0"/>
+                        </a:rPr>
+                        <m:t>GAT</m:t>
+                      </m:r>
+                      <m:r>
+                        <a:rPr lang="en-US" sz="1400" b="0" i="0" smtClean="0">
+                          <a:latin typeface="Cambria Math" panose="02040503050406030204" pitchFamily="18" charset="0"/>
+                        </a:rPr>
+                        <m:t>(</m:t>
+                      </m:r>
+                      <m:sSub>
+                        <m:sSubPr>
+                          <m:ctrlPr>
+                            <a:rPr lang="en-US" sz="1400" b="1" i="1" smtClean="0">
+                              <a:latin typeface="Cambria Math" panose="02040503050406030204" pitchFamily="18" charset="0"/>
+                            </a:rPr>
+                          </m:ctrlPr>
+                        </m:sSubPr>
+                        <m:e>
+                          <m:acc>
+                            <m:accPr>
+                              <m:chr m:val="̂"/>
+                              <m:ctrlPr>
+                                <a:rPr lang="en-US" sz="1400" b="1" i="1" smtClean="0">
+                                  <a:latin typeface="Cambria Math" panose="02040503050406030204" pitchFamily="18" charset="0"/>
+                                </a:rPr>
+                              </m:ctrlPr>
+                            </m:accPr>
+                            <m:e>
+                              <m:r>
+                                <a:rPr lang="en-US" sz="1400" b="1" i="1" smtClean="0">
+                                  <a:latin typeface="Cambria Math" panose="02040503050406030204" pitchFamily="18" charset="0"/>
+                                </a:rPr>
+                                <m:t>𝑯</m:t>
+                              </m:r>
+                            </m:e>
+                          </m:acc>
+                        </m:e>
+                        <m:sub>
+                          <m:r>
+                            <a:rPr lang="en-US" sz="1400" b="1" i="1" smtClean="0">
+                              <a:latin typeface="Cambria Math" panose="02040503050406030204" pitchFamily="18" charset="0"/>
+                            </a:rPr>
+                            <m:t>𝟏</m:t>
+                          </m:r>
+                        </m:sub>
+                      </m:sSub>
+                      <m:r>
+                        <a:rPr lang="en-US" sz="1400" b="1" i="1" smtClean="0">
+                          <a:latin typeface="Cambria Math" panose="02040503050406030204" pitchFamily="18" charset="0"/>
+                        </a:rPr>
+                        <m:t>,</m:t>
+                      </m:r>
+                      <m:r>
+                        <a:rPr lang="en-US" sz="1400" b="1" i="1" smtClean="0">
+                          <a:latin typeface="Cambria Math" panose="02040503050406030204" pitchFamily="18" charset="0"/>
+                        </a:rPr>
+                        <m:t>𝑨</m:t>
+                      </m:r>
+                      <m:r>
+                        <a:rPr lang="en-US" sz="1400" b="1" i="1" smtClean="0">
+                          <a:latin typeface="Cambria Math" panose="02040503050406030204" pitchFamily="18" charset="0"/>
+                        </a:rPr>
+                        <m:t>)</m:t>
+                      </m:r>
+                    </m:oMath>
+                  </m:oMathPara>
+                </a14:m>
+                <a:endParaRPr lang="en-US" sz="1400" dirty="0"/>
+              </a:p>
+            </p:txBody>
+          </p:sp>
+        </mc:Choice>
+        <mc:Fallback>
+          <p:sp>
+            <p:nvSpPr>
+              <p:cNvPr id="3" name="TextBox 2">
+                <a:extLst>
+                  <a:ext uri="{FF2B5EF4-FFF2-40B4-BE49-F238E27FC236}">
+                    <a16:creationId xmlns:a16="http://schemas.microsoft.com/office/drawing/2014/main" id="{47B74C21-01F6-54BE-6664-E25646F7EAC4}"/>
+                  </a:ext>
+                </a:extLst>
+              </p:cNvPr>
+              <p:cNvSpPr txBox="1">
+                <a:spLocks noRot="1" noChangeAspect="1" noMove="1" noResize="1" noEditPoints="1" noAdjustHandles="1" noChangeArrowheads="1" noChangeShapeType="1" noTextEdit="1"/>
+              </p:cNvSpPr>
+              <p:nvPr/>
+            </p:nvSpPr>
+            <p:spPr>
+              <a:xfrm>
+                <a:off x="9335611" y="2681399"/>
+                <a:ext cx="1153393" cy="313612"/>
+              </a:xfrm>
+              <a:prstGeom prst="rect">
+                <a:avLst/>
+              </a:prstGeom>
+              <a:blipFill>
+                <a:blip r:embed="rId21"/>
+                <a:stretch>
+                  <a:fillRect t="-1961" b="-9804"/>
+                </a:stretch>
+              </a:blipFill>
+            </p:spPr>
+            <p:txBody>
+              <a:bodyPr/>
+              <a:lstStyle/>
+              <a:p>
+                <a:r>
+                  <a:rPr lang="en-US">
+                    <a:noFill/>
+                  </a:rPr>
+                  <a:t> </a:t>
+                </a:r>
+              </a:p>
+            </p:txBody>
+          </p:sp>
+        </mc:Fallback>
+      </mc:AlternateContent>
+      <mc:AlternateContent xmlns:mc="http://schemas.openxmlformats.org/markup-compatibility/2006">
+        <mc:Choice xmlns:a14="http://schemas.microsoft.com/office/drawing/2010/main" Requires="a14">
+          <p:sp>
+            <p:nvSpPr>
+              <p:cNvPr id="16" name="TextBox 15">
+                <a:extLst>
+                  <a:ext uri="{FF2B5EF4-FFF2-40B4-BE49-F238E27FC236}">
+                    <a16:creationId xmlns:a16="http://schemas.microsoft.com/office/drawing/2014/main" id="{A5B5D913-E2DC-7913-6E7B-1E6C6E4B9316}"/>
+                  </a:ext>
+                </a:extLst>
+              </p:cNvPr>
+              <p:cNvSpPr txBox="1"/>
+              <p:nvPr/>
+            </p:nvSpPr>
+            <p:spPr>
+              <a:xfrm>
+                <a:off x="6614034" y="4909307"/>
+                <a:ext cx="2956450" cy="369332"/>
+              </a:xfrm>
+              <a:prstGeom prst="rect">
+                <a:avLst/>
+              </a:prstGeom>
+              <a:noFill/>
+            </p:spPr>
+            <p:txBody>
+              <a:bodyPr wrap="none" rtlCol="0">
+                <a:spAutoFit/>
+              </a:bodyPr>
+              <a:lstStyle/>
+              <a:p>
+                <a:pPr/>
+                <a:r>
+                  <a:rPr lang="en-US" b="0" dirty="0"/>
+                  <a:t>Dot Product Decoder </a:t>
+                </a:r>
+                <a14:m>
+                  <m:oMath xmlns:m="http://schemas.openxmlformats.org/officeDocument/2006/math">
+                    <m:r>
+                      <a:rPr lang="en-US" b="0" i="1" smtClean="0">
+                        <a:latin typeface="Cambria Math" panose="02040503050406030204" pitchFamily="18" charset="0"/>
+                      </a:rPr>
+                      <m:t>𝜎</m:t>
+                    </m:r>
+                    <m:r>
+                      <a:rPr lang="en-US" b="0" i="1" smtClean="0">
+                        <a:latin typeface="Cambria Math" panose="02040503050406030204" pitchFamily="18" charset="0"/>
+                      </a:rPr>
+                      <m:t>(</m:t>
+                    </m:r>
+                    <m:r>
+                      <a:rPr lang="en-US" b="1" i="1" smtClean="0">
+                        <a:latin typeface="Cambria Math" panose="02040503050406030204" pitchFamily="18" charset="0"/>
+                      </a:rPr>
+                      <m:t>𝒁</m:t>
+                    </m:r>
+                    <m:sSup>
+                      <m:sSupPr>
+                        <m:ctrlPr>
+                          <a:rPr lang="en-US" b="1" i="1" smtClean="0">
+                            <a:latin typeface="Cambria Math" panose="02040503050406030204" pitchFamily="18" charset="0"/>
+                          </a:rPr>
+                        </m:ctrlPr>
+                      </m:sSupPr>
+                      <m:e>
+                        <m:r>
+                          <a:rPr lang="en-US" b="1" i="1" smtClean="0">
+                            <a:latin typeface="Cambria Math" panose="02040503050406030204" pitchFamily="18" charset="0"/>
+                          </a:rPr>
+                          <m:t>𝒁</m:t>
+                        </m:r>
+                      </m:e>
+                      <m:sup>
+                        <m:r>
+                          <a:rPr lang="en-US" b="0" i="1" smtClean="0">
+                            <a:latin typeface="Cambria Math" panose="02040503050406030204" pitchFamily="18" charset="0"/>
+                          </a:rPr>
+                          <m:t>𝑇</m:t>
+                        </m:r>
+                      </m:sup>
+                    </m:sSup>
+                    <m:r>
+                      <a:rPr lang="en-US" b="0" i="1" smtClean="0">
+                        <a:latin typeface="Cambria Math" panose="02040503050406030204" pitchFamily="18" charset="0"/>
+                      </a:rPr>
+                      <m:t>)</m:t>
+                    </m:r>
+                  </m:oMath>
+                </a14:m>
+                <a:endParaRPr lang="en-US" dirty="0"/>
+              </a:p>
+            </p:txBody>
+          </p:sp>
+        </mc:Choice>
+        <mc:Fallback>
+          <p:sp>
+            <p:nvSpPr>
+              <p:cNvPr id="16" name="TextBox 15">
+                <a:extLst>
+                  <a:ext uri="{FF2B5EF4-FFF2-40B4-BE49-F238E27FC236}">
+                    <a16:creationId xmlns:a16="http://schemas.microsoft.com/office/drawing/2014/main" id="{A5B5D913-E2DC-7913-6E7B-1E6C6E4B9316}"/>
+                  </a:ext>
+                </a:extLst>
+              </p:cNvPr>
+              <p:cNvSpPr txBox="1">
+                <a:spLocks noRot="1" noChangeAspect="1" noMove="1" noResize="1" noEditPoints="1" noAdjustHandles="1" noChangeArrowheads="1" noChangeShapeType="1" noTextEdit="1"/>
+              </p:cNvSpPr>
+              <p:nvPr/>
+            </p:nvSpPr>
+            <p:spPr>
+              <a:xfrm>
+                <a:off x="6614034" y="4909307"/>
+                <a:ext cx="2956450" cy="369332"/>
+              </a:xfrm>
+              <a:prstGeom prst="rect">
+                <a:avLst/>
+              </a:prstGeom>
+              <a:blipFill>
+                <a:blip r:embed="rId22"/>
+                <a:stretch>
+                  <a:fillRect l="-1856" t="-8197" b="-24590"/>
+                </a:stretch>
+              </a:blipFill>
+            </p:spPr>
+            <p:txBody>
+              <a:bodyPr/>
+              <a:lstStyle/>
+              <a:p>
+                <a:r>
+                  <a:rPr lang="en-US">
+                    <a:noFill/>
+                  </a:rPr>
+                  <a:t> </a:t>
+                </a:r>
+              </a:p>
+            </p:txBody>
+          </p:sp>
+        </mc:Fallback>
+      </mc:AlternateContent>
     </p:spTree>
     <p:extLst>
       <p:ext uri="{BB962C8B-B14F-4D97-AF65-F5344CB8AC3E}">
         <p14:creationId xmlns:p14="http://schemas.microsoft.com/office/powerpoint/2010/main" val="1044824814"/>
+      </p:ext>
+    </p:extLst>
+  </p:cSld>
+  <p:clrMapOvr>
+    <a:masterClrMapping/>
+  </p:clrMapOvr>
+</p:sld>
+</file>
+
+<file path=ppt/slides/slide2.xml><?xml version="1.0" encoding="utf-8"?>
+<p:sld xmlns:a="http://schemas.openxmlformats.org/drawingml/2006/main" xmlns:r="http://schemas.openxmlformats.org/officeDocument/2006/relationships" xmlns:p="http://schemas.openxmlformats.org/presentationml/2006/main">
+  <p:cSld>
+    <p:spTree>
+      <p:nvGrpSpPr>
+        <p:cNvPr id="1" name=""/>
+        <p:cNvGrpSpPr/>
+        <p:nvPr/>
+      </p:nvGrpSpPr>
+      <p:grpSpPr>
+        <a:xfrm>
+          <a:off x="0" y="0"/>
+          <a:ext cx="0" cy="0"/>
+          <a:chOff x="0" y="0"/>
+          <a:chExt cx="0" cy="0"/>
+        </a:xfrm>
+      </p:grpSpPr>
+      <p:sp>
+        <p:nvSpPr>
+          <p:cNvPr id="4" name="TextBox 3">
+            <a:extLst>
+              <a:ext uri="{FF2B5EF4-FFF2-40B4-BE49-F238E27FC236}">
+                <a16:creationId xmlns:a16="http://schemas.microsoft.com/office/drawing/2014/main" id="{EFE4EA1A-6933-7CA5-B222-672712B54CF6}"/>
+              </a:ext>
+            </a:extLst>
+          </p:cNvPr>
+          <p:cNvSpPr txBox="1"/>
+          <p:nvPr/>
+        </p:nvSpPr>
+        <p:spPr>
+          <a:xfrm>
+            <a:off x="87707" y="94444"/>
+            <a:ext cx="2493183" cy="369332"/>
+          </a:xfrm>
+          <a:prstGeom prst="rect">
+            <a:avLst/>
+          </a:prstGeom>
+          <a:noFill/>
+        </p:spPr>
+        <p:txBody>
+          <a:bodyPr wrap="none" rtlCol="0">
+            <a:spAutoFit/>
+          </a:bodyPr>
+          <a:lstStyle/>
+          <a:p>
+            <a:r>
+              <a:rPr lang="en-US" b="1" dirty="0"/>
+              <a:t>Top-down Classification </a:t>
+            </a:r>
+          </a:p>
+        </p:txBody>
+      </p:sp>
+      <p:sp>
+        <p:nvSpPr>
+          <p:cNvPr id="2" name="TextBox 1">
+            <a:extLst>
+              <a:ext uri="{FF2B5EF4-FFF2-40B4-BE49-F238E27FC236}">
+                <a16:creationId xmlns:a16="http://schemas.microsoft.com/office/drawing/2014/main" id="{86C10F73-4AEE-43E4-7DF9-79A32FF79AE6}"/>
+              </a:ext>
+            </a:extLst>
+          </p:cNvPr>
+          <p:cNvSpPr txBox="1"/>
+          <p:nvPr/>
+        </p:nvSpPr>
+        <p:spPr>
+          <a:xfrm>
+            <a:off x="527654" y="6414716"/>
+            <a:ext cx="11197361" cy="369332"/>
+          </a:xfrm>
+          <a:prstGeom prst="rect">
+            <a:avLst/>
+          </a:prstGeom>
+          <a:noFill/>
+        </p:spPr>
+        <p:txBody>
+          <a:bodyPr wrap="none" rtlCol="0">
+            <a:spAutoFit/>
+          </a:bodyPr>
+          <a:lstStyle/>
+          <a:p>
+            <a:r>
+              <a:rPr lang="en-US" b="0" i="0" dirty="0">
+                <a:solidFill>
+                  <a:srgbClr val="222222"/>
+                </a:solidFill>
+                <a:effectLst/>
+                <a:latin typeface="Arial" panose="020B0604020202020204" pitchFamily="34" charset="0"/>
+              </a:rPr>
+              <a:t>Salehi, Amin, and Hasan </a:t>
+            </a:r>
+            <a:r>
+              <a:rPr lang="en-US" b="0" i="0" dirty="0" err="1">
+                <a:solidFill>
+                  <a:srgbClr val="222222"/>
+                </a:solidFill>
+                <a:effectLst/>
+                <a:latin typeface="Arial" panose="020B0604020202020204" pitchFamily="34" charset="0"/>
+              </a:rPr>
+              <a:t>Davulcu</a:t>
+            </a:r>
+            <a:r>
+              <a:rPr lang="en-US" b="0" i="0" dirty="0">
+                <a:solidFill>
+                  <a:srgbClr val="222222"/>
+                </a:solidFill>
+                <a:effectLst/>
+                <a:latin typeface="Arial" panose="020B0604020202020204" pitchFamily="34" charset="0"/>
+              </a:rPr>
+              <a:t>. "Graph attention auto-encoders." </a:t>
+            </a:r>
+            <a:r>
+              <a:rPr lang="en-US" b="0" i="1" dirty="0" err="1">
+                <a:solidFill>
+                  <a:srgbClr val="222222"/>
+                </a:solidFill>
+                <a:effectLst/>
+                <a:latin typeface="Arial" panose="020B0604020202020204" pitchFamily="34" charset="0"/>
+              </a:rPr>
+              <a:t>arXiv</a:t>
+            </a:r>
+            <a:r>
+              <a:rPr lang="en-US" b="0" i="1" dirty="0">
+                <a:solidFill>
+                  <a:srgbClr val="222222"/>
+                </a:solidFill>
+                <a:effectLst/>
+                <a:latin typeface="Arial" panose="020B0604020202020204" pitchFamily="34" charset="0"/>
+              </a:rPr>
+              <a:t> preprint arXiv:1905.10715</a:t>
+            </a:r>
+            <a:r>
+              <a:rPr lang="en-US" b="0" i="0" dirty="0">
+                <a:solidFill>
+                  <a:srgbClr val="222222"/>
+                </a:solidFill>
+                <a:effectLst/>
+                <a:latin typeface="Arial" panose="020B0604020202020204" pitchFamily="34" charset="0"/>
+              </a:rPr>
+              <a:t> (2019).</a:t>
+            </a:r>
+            <a:endParaRPr lang="en-US" dirty="0"/>
+          </a:p>
+        </p:txBody>
+      </p:sp>
+      <mc:AlternateContent xmlns:mc="http://schemas.openxmlformats.org/markup-compatibility/2006">
+        <mc:Choice xmlns:a14="http://schemas.microsoft.com/office/drawing/2010/main" Requires="a14">
+          <p:sp>
+            <p:nvSpPr>
+              <p:cNvPr id="6" name="Rectangle 5">
+                <a:extLst>
+                  <a:ext uri="{FF2B5EF4-FFF2-40B4-BE49-F238E27FC236}">
+                    <a16:creationId xmlns:a16="http://schemas.microsoft.com/office/drawing/2014/main" id="{17DE40FE-B495-24AA-8B97-A568BE81537D}"/>
+                  </a:ext>
+                </a:extLst>
+              </p:cNvPr>
+              <p:cNvSpPr/>
+              <p:nvPr/>
+            </p:nvSpPr>
+            <p:spPr>
+              <a:xfrm>
+                <a:off x="441088" y="2928831"/>
+                <a:ext cx="713218" cy="1108364"/>
+              </a:xfrm>
+              <a:prstGeom prst="rect">
+                <a:avLst/>
+              </a:prstGeom>
+              <a:solidFill>
+                <a:schemeClr val="accent1">
+                  <a:lumMod val="40000"/>
+                  <a:lumOff val="60000"/>
+                </a:schemeClr>
+              </a:solidFill>
+              <a:ln w="38100"/>
+            </p:spPr>
+            <p:style>
+              <a:lnRef idx="2">
+                <a:schemeClr val="accent1">
+                  <a:shade val="15000"/>
+                </a:schemeClr>
+              </a:lnRef>
+              <a:fillRef idx="1">
+                <a:schemeClr val="accent1"/>
+              </a:fillRef>
+              <a:effectRef idx="0">
+                <a:schemeClr val="accent1"/>
+              </a:effectRef>
+              <a:fontRef idx="minor">
+                <a:schemeClr val="lt1"/>
+              </a:fontRef>
+            </p:style>
+            <p:txBody>
+              <a:bodyPr rtlCol="0" anchor="ctr"/>
+              <a:lstStyle/>
+              <a:p>
+                <a:pPr algn="ctr"/>
+                <a14:m>
+                  <m:oMathPara xmlns:m="http://schemas.openxmlformats.org/officeDocument/2006/math">
+                    <m:oMathParaPr>
+                      <m:jc m:val="centerGroup"/>
+                    </m:oMathParaPr>
+                    <m:oMath xmlns:m="http://schemas.openxmlformats.org/officeDocument/2006/math">
+                      <m:r>
+                        <a:rPr lang="en-US" sz="2800" b="1" i="1" smtClean="0">
+                          <a:solidFill>
+                            <a:schemeClr val="tx1"/>
+                          </a:solidFill>
+                          <a:latin typeface="Cambria Math" panose="02040503050406030204" pitchFamily="18" charset="0"/>
+                        </a:rPr>
+                        <m:t>𝒁</m:t>
+                      </m:r>
+                    </m:oMath>
+                  </m:oMathPara>
+                </a14:m>
+                <a:endParaRPr lang="en-US" sz="2800" b="1" dirty="0">
+                  <a:solidFill>
+                    <a:schemeClr val="tx1"/>
+                  </a:solidFill>
+                </a:endParaRPr>
+              </a:p>
+            </p:txBody>
+          </p:sp>
+        </mc:Choice>
+        <mc:Fallback>
+          <p:sp>
+            <p:nvSpPr>
+              <p:cNvPr id="6" name="Rectangle 5">
+                <a:extLst>
+                  <a:ext uri="{FF2B5EF4-FFF2-40B4-BE49-F238E27FC236}">
+                    <a16:creationId xmlns:a16="http://schemas.microsoft.com/office/drawing/2014/main" id="{17DE40FE-B495-24AA-8B97-A568BE81537D}"/>
+                  </a:ext>
+                </a:extLst>
+              </p:cNvPr>
+              <p:cNvSpPr>
+                <a:spLocks noRot="1" noChangeAspect="1" noMove="1" noResize="1" noEditPoints="1" noAdjustHandles="1" noChangeArrowheads="1" noChangeShapeType="1" noTextEdit="1"/>
+              </p:cNvSpPr>
+              <p:nvPr/>
+            </p:nvSpPr>
+            <p:spPr>
+              <a:xfrm>
+                <a:off x="441088" y="2928831"/>
+                <a:ext cx="713218" cy="1108364"/>
+              </a:xfrm>
+              <a:prstGeom prst="rect">
+                <a:avLst/>
+              </a:prstGeom>
+              <a:blipFill>
+                <a:blip r:embed="rId2"/>
+                <a:stretch>
+                  <a:fillRect/>
+                </a:stretch>
+              </a:blipFill>
+              <a:ln w="38100"/>
+            </p:spPr>
+            <p:txBody>
+              <a:bodyPr/>
+              <a:lstStyle/>
+              <a:p>
+                <a:r>
+                  <a:rPr lang="en-US">
+                    <a:noFill/>
+                  </a:rPr>
+                  <a:t> </a:t>
+                </a:r>
+              </a:p>
+            </p:txBody>
+          </p:sp>
+        </mc:Fallback>
+      </mc:AlternateContent>
+      <mc:AlternateContent xmlns:mc="http://schemas.openxmlformats.org/markup-compatibility/2006">
+        <mc:Choice xmlns:a14="http://schemas.microsoft.com/office/drawing/2010/main" Requires="a14">
+          <p:sp>
+            <p:nvSpPr>
+              <p:cNvPr id="140" name="TextBox 139">
+                <a:extLst>
+                  <a:ext uri="{FF2B5EF4-FFF2-40B4-BE49-F238E27FC236}">
+                    <a16:creationId xmlns:a16="http://schemas.microsoft.com/office/drawing/2014/main" id="{7FF5E1AE-8735-2BDE-9DAE-6E362EB5F96C}"/>
+                  </a:ext>
+                </a:extLst>
+              </p:cNvPr>
+              <p:cNvSpPr txBox="1"/>
+              <p:nvPr/>
+            </p:nvSpPr>
+            <p:spPr>
+              <a:xfrm>
+                <a:off x="369754" y="2470544"/>
+                <a:ext cx="811248" cy="369332"/>
+              </a:xfrm>
+              <a:prstGeom prst="rect">
+                <a:avLst/>
+              </a:prstGeom>
+              <a:noFill/>
+            </p:spPr>
+            <p:txBody>
+              <a:bodyPr wrap="none" rtlCol="0">
+                <a:spAutoFit/>
+              </a:bodyPr>
+              <a:lstStyle/>
+              <a:p>
+                <a:pPr/>
+                <a14:m>
+                  <m:oMathPara xmlns:m="http://schemas.openxmlformats.org/officeDocument/2006/math">
+                    <m:oMathParaPr>
+                      <m:jc m:val="centerGroup"/>
+                    </m:oMathParaPr>
+                    <m:oMath xmlns:m="http://schemas.openxmlformats.org/officeDocument/2006/math">
+                      <m:r>
+                        <a:rPr lang="en-US" b="0" i="1" smtClean="0">
+                          <a:latin typeface="Cambria Math" panose="02040503050406030204" pitchFamily="18" charset="0"/>
+                        </a:rPr>
+                        <m:t>𝑁</m:t>
+                      </m:r>
+                      <m:r>
+                        <a:rPr lang="en-US" b="0" i="1" smtClean="0">
+                          <a:latin typeface="Cambria Math" panose="02040503050406030204" pitchFamily="18" charset="0"/>
+                        </a:rPr>
+                        <m:t>×</m:t>
+                      </m:r>
+                      <m:r>
+                        <a:rPr lang="en-US" b="0" i="1" smtClean="0">
+                          <a:latin typeface="Cambria Math" panose="02040503050406030204" pitchFamily="18" charset="0"/>
+                        </a:rPr>
+                        <m:t>𝑞</m:t>
+                      </m:r>
+                    </m:oMath>
+                  </m:oMathPara>
+                </a14:m>
+                <a:endParaRPr lang="en-US" dirty="0"/>
+              </a:p>
+            </p:txBody>
+          </p:sp>
+        </mc:Choice>
+        <mc:Fallback>
+          <p:sp>
+            <p:nvSpPr>
+              <p:cNvPr id="140" name="TextBox 139">
+                <a:extLst>
+                  <a:ext uri="{FF2B5EF4-FFF2-40B4-BE49-F238E27FC236}">
+                    <a16:creationId xmlns:a16="http://schemas.microsoft.com/office/drawing/2014/main" id="{7FF5E1AE-8735-2BDE-9DAE-6E362EB5F96C}"/>
+                  </a:ext>
+                </a:extLst>
+              </p:cNvPr>
+              <p:cNvSpPr txBox="1">
+                <a:spLocks noRot="1" noChangeAspect="1" noMove="1" noResize="1" noEditPoints="1" noAdjustHandles="1" noChangeArrowheads="1" noChangeShapeType="1" noTextEdit="1"/>
+              </p:cNvSpPr>
+              <p:nvPr/>
+            </p:nvSpPr>
+            <p:spPr>
+              <a:xfrm>
+                <a:off x="369754" y="2470544"/>
+                <a:ext cx="811248" cy="369332"/>
+              </a:xfrm>
+              <a:prstGeom prst="rect">
+                <a:avLst/>
+              </a:prstGeom>
+              <a:blipFill>
+                <a:blip r:embed="rId3"/>
+                <a:stretch>
+                  <a:fillRect b="-6557"/>
+                </a:stretch>
+              </a:blipFill>
+            </p:spPr>
+            <p:txBody>
+              <a:bodyPr/>
+              <a:lstStyle/>
+              <a:p>
+                <a:r>
+                  <a:rPr lang="en-US">
+                    <a:noFill/>
+                  </a:rPr>
+                  <a:t> </a:t>
+                </a:r>
+              </a:p>
+            </p:txBody>
+          </p:sp>
+        </mc:Fallback>
+      </mc:AlternateContent>
+      <p:cxnSp>
+        <p:nvCxnSpPr>
+          <p:cNvPr id="15" name="Straight Arrow Connector 14">
+            <a:extLst>
+              <a:ext uri="{FF2B5EF4-FFF2-40B4-BE49-F238E27FC236}">
+                <a16:creationId xmlns:a16="http://schemas.microsoft.com/office/drawing/2014/main" id="{D6E412B4-52AA-8072-BA69-A4BF33EE9289}"/>
+              </a:ext>
+            </a:extLst>
+          </p:cNvPr>
+          <p:cNvCxnSpPr>
+            <a:cxnSpLocks/>
+          </p:cNvCxnSpPr>
+          <p:nvPr/>
+        </p:nvCxnSpPr>
+        <p:spPr>
+          <a:xfrm>
+            <a:off x="775378" y="1912938"/>
+            <a:ext cx="0" cy="502458"/>
+          </a:xfrm>
+          <a:prstGeom prst="straightConnector1">
+            <a:avLst/>
+          </a:prstGeom>
+          <a:ln w="76200">
+            <a:tailEnd type="triangle"/>
+          </a:ln>
+        </p:spPr>
+        <p:style>
+          <a:lnRef idx="1">
+            <a:schemeClr val="accent1"/>
+          </a:lnRef>
+          <a:fillRef idx="0">
+            <a:schemeClr val="accent1"/>
+          </a:fillRef>
+          <a:effectRef idx="0">
+            <a:schemeClr val="accent1"/>
+          </a:effectRef>
+          <a:fontRef idx="minor">
+            <a:schemeClr val="tx1"/>
+          </a:fontRef>
+        </p:style>
+      </p:cxnSp>
+      <p:cxnSp>
+        <p:nvCxnSpPr>
+          <p:cNvPr id="18" name="Straight Arrow Connector 17">
+            <a:extLst>
+              <a:ext uri="{FF2B5EF4-FFF2-40B4-BE49-F238E27FC236}">
+                <a16:creationId xmlns:a16="http://schemas.microsoft.com/office/drawing/2014/main" id="{EA59FDCF-8767-B1C8-472E-BFB77D47B92D}"/>
+              </a:ext>
+            </a:extLst>
+          </p:cNvPr>
+          <p:cNvCxnSpPr>
+            <a:cxnSpLocks/>
+          </p:cNvCxnSpPr>
+          <p:nvPr/>
+        </p:nvCxnSpPr>
+        <p:spPr>
+          <a:xfrm>
+            <a:off x="1275573" y="3483013"/>
+            <a:ext cx="692564" cy="0"/>
+          </a:xfrm>
+          <a:prstGeom prst="straightConnector1">
+            <a:avLst/>
+          </a:prstGeom>
+          <a:ln w="76200">
+            <a:tailEnd type="triangle"/>
+          </a:ln>
+        </p:spPr>
+        <p:style>
+          <a:lnRef idx="1">
+            <a:schemeClr val="accent1"/>
+          </a:lnRef>
+          <a:fillRef idx="0">
+            <a:schemeClr val="accent1"/>
+          </a:fillRef>
+          <a:effectRef idx="0">
+            <a:schemeClr val="accent1"/>
+          </a:effectRef>
+          <a:fontRef idx="minor">
+            <a:schemeClr val="tx1"/>
+          </a:fontRef>
+        </p:style>
+      </p:cxnSp>
+      <mc:AlternateContent xmlns:mc="http://schemas.openxmlformats.org/markup-compatibility/2006">
+        <mc:Choice xmlns:a14="http://schemas.microsoft.com/office/drawing/2010/main" Requires="a14">
+          <p:sp>
+            <p:nvSpPr>
+              <p:cNvPr id="23" name="Rectangle 22">
+                <a:extLst>
+                  <a:ext uri="{FF2B5EF4-FFF2-40B4-BE49-F238E27FC236}">
+                    <a16:creationId xmlns:a16="http://schemas.microsoft.com/office/drawing/2014/main" id="{CAA47973-FD5A-276E-1E10-4E86FE54340D}"/>
+                  </a:ext>
+                </a:extLst>
+              </p:cNvPr>
+              <p:cNvSpPr/>
+              <p:nvPr/>
+            </p:nvSpPr>
+            <p:spPr>
+              <a:xfrm>
+                <a:off x="2094052" y="2951288"/>
+                <a:ext cx="618258" cy="1108364"/>
+              </a:xfrm>
+              <a:prstGeom prst="rect">
+                <a:avLst/>
+              </a:prstGeom>
+              <a:solidFill>
+                <a:schemeClr val="accent1">
+                  <a:lumMod val="40000"/>
+                  <a:lumOff val="60000"/>
+                </a:schemeClr>
+              </a:solidFill>
+              <a:ln w="38100"/>
+            </p:spPr>
+            <p:style>
+              <a:lnRef idx="2">
+                <a:schemeClr val="accent1">
+                  <a:shade val="15000"/>
+                </a:schemeClr>
+              </a:lnRef>
+              <a:fillRef idx="1">
+                <a:schemeClr val="accent1"/>
+              </a:fillRef>
+              <a:effectRef idx="0">
+                <a:schemeClr val="accent1"/>
+              </a:effectRef>
+              <a:fontRef idx="minor">
+                <a:schemeClr val="lt1"/>
+              </a:fontRef>
+            </p:style>
+            <p:txBody>
+              <a:bodyPr rtlCol="0" anchor="ctr"/>
+              <a:lstStyle/>
+              <a:p>
+                <a:pPr algn="ctr"/>
+                <a14:m>
+                  <m:oMathPara xmlns:m="http://schemas.openxmlformats.org/officeDocument/2006/math">
+                    <m:oMathParaPr>
+                      <m:jc m:val="centerGroup"/>
+                    </m:oMathParaPr>
+                    <m:oMath xmlns:m="http://schemas.openxmlformats.org/officeDocument/2006/math">
+                      <m:r>
+                        <a:rPr lang="en-US" sz="2800" b="1" i="1" smtClean="0">
+                          <a:solidFill>
+                            <a:schemeClr val="tx1"/>
+                          </a:solidFill>
+                          <a:latin typeface="Cambria Math" panose="02040503050406030204" pitchFamily="18" charset="0"/>
+                        </a:rPr>
+                        <m:t>𝑯</m:t>
+                      </m:r>
+                    </m:oMath>
+                  </m:oMathPara>
+                </a14:m>
+                <a:endParaRPr lang="en-US" sz="2800" b="1" dirty="0">
+                  <a:solidFill>
+                    <a:schemeClr val="tx1"/>
+                  </a:solidFill>
+                </a:endParaRPr>
+              </a:p>
+            </p:txBody>
+          </p:sp>
+        </mc:Choice>
+        <mc:Fallback>
+          <p:sp>
+            <p:nvSpPr>
+              <p:cNvPr id="23" name="Rectangle 22">
+                <a:extLst>
+                  <a:ext uri="{FF2B5EF4-FFF2-40B4-BE49-F238E27FC236}">
+                    <a16:creationId xmlns:a16="http://schemas.microsoft.com/office/drawing/2014/main" id="{CAA47973-FD5A-276E-1E10-4E86FE54340D}"/>
+                  </a:ext>
+                </a:extLst>
+              </p:cNvPr>
+              <p:cNvSpPr>
+                <a:spLocks noRot="1" noChangeAspect="1" noMove="1" noResize="1" noEditPoints="1" noAdjustHandles="1" noChangeArrowheads="1" noChangeShapeType="1" noTextEdit="1"/>
+              </p:cNvSpPr>
+              <p:nvPr/>
+            </p:nvSpPr>
+            <p:spPr>
+              <a:xfrm>
+                <a:off x="2094052" y="2951288"/>
+                <a:ext cx="618258" cy="1108364"/>
+              </a:xfrm>
+              <a:prstGeom prst="rect">
+                <a:avLst/>
+              </a:prstGeom>
+              <a:blipFill>
+                <a:blip r:embed="rId4"/>
+                <a:stretch>
+                  <a:fillRect/>
+                </a:stretch>
+              </a:blipFill>
+              <a:ln w="38100"/>
+            </p:spPr>
+            <p:txBody>
+              <a:bodyPr/>
+              <a:lstStyle/>
+              <a:p>
+                <a:r>
+                  <a:rPr lang="en-US">
+                    <a:noFill/>
+                  </a:rPr>
+                  <a:t> </a:t>
+                </a:r>
+              </a:p>
+            </p:txBody>
+          </p:sp>
+        </mc:Fallback>
+      </mc:AlternateContent>
+      <mc:AlternateContent xmlns:mc="http://schemas.openxmlformats.org/markup-compatibility/2006">
+        <mc:Choice xmlns:a14="http://schemas.microsoft.com/office/drawing/2010/main" Requires="a14">
+          <p:sp>
+            <p:nvSpPr>
+              <p:cNvPr id="25" name="TextBox 24">
+                <a:extLst>
+                  <a:ext uri="{FF2B5EF4-FFF2-40B4-BE49-F238E27FC236}">
+                    <a16:creationId xmlns:a16="http://schemas.microsoft.com/office/drawing/2014/main" id="{ACDE50A5-C304-53D3-9AB6-97A85A913350}"/>
+                  </a:ext>
+                </a:extLst>
+              </p:cNvPr>
+              <p:cNvSpPr txBox="1"/>
+              <p:nvPr/>
+            </p:nvSpPr>
+            <p:spPr>
+              <a:xfrm>
+                <a:off x="1207953" y="3043140"/>
+                <a:ext cx="720838" cy="369332"/>
+              </a:xfrm>
+              <a:prstGeom prst="rect">
+                <a:avLst/>
+              </a:prstGeom>
+              <a:noFill/>
+            </p:spPr>
+            <p:txBody>
+              <a:bodyPr wrap="none" rtlCol="0">
+                <a:spAutoFit/>
+              </a:bodyPr>
+              <a:lstStyle/>
+              <a:p>
+                <a:pPr/>
+                <a14:m>
+                  <m:oMathPara xmlns:m="http://schemas.openxmlformats.org/officeDocument/2006/math">
+                    <m:oMathParaPr>
+                      <m:jc m:val="centerGroup"/>
+                    </m:oMathParaPr>
+                    <m:oMath xmlns:m="http://schemas.openxmlformats.org/officeDocument/2006/math">
+                      <m:r>
+                        <a:rPr lang="en-US" b="0" i="1" smtClean="0">
+                          <a:latin typeface="Cambria Math" panose="02040503050406030204" pitchFamily="18" charset="0"/>
+                        </a:rPr>
+                        <m:t>𝑔</m:t>
+                      </m:r>
+                      <m:r>
+                        <a:rPr lang="en-US" b="0" i="1" smtClean="0">
+                          <a:latin typeface="Cambria Math" panose="02040503050406030204" pitchFamily="18" charset="0"/>
+                        </a:rPr>
+                        <m:t>(</m:t>
+                      </m:r>
+                      <m:r>
+                        <a:rPr lang="en-US" b="1" i="1" smtClean="0">
+                          <a:latin typeface="Cambria Math" panose="02040503050406030204" pitchFamily="18" charset="0"/>
+                        </a:rPr>
+                        <m:t>𝒁</m:t>
+                      </m:r>
+                      <m:r>
+                        <a:rPr lang="en-US" b="1" i="1" smtClean="0">
+                          <a:latin typeface="Cambria Math" panose="02040503050406030204" pitchFamily="18" charset="0"/>
+                        </a:rPr>
+                        <m:t>)</m:t>
+                      </m:r>
+                    </m:oMath>
+                  </m:oMathPara>
+                </a14:m>
+                <a:endParaRPr lang="en-US" dirty="0"/>
+              </a:p>
+            </p:txBody>
+          </p:sp>
+        </mc:Choice>
+        <mc:Fallback>
+          <p:sp>
+            <p:nvSpPr>
+              <p:cNvPr id="25" name="TextBox 24">
+                <a:extLst>
+                  <a:ext uri="{FF2B5EF4-FFF2-40B4-BE49-F238E27FC236}">
+                    <a16:creationId xmlns:a16="http://schemas.microsoft.com/office/drawing/2014/main" id="{ACDE50A5-C304-53D3-9AB6-97A85A913350}"/>
+                  </a:ext>
+                </a:extLst>
+              </p:cNvPr>
+              <p:cNvSpPr txBox="1">
+                <a:spLocks noRot="1" noChangeAspect="1" noMove="1" noResize="1" noEditPoints="1" noAdjustHandles="1" noChangeArrowheads="1" noChangeShapeType="1" noTextEdit="1"/>
+              </p:cNvSpPr>
+              <p:nvPr/>
+            </p:nvSpPr>
+            <p:spPr>
+              <a:xfrm>
+                <a:off x="1207953" y="3043140"/>
+                <a:ext cx="720838" cy="369332"/>
+              </a:xfrm>
+              <a:prstGeom prst="rect">
+                <a:avLst/>
+              </a:prstGeom>
+              <a:blipFill>
+                <a:blip r:embed="rId5"/>
+                <a:stretch>
+                  <a:fillRect b="-13115"/>
+                </a:stretch>
+              </a:blipFill>
+            </p:spPr>
+            <p:txBody>
+              <a:bodyPr/>
+              <a:lstStyle/>
+              <a:p>
+                <a:r>
+                  <a:rPr lang="en-US">
+                    <a:noFill/>
+                  </a:rPr>
+                  <a:t> </a:t>
+                </a:r>
+              </a:p>
+            </p:txBody>
+          </p:sp>
+        </mc:Fallback>
+      </mc:AlternateContent>
+      <mc:AlternateContent xmlns:mc="http://schemas.openxmlformats.org/markup-compatibility/2006">
+        <mc:Choice xmlns:a14="http://schemas.microsoft.com/office/drawing/2010/main" Requires="a14">
+          <p:sp>
+            <p:nvSpPr>
+              <p:cNvPr id="26" name="Rectangle: Rounded Corners 25">
+                <a:extLst>
+                  <a:ext uri="{FF2B5EF4-FFF2-40B4-BE49-F238E27FC236}">
+                    <a16:creationId xmlns:a16="http://schemas.microsoft.com/office/drawing/2014/main" id="{39FA5BD4-A4EA-822B-D196-15D64FAFA59D}"/>
+                  </a:ext>
+                </a:extLst>
+              </p:cNvPr>
+              <p:cNvSpPr/>
+              <p:nvPr/>
+            </p:nvSpPr>
+            <p:spPr>
+              <a:xfrm>
+                <a:off x="69383" y="1305280"/>
+                <a:ext cx="1411990" cy="454170"/>
+              </a:xfrm>
+              <a:prstGeom prst="roundRect">
+                <a:avLst/>
+              </a:prstGeom>
+              <a:ln w="38100"/>
+            </p:spPr>
+            <p:style>
+              <a:lnRef idx="2">
+                <a:schemeClr val="accent1">
+                  <a:shade val="15000"/>
+                </a:schemeClr>
+              </a:lnRef>
+              <a:fillRef idx="1">
+                <a:schemeClr val="accent1"/>
+              </a:fillRef>
+              <a:effectRef idx="0">
+                <a:schemeClr val="accent1"/>
+              </a:effectRef>
+              <a:fontRef idx="minor">
+                <a:schemeClr val="lt1"/>
+              </a:fontRef>
+            </p:style>
+            <p:txBody>
+              <a:bodyPr rtlCol="0" anchor="ctr"/>
+              <a:lstStyle/>
+              <a:p>
+                <a:pPr/>
+                <a14:m>
+                  <m:oMathPara xmlns:m="http://schemas.openxmlformats.org/officeDocument/2006/math">
+                    <m:oMathParaPr>
+                      <m:jc m:val="centerGroup"/>
+                    </m:oMathParaPr>
+                    <m:oMath xmlns:m="http://schemas.openxmlformats.org/officeDocument/2006/math">
+                      <m:r>
+                        <a:rPr lang="en-US" b="0" i="1" smtClean="0">
+                          <a:latin typeface="Cambria Math" panose="02040503050406030204" pitchFamily="18" charset="0"/>
+                        </a:rPr>
+                        <m:t>𝐺𝐴𝑇𝐸</m:t>
+                      </m:r>
+                      <m:r>
+                        <a:rPr lang="en-US" b="0" i="1" smtClean="0">
+                          <a:latin typeface="Cambria Math" panose="02040503050406030204" pitchFamily="18" charset="0"/>
+                        </a:rPr>
+                        <m:t>(</m:t>
+                      </m:r>
+                      <m:r>
+                        <a:rPr lang="en-US" b="1" i="1" smtClean="0">
+                          <a:latin typeface="Cambria Math" panose="02040503050406030204" pitchFamily="18" charset="0"/>
+                        </a:rPr>
+                        <m:t>𝑿</m:t>
+                      </m:r>
+                      <m:r>
+                        <a:rPr lang="en-US" b="1" i="1" smtClean="0">
+                          <a:latin typeface="Cambria Math" panose="02040503050406030204" pitchFamily="18" charset="0"/>
+                        </a:rPr>
+                        <m:t>, </m:t>
+                      </m:r>
+                      <m:r>
+                        <a:rPr lang="en-US" b="1" i="1" smtClean="0">
+                          <a:latin typeface="Cambria Math" panose="02040503050406030204" pitchFamily="18" charset="0"/>
+                        </a:rPr>
+                        <m:t>𝑨</m:t>
+                      </m:r>
+                      <m:r>
+                        <a:rPr lang="en-US" b="0" i="1" smtClean="0">
+                          <a:latin typeface="Cambria Math" panose="02040503050406030204" pitchFamily="18" charset="0"/>
+                        </a:rPr>
+                        <m:t>)</m:t>
+                      </m:r>
+                    </m:oMath>
+                  </m:oMathPara>
+                </a14:m>
+                <a:endParaRPr lang="en-US" dirty="0"/>
+              </a:p>
+            </p:txBody>
+          </p:sp>
+        </mc:Choice>
+        <mc:Fallback>
+          <p:sp>
+            <p:nvSpPr>
+              <p:cNvPr id="26" name="Rectangle: Rounded Corners 25">
+                <a:extLst>
+                  <a:ext uri="{FF2B5EF4-FFF2-40B4-BE49-F238E27FC236}">
+                    <a16:creationId xmlns:a16="http://schemas.microsoft.com/office/drawing/2014/main" id="{39FA5BD4-A4EA-822B-D196-15D64FAFA59D}"/>
+                  </a:ext>
+                </a:extLst>
+              </p:cNvPr>
+              <p:cNvSpPr>
+                <a:spLocks noRot="1" noChangeAspect="1" noMove="1" noResize="1" noEditPoints="1" noAdjustHandles="1" noChangeArrowheads="1" noChangeShapeType="1" noTextEdit="1"/>
+              </p:cNvSpPr>
+              <p:nvPr/>
+            </p:nvSpPr>
+            <p:spPr>
+              <a:xfrm>
+                <a:off x="69383" y="1305280"/>
+                <a:ext cx="1411990" cy="454170"/>
+              </a:xfrm>
+              <a:prstGeom prst="roundRect">
+                <a:avLst/>
+              </a:prstGeom>
+              <a:blipFill>
+                <a:blip r:embed="rId6"/>
+                <a:stretch>
+                  <a:fillRect/>
+                </a:stretch>
+              </a:blipFill>
+              <a:ln w="38100"/>
+            </p:spPr>
+            <p:txBody>
+              <a:bodyPr/>
+              <a:lstStyle/>
+              <a:p>
+                <a:r>
+                  <a:rPr lang="en-US">
+                    <a:noFill/>
+                  </a:rPr>
+                  <a:t> </a:t>
+                </a:r>
+              </a:p>
+            </p:txBody>
+          </p:sp>
+        </mc:Fallback>
+      </mc:AlternateContent>
+      <p:cxnSp>
+        <p:nvCxnSpPr>
+          <p:cNvPr id="28" name="Straight Arrow Connector 27">
+            <a:extLst>
+              <a:ext uri="{FF2B5EF4-FFF2-40B4-BE49-F238E27FC236}">
+                <a16:creationId xmlns:a16="http://schemas.microsoft.com/office/drawing/2014/main" id="{D94A10DE-26BD-EAF7-D77B-F5AAA5C2CDDD}"/>
+              </a:ext>
+            </a:extLst>
+          </p:cNvPr>
+          <p:cNvCxnSpPr>
+            <a:cxnSpLocks/>
+          </p:cNvCxnSpPr>
+          <p:nvPr/>
+        </p:nvCxnSpPr>
+        <p:spPr>
+          <a:xfrm flipV="1">
+            <a:off x="2382053" y="1572126"/>
+            <a:ext cx="0" cy="920875"/>
+          </a:xfrm>
+          <a:prstGeom prst="straightConnector1">
+            <a:avLst/>
+          </a:prstGeom>
+          <a:ln w="76200">
+            <a:tailEnd type="triangle"/>
+          </a:ln>
+        </p:spPr>
+        <p:style>
+          <a:lnRef idx="1">
+            <a:schemeClr val="accent1"/>
+          </a:lnRef>
+          <a:fillRef idx="0">
+            <a:schemeClr val="accent1"/>
+          </a:fillRef>
+          <a:effectRef idx="0">
+            <a:schemeClr val="accent1"/>
+          </a:effectRef>
+          <a:fontRef idx="minor">
+            <a:schemeClr val="tx1"/>
+          </a:fontRef>
+        </p:style>
+      </p:cxnSp>
+      <mc:AlternateContent xmlns:mc="http://schemas.openxmlformats.org/markup-compatibility/2006">
+        <mc:Choice xmlns:a14="http://schemas.microsoft.com/office/drawing/2010/main" Requires="a14">
+          <p:sp>
+            <p:nvSpPr>
+              <p:cNvPr id="30" name="TextBox 29">
+                <a:extLst>
+                  <a:ext uri="{FF2B5EF4-FFF2-40B4-BE49-F238E27FC236}">
+                    <a16:creationId xmlns:a16="http://schemas.microsoft.com/office/drawing/2014/main" id="{0AA89B19-EDA4-C7F9-C103-3902E27FF214}"/>
+                  </a:ext>
+                </a:extLst>
+              </p:cNvPr>
+              <p:cNvSpPr txBox="1"/>
+              <p:nvPr/>
+            </p:nvSpPr>
+            <p:spPr>
+              <a:xfrm>
+                <a:off x="1741086" y="1202794"/>
+                <a:ext cx="1463862" cy="369332"/>
+              </a:xfrm>
+              <a:prstGeom prst="rect">
+                <a:avLst/>
+              </a:prstGeom>
+              <a:noFill/>
+            </p:spPr>
+            <p:txBody>
+              <a:bodyPr wrap="none" rtlCol="0">
+                <a:spAutoFit/>
+              </a:bodyPr>
+              <a:lstStyle/>
+              <a:p>
+                <a:pPr/>
+                <a14:m>
+                  <m:oMathPara xmlns:m="http://schemas.openxmlformats.org/officeDocument/2006/math">
+                    <m:oMathParaPr>
+                      <m:jc m:val="centerGroup"/>
+                    </m:oMathParaPr>
+                    <m:oMath xmlns:m="http://schemas.openxmlformats.org/officeDocument/2006/math">
+                      <m:r>
+                        <m:rPr>
+                          <m:sty m:val="p"/>
+                        </m:rPr>
+                        <a:rPr lang="en-US" b="0" i="0" smtClean="0">
+                          <a:latin typeface="Cambria Math" panose="02040503050406030204" pitchFamily="18" charset="0"/>
+                        </a:rPr>
+                        <m:t>Softmax</m:t>
+                      </m:r>
+                      <m:r>
+                        <a:rPr lang="en-US" b="0" i="1" smtClean="0">
+                          <a:latin typeface="Cambria Math" panose="02040503050406030204" pitchFamily="18" charset="0"/>
+                        </a:rPr>
+                        <m:t> (</m:t>
+                      </m:r>
+                      <m:r>
+                        <a:rPr lang="en-US" b="1" i="1" smtClean="0">
+                          <a:latin typeface="Cambria Math" panose="02040503050406030204" pitchFamily="18" charset="0"/>
+                        </a:rPr>
+                        <m:t>𝑯</m:t>
+                      </m:r>
+                      <m:r>
+                        <a:rPr lang="en-US" b="0" i="1" smtClean="0">
+                          <a:latin typeface="Cambria Math" panose="02040503050406030204" pitchFamily="18" charset="0"/>
+                        </a:rPr>
+                        <m:t>)</m:t>
+                      </m:r>
+                    </m:oMath>
+                  </m:oMathPara>
+                </a14:m>
+                <a:endParaRPr lang="en-US" dirty="0"/>
+              </a:p>
+            </p:txBody>
+          </p:sp>
+        </mc:Choice>
+        <mc:Fallback>
+          <p:sp>
+            <p:nvSpPr>
+              <p:cNvPr id="30" name="TextBox 29">
+                <a:extLst>
+                  <a:ext uri="{FF2B5EF4-FFF2-40B4-BE49-F238E27FC236}">
+                    <a16:creationId xmlns:a16="http://schemas.microsoft.com/office/drawing/2014/main" id="{0AA89B19-EDA4-C7F9-C103-3902E27FF214}"/>
+                  </a:ext>
+                </a:extLst>
+              </p:cNvPr>
+              <p:cNvSpPr txBox="1">
+                <a:spLocks noRot="1" noChangeAspect="1" noMove="1" noResize="1" noEditPoints="1" noAdjustHandles="1" noChangeArrowheads="1" noChangeShapeType="1" noTextEdit="1"/>
+              </p:cNvSpPr>
+              <p:nvPr/>
+            </p:nvSpPr>
+            <p:spPr>
+              <a:xfrm>
+                <a:off x="1741086" y="1202794"/>
+                <a:ext cx="1463862" cy="369332"/>
+              </a:xfrm>
+              <a:prstGeom prst="rect">
+                <a:avLst/>
+              </a:prstGeom>
+              <a:blipFill>
+                <a:blip r:embed="rId7"/>
+                <a:stretch>
+                  <a:fillRect b="-13115"/>
+                </a:stretch>
+              </a:blipFill>
+            </p:spPr>
+            <p:txBody>
+              <a:bodyPr/>
+              <a:lstStyle/>
+              <a:p>
+                <a:r>
+                  <a:rPr lang="en-US">
+                    <a:noFill/>
+                  </a:rPr>
+                  <a:t> </a:t>
+                </a:r>
+              </a:p>
+            </p:txBody>
+          </p:sp>
+        </mc:Fallback>
+      </mc:AlternateContent>
+      <p:cxnSp>
+        <p:nvCxnSpPr>
+          <p:cNvPr id="32" name="Straight Arrow Connector 31">
+            <a:extLst>
+              <a:ext uri="{FF2B5EF4-FFF2-40B4-BE49-F238E27FC236}">
+                <a16:creationId xmlns:a16="http://schemas.microsoft.com/office/drawing/2014/main" id="{EDA4B429-53DD-CA79-306D-FB9F297AADAD}"/>
+              </a:ext>
+            </a:extLst>
+          </p:cNvPr>
+          <p:cNvCxnSpPr>
+            <a:cxnSpLocks/>
+          </p:cNvCxnSpPr>
+          <p:nvPr/>
+        </p:nvCxnSpPr>
+        <p:spPr>
+          <a:xfrm>
+            <a:off x="3503121" y="1394652"/>
+            <a:ext cx="512852" cy="0"/>
+          </a:xfrm>
+          <a:prstGeom prst="straightConnector1">
+            <a:avLst/>
+          </a:prstGeom>
+          <a:ln w="76200">
+            <a:tailEnd type="triangle"/>
+          </a:ln>
+        </p:spPr>
+        <p:style>
+          <a:lnRef idx="1">
+            <a:schemeClr val="accent1"/>
+          </a:lnRef>
+          <a:fillRef idx="0">
+            <a:schemeClr val="accent1"/>
+          </a:fillRef>
+          <a:effectRef idx="0">
+            <a:schemeClr val="accent1"/>
+          </a:effectRef>
+          <a:fontRef idx="minor">
+            <a:schemeClr val="tx1"/>
+          </a:fontRef>
+        </p:style>
+      </p:cxnSp>
+      <mc:AlternateContent xmlns:mc="http://schemas.openxmlformats.org/markup-compatibility/2006">
+        <mc:Choice xmlns:a14="http://schemas.microsoft.com/office/drawing/2010/main" Requires="a14">
+          <p:sp>
+            <p:nvSpPr>
+              <p:cNvPr id="34" name="Rectangle 33">
+                <a:extLst>
+                  <a:ext uri="{FF2B5EF4-FFF2-40B4-BE49-F238E27FC236}">
+                    <a16:creationId xmlns:a16="http://schemas.microsoft.com/office/drawing/2014/main" id="{A52D22AE-F2DF-EB55-1BB0-C8406FE07577}"/>
+                  </a:ext>
+                </a:extLst>
+              </p:cNvPr>
+              <p:cNvSpPr/>
+              <p:nvPr/>
+            </p:nvSpPr>
+            <p:spPr>
+              <a:xfrm>
+                <a:off x="4053198" y="825230"/>
+                <a:ext cx="618258" cy="1108364"/>
+              </a:xfrm>
+              <a:prstGeom prst="rect">
+                <a:avLst/>
+              </a:prstGeom>
+              <a:solidFill>
+                <a:schemeClr val="accent1">
+                  <a:lumMod val="40000"/>
+                  <a:lumOff val="60000"/>
+                </a:schemeClr>
+              </a:solidFill>
+              <a:ln w="38100"/>
+            </p:spPr>
+            <p:style>
+              <a:lnRef idx="2">
+                <a:schemeClr val="accent1">
+                  <a:shade val="15000"/>
+                </a:schemeClr>
+              </a:lnRef>
+              <a:fillRef idx="1">
+                <a:schemeClr val="accent1"/>
+              </a:fillRef>
+              <a:effectRef idx="0">
+                <a:schemeClr val="accent1"/>
+              </a:effectRef>
+              <a:fontRef idx="minor">
+                <a:schemeClr val="lt1"/>
+              </a:fontRef>
+            </p:style>
+            <p:txBody>
+              <a:bodyPr rtlCol="0" anchor="ctr"/>
+              <a:lstStyle/>
+              <a:p>
+                <a:pPr algn="ctr"/>
+                <a14:m>
+                  <m:oMathPara xmlns:m="http://schemas.openxmlformats.org/officeDocument/2006/math">
+                    <m:oMathParaPr>
+                      <m:jc m:val="centerGroup"/>
+                    </m:oMathParaPr>
+                    <m:oMath xmlns:m="http://schemas.openxmlformats.org/officeDocument/2006/math">
+                      <m:r>
+                        <a:rPr lang="en-US" sz="2800" b="1" i="1" smtClean="0">
+                          <a:solidFill>
+                            <a:schemeClr val="tx1"/>
+                          </a:solidFill>
+                          <a:latin typeface="Cambria Math" panose="02040503050406030204" pitchFamily="18" charset="0"/>
+                        </a:rPr>
+                        <m:t>𝑷</m:t>
+                      </m:r>
+                    </m:oMath>
+                  </m:oMathPara>
+                </a14:m>
+                <a:endParaRPr lang="en-US" sz="2800" b="1" dirty="0">
+                  <a:solidFill>
+                    <a:schemeClr val="tx1"/>
+                  </a:solidFill>
+                </a:endParaRPr>
+              </a:p>
+            </p:txBody>
+          </p:sp>
+        </mc:Choice>
+        <mc:Fallback>
+          <p:sp>
+            <p:nvSpPr>
+              <p:cNvPr id="34" name="Rectangle 33">
+                <a:extLst>
+                  <a:ext uri="{FF2B5EF4-FFF2-40B4-BE49-F238E27FC236}">
+                    <a16:creationId xmlns:a16="http://schemas.microsoft.com/office/drawing/2014/main" id="{A52D22AE-F2DF-EB55-1BB0-C8406FE07577}"/>
+                  </a:ext>
+                </a:extLst>
+              </p:cNvPr>
+              <p:cNvSpPr>
+                <a:spLocks noRot="1" noChangeAspect="1" noMove="1" noResize="1" noEditPoints="1" noAdjustHandles="1" noChangeArrowheads="1" noChangeShapeType="1" noTextEdit="1"/>
+              </p:cNvSpPr>
+              <p:nvPr/>
+            </p:nvSpPr>
+            <p:spPr>
+              <a:xfrm>
+                <a:off x="4053198" y="825230"/>
+                <a:ext cx="618258" cy="1108364"/>
+              </a:xfrm>
+              <a:prstGeom prst="rect">
+                <a:avLst/>
+              </a:prstGeom>
+              <a:blipFill>
+                <a:blip r:embed="rId8"/>
+                <a:stretch>
+                  <a:fillRect/>
+                </a:stretch>
+              </a:blipFill>
+              <a:ln w="38100"/>
+            </p:spPr>
+            <p:txBody>
+              <a:bodyPr/>
+              <a:lstStyle/>
+              <a:p>
+                <a:r>
+                  <a:rPr lang="en-US">
+                    <a:noFill/>
+                  </a:rPr>
+                  <a:t> </a:t>
+                </a:r>
+              </a:p>
+            </p:txBody>
+          </p:sp>
+        </mc:Fallback>
+      </mc:AlternateContent>
+      <mc:AlternateContent xmlns:mc="http://schemas.openxmlformats.org/markup-compatibility/2006">
+        <mc:Choice xmlns:a14="http://schemas.microsoft.com/office/drawing/2010/main" Requires="a14">
+          <p:sp>
+            <p:nvSpPr>
+              <p:cNvPr id="36" name="Rectangle 35">
+                <a:extLst>
+                  <a:ext uri="{FF2B5EF4-FFF2-40B4-BE49-F238E27FC236}">
+                    <a16:creationId xmlns:a16="http://schemas.microsoft.com/office/drawing/2014/main" id="{75486EAA-52E0-C339-DD89-1251E9D4A5D0}"/>
+                  </a:ext>
+                </a:extLst>
+              </p:cNvPr>
+              <p:cNvSpPr/>
+              <p:nvPr/>
+            </p:nvSpPr>
+            <p:spPr>
+              <a:xfrm>
+                <a:off x="5608218" y="810821"/>
+                <a:ext cx="330811" cy="1108364"/>
+              </a:xfrm>
+              <a:prstGeom prst="rect">
+                <a:avLst/>
+              </a:prstGeom>
+              <a:solidFill>
+                <a:schemeClr val="accent1">
+                  <a:lumMod val="40000"/>
+                  <a:lumOff val="60000"/>
+                </a:schemeClr>
+              </a:solidFill>
+              <a:ln w="38100"/>
+            </p:spPr>
+            <p:style>
+              <a:lnRef idx="2">
+                <a:schemeClr val="accent1">
+                  <a:shade val="15000"/>
+                </a:schemeClr>
+              </a:lnRef>
+              <a:fillRef idx="1">
+                <a:schemeClr val="accent1"/>
+              </a:fillRef>
+              <a:effectRef idx="0">
+                <a:schemeClr val="accent1"/>
+              </a:effectRef>
+              <a:fontRef idx="minor">
+                <a:schemeClr val="lt1"/>
+              </a:fontRef>
+            </p:style>
+            <p:txBody>
+              <a:bodyPr rtlCol="0" anchor="ctr"/>
+              <a:lstStyle/>
+              <a:p>
+                <a:pPr algn="ctr"/>
+                <a14:m>
+                  <m:oMathPara xmlns:m="http://schemas.openxmlformats.org/officeDocument/2006/math">
+                    <m:oMathParaPr>
+                      <m:jc m:val="centerGroup"/>
+                    </m:oMathParaPr>
+                    <m:oMath xmlns:m="http://schemas.openxmlformats.org/officeDocument/2006/math">
+                      <m:r>
+                        <a:rPr lang="en-US" sz="2800" b="1" i="1" smtClean="0">
+                          <a:solidFill>
+                            <a:schemeClr val="tx1"/>
+                          </a:solidFill>
+                          <a:latin typeface="Cambria Math" panose="02040503050406030204" pitchFamily="18" charset="0"/>
+                        </a:rPr>
+                        <m:t>𝑺</m:t>
+                      </m:r>
+                    </m:oMath>
+                  </m:oMathPara>
+                </a14:m>
+                <a:endParaRPr lang="en-US" sz="2800" b="1" dirty="0">
+                  <a:solidFill>
+                    <a:schemeClr val="tx1"/>
+                  </a:solidFill>
+                </a:endParaRPr>
+              </a:p>
+            </p:txBody>
+          </p:sp>
+        </mc:Choice>
+        <mc:Fallback>
+          <p:sp>
+            <p:nvSpPr>
+              <p:cNvPr id="36" name="Rectangle 35">
+                <a:extLst>
+                  <a:ext uri="{FF2B5EF4-FFF2-40B4-BE49-F238E27FC236}">
+                    <a16:creationId xmlns:a16="http://schemas.microsoft.com/office/drawing/2014/main" id="{75486EAA-52E0-C339-DD89-1251E9D4A5D0}"/>
+                  </a:ext>
+                </a:extLst>
+              </p:cNvPr>
+              <p:cNvSpPr>
+                <a:spLocks noRot="1" noChangeAspect="1" noMove="1" noResize="1" noEditPoints="1" noAdjustHandles="1" noChangeArrowheads="1" noChangeShapeType="1" noTextEdit="1"/>
+              </p:cNvSpPr>
+              <p:nvPr/>
+            </p:nvSpPr>
+            <p:spPr>
+              <a:xfrm>
+                <a:off x="5608218" y="810821"/>
+                <a:ext cx="330811" cy="1108364"/>
+              </a:xfrm>
+              <a:prstGeom prst="rect">
+                <a:avLst/>
+              </a:prstGeom>
+              <a:blipFill>
+                <a:blip r:embed="rId9"/>
+                <a:stretch>
+                  <a:fillRect/>
+                </a:stretch>
+              </a:blipFill>
+              <a:ln w="38100"/>
+            </p:spPr>
+            <p:txBody>
+              <a:bodyPr/>
+              <a:lstStyle/>
+              <a:p>
+                <a:r>
+                  <a:rPr lang="en-US">
+                    <a:noFill/>
+                  </a:rPr>
+                  <a:t> </a:t>
+                </a:r>
+              </a:p>
+            </p:txBody>
+          </p:sp>
+        </mc:Fallback>
+      </mc:AlternateContent>
+      <p:cxnSp>
+        <p:nvCxnSpPr>
+          <p:cNvPr id="37" name="Straight Arrow Connector 36">
+            <a:extLst>
+              <a:ext uri="{FF2B5EF4-FFF2-40B4-BE49-F238E27FC236}">
+                <a16:creationId xmlns:a16="http://schemas.microsoft.com/office/drawing/2014/main" id="{E9611D31-D48D-70B7-F58A-AC64BF416C9E}"/>
+              </a:ext>
+            </a:extLst>
+          </p:cNvPr>
+          <p:cNvCxnSpPr>
+            <a:cxnSpLocks/>
+          </p:cNvCxnSpPr>
+          <p:nvPr/>
+        </p:nvCxnSpPr>
+        <p:spPr>
+          <a:xfrm>
+            <a:off x="4785581" y="1394652"/>
+            <a:ext cx="710270" cy="0"/>
+          </a:xfrm>
+          <a:prstGeom prst="straightConnector1">
+            <a:avLst/>
+          </a:prstGeom>
+          <a:ln w="76200">
+            <a:tailEnd type="triangle"/>
+          </a:ln>
+        </p:spPr>
+        <p:style>
+          <a:lnRef idx="1">
+            <a:schemeClr val="accent1"/>
+          </a:lnRef>
+          <a:fillRef idx="0">
+            <a:schemeClr val="accent1"/>
+          </a:fillRef>
+          <a:effectRef idx="0">
+            <a:schemeClr val="accent1"/>
+          </a:effectRef>
+          <a:fontRef idx="minor">
+            <a:schemeClr val="tx1"/>
+          </a:fontRef>
+        </p:style>
+      </p:cxnSp>
+      <mc:AlternateContent xmlns:mc="http://schemas.openxmlformats.org/markup-compatibility/2006">
+        <mc:Choice xmlns:a14="http://schemas.microsoft.com/office/drawing/2010/main" Requires="a14">
+          <p:sp>
+            <p:nvSpPr>
+              <p:cNvPr id="38" name="TextBox 37">
+                <a:extLst>
+                  <a:ext uri="{FF2B5EF4-FFF2-40B4-BE49-F238E27FC236}">
+                    <a16:creationId xmlns:a16="http://schemas.microsoft.com/office/drawing/2014/main" id="{A787452B-1030-24E9-0F8D-5A8B1518EFE5}"/>
+                  </a:ext>
+                </a:extLst>
+              </p:cNvPr>
+              <p:cNvSpPr txBox="1"/>
+              <p:nvPr/>
+            </p:nvSpPr>
+            <p:spPr>
+              <a:xfrm>
+                <a:off x="4651563" y="980777"/>
+                <a:ext cx="976549" cy="369332"/>
+              </a:xfrm>
+              <a:prstGeom prst="rect">
+                <a:avLst/>
+              </a:prstGeom>
+              <a:noFill/>
+            </p:spPr>
+            <p:txBody>
+              <a:bodyPr wrap="none" rtlCol="0">
+                <a:spAutoFit/>
+              </a:bodyPr>
+              <a:lstStyle/>
+              <a:p>
+                <a:pPr/>
+                <a14:m>
+                  <m:oMathPara xmlns:m="http://schemas.openxmlformats.org/officeDocument/2006/math">
+                    <m:oMathParaPr>
+                      <m:jc m:val="centerGroup"/>
+                    </m:oMathParaPr>
+                    <m:oMath xmlns:m="http://schemas.openxmlformats.org/officeDocument/2006/math">
+                      <m:r>
+                        <m:rPr>
+                          <m:sty m:val="p"/>
+                        </m:rPr>
+                        <a:rPr lang="en-US" b="0" i="0" smtClean="0">
+                          <a:latin typeface="Cambria Math" panose="02040503050406030204" pitchFamily="18" charset="0"/>
+                        </a:rPr>
+                        <m:t>argmax</m:t>
+                      </m:r>
+                    </m:oMath>
+                  </m:oMathPara>
+                </a14:m>
+                <a:endParaRPr lang="en-US" dirty="0"/>
+              </a:p>
+            </p:txBody>
+          </p:sp>
+        </mc:Choice>
+        <mc:Fallback>
+          <p:sp>
+            <p:nvSpPr>
+              <p:cNvPr id="38" name="TextBox 37">
+                <a:extLst>
+                  <a:ext uri="{FF2B5EF4-FFF2-40B4-BE49-F238E27FC236}">
+                    <a16:creationId xmlns:a16="http://schemas.microsoft.com/office/drawing/2014/main" id="{A787452B-1030-24E9-0F8D-5A8B1518EFE5}"/>
+                  </a:ext>
+                </a:extLst>
+              </p:cNvPr>
+              <p:cNvSpPr txBox="1">
+                <a:spLocks noRot="1" noChangeAspect="1" noMove="1" noResize="1" noEditPoints="1" noAdjustHandles="1" noChangeArrowheads="1" noChangeShapeType="1" noTextEdit="1"/>
+              </p:cNvSpPr>
+              <p:nvPr/>
+            </p:nvSpPr>
+            <p:spPr>
+              <a:xfrm>
+                <a:off x="4651563" y="980777"/>
+                <a:ext cx="976549" cy="369332"/>
+              </a:xfrm>
+              <a:prstGeom prst="rect">
+                <a:avLst/>
+              </a:prstGeom>
+              <a:blipFill>
+                <a:blip r:embed="rId10"/>
+                <a:stretch>
+                  <a:fillRect b="-6667"/>
+                </a:stretch>
+              </a:blipFill>
+            </p:spPr>
+            <p:txBody>
+              <a:bodyPr/>
+              <a:lstStyle/>
+              <a:p>
+                <a:r>
+                  <a:rPr lang="en-US">
+                    <a:noFill/>
+                  </a:rPr>
+                  <a:t> </a:t>
+                </a:r>
+              </a:p>
+            </p:txBody>
+          </p:sp>
+        </mc:Fallback>
+      </mc:AlternateContent>
+      <mc:AlternateContent xmlns:mc="http://schemas.openxmlformats.org/markup-compatibility/2006">
+        <mc:Choice xmlns:a14="http://schemas.microsoft.com/office/drawing/2010/main" Requires="a14">
+          <p:sp>
+            <p:nvSpPr>
+              <p:cNvPr id="44" name="TextBox 43">
+                <a:extLst>
+                  <a:ext uri="{FF2B5EF4-FFF2-40B4-BE49-F238E27FC236}">
+                    <a16:creationId xmlns:a16="http://schemas.microsoft.com/office/drawing/2014/main" id="{43BE0368-785F-18C3-AEE4-55EAC1305644}"/>
+                  </a:ext>
+                </a:extLst>
+              </p:cNvPr>
+              <p:cNvSpPr txBox="1"/>
+              <p:nvPr/>
+            </p:nvSpPr>
+            <p:spPr>
+              <a:xfrm>
+                <a:off x="1997557" y="2558209"/>
+                <a:ext cx="812595" cy="369332"/>
+              </a:xfrm>
+              <a:prstGeom prst="rect">
+                <a:avLst/>
+              </a:prstGeom>
+              <a:noFill/>
+            </p:spPr>
+            <p:txBody>
+              <a:bodyPr wrap="none" rtlCol="0">
+                <a:spAutoFit/>
+              </a:bodyPr>
+              <a:lstStyle/>
+              <a:p>
+                <a:pPr/>
+                <a14:m>
+                  <m:oMathPara xmlns:m="http://schemas.openxmlformats.org/officeDocument/2006/math">
+                    <m:oMathParaPr>
+                      <m:jc m:val="centerGroup"/>
+                    </m:oMathParaPr>
+                    <m:oMath xmlns:m="http://schemas.openxmlformats.org/officeDocument/2006/math">
+                      <m:r>
+                        <a:rPr lang="en-US" b="0" i="1" smtClean="0">
+                          <a:latin typeface="Cambria Math" panose="02040503050406030204" pitchFamily="18" charset="0"/>
+                        </a:rPr>
+                        <m:t>𝑁</m:t>
+                      </m:r>
+                      <m:r>
+                        <a:rPr lang="en-US" b="0" i="1" smtClean="0">
+                          <a:latin typeface="Cambria Math" panose="02040503050406030204" pitchFamily="18" charset="0"/>
+                        </a:rPr>
+                        <m:t>×</m:t>
+                      </m:r>
+                      <m:r>
+                        <a:rPr lang="en-US" b="0" i="1" smtClean="0">
+                          <a:latin typeface="Cambria Math" panose="02040503050406030204" pitchFamily="18" charset="0"/>
+                        </a:rPr>
+                        <m:t>𝑘</m:t>
+                      </m:r>
+                    </m:oMath>
+                  </m:oMathPara>
+                </a14:m>
+                <a:endParaRPr lang="en-US" dirty="0"/>
+              </a:p>
+            </p:txBody>
+          </p:sp>
+        </mc:Choice>
+        <mc:Fallback>
+          <p:sp>
+            <p:nvSpPr>
+              <p:cNvPr id="44" name="TextBox 43">
+                <a:extLst>
+                  <a:ext uri="{FF2B5EF4-FFF2-40B4-BE49-F238E27FC236}">
+                    <a16:creationId xmlns:a16="http://schemas.microsoft.com/office/drawing/2014/main" id="{43BE0368-785F-18C3-AEE4-55EAC1305644}"/>
+                  </a:ext>
+                </a:extLst>
+              </p:cNvPr>
+              <p:cNvSpPr txBox="1">
+                <a:spLocks noRot="1" noChangeAspect="1" noMove="1" noResize="1" noEditPoints="1" noAdjustHandles="1" noChangeArrowheads="1" noChangeShapeType="1" noTextEdit="1"/>
+              </p:cNvSpPr>
+              <p:nvPr/>
+            </p:nvSpPr>
+            <p:spPr>
+              <a:xfrm>
+                <a:off x="1997557" y="2558209"/>
+                <a:ext cx="812595" cy="369332"/>
+              </a:xfrm>
+              <a:prstGeom prst="rect">
+                <a:avLst/>
+              </a:prstGeom>
+              <a:blipFill>
+                <a:blip r:embed="rId11"/>
+                <a:stretch>
+                  <a:fillRect/>
+                </a:stretch>
+              </a:blipFill>
+            </p:spPr>
+            <p:txBody>
+              <a:bodyPr/>
+              <a:lstStyle/>
+              <a:p>
+                <a:r>
+                  <a:rPr lang="en-US">
+                    <a:noFill/>
+                  </a:rPr>
+                  <a:t> </a:t>
+                </a:r>
+              </a:p>
+            </p:txBody>
+          </p:sp>
+        </mc:Fallback>
+      </mc:AlternateContent>
+      <mc:AlternateContent xmlns:mc="http://schemas.openxmlformats.org/markup-compatibility/2006">
+        <mc:Choice xmlns:a14="http://schemas.microsoft.com/office/drawing/2010/main" Requires="a14">
+          <p:sp>
+            <p:nvSpPr>
+              <p:cNvPr id="45" name="TextBox 44">
+                <a:extLst>
+                  <a:ext uri="{FF2B5EF4-FFF2-40B4-BE49-F238E27FC236}">
+                    <a16:creationId xmlns:a16="http://schemas.microsoft.com/office/drawing/2014/main" id="{D18C5E22-FF6B-0BD3-7649-2057241BEF3B}"/>
+                  </a:ext>
+                </a:extLst>
+              </p:cNvPr>
+              <p:cNvSpPr txBox="1"/>
+              <p:nvPr/>
+            </p:nvSpPr>
+            <p:spPr>
+              <a:xfrm>
+                <a:off x="3937148" y="474997"/>
+                <a:ext cx="812595" cy="369332"/>
+              </a:xfrm>
+              <a:prstGeom prst="rect">
+                <a:avLst/>
+              </a:prstGeom>
+              <a:noFill/>
+            </p:spPr>
+            <p:txBody>
+              <a:bodyPr wrap="none" rtlCol="0">
+                <a:spAutoFit/>
+              </a:bodyPr>
+              <a:lstStyle/>
+              <a:p>
+                <a:pPr/>
+                <a14:m>
+                  <m:oMathPara xmlns:m="http://schemas.openxmlformats.org/officeDocument/2006/math">
+                    <m:oMathParaPr>
+                      <m:jc m:val="centerGroup"/>
+                    </m:oMathParaPr>
+                    <m:oMath xmlns:m="http://schemas.openxmlformats.org/officeDocument/2006/math">
+                      <m:r>
+                        <a:rPr lang="en-US" b="0" i="1" smtClean="0">
+                          <a:latin typeface="Cambria Math" panose="02040503050406030204" pitchFamily="18" charset="0"/>
+                        </a:rPr>
+                        <m:t>𝑁</m:t>
+                      </m:r>
+                      <m:r>
+                        <a:rPr lang="en-US" b="0" i="1" smtClean="0">
+                          <a:latin typeface="Cambria Math" panose="02040503050406030204" pitchFamily="18" charset="0"/>
+                        </a:rPr>
+                        <m:t>×</m:t>
+                      </m:r>
+                      <m:r>
+                        <a:rPr lang="en-US" b="0" i="1" smtClean="0">
+                          <a:latin typeface="Cambria Math" panose="02040503050406030204" pitchFamily="18" charset="0"/>
+                        </a:rPr>
+                        <m:t>𝑘</m:t>
+                      </m:r>
+                    </m:oMath>
+                  </m:oMathPara>
+                </a14:m>
+                <a:endParaRPr lang="en-US" dirty="0"/>
+              </a:p>
+            </p:txBody>
+          </p:sp>
+        </mc:Choice>
+        <mc:Fallback>
+          <p:sp>
+            <p:nvSpPr>
+              <p:cNvPr id="45" name="TextBox 44">
+                <a:extLst>
+                  <a:ext uri="{FF2B5EF4-FFF2-40B4-BE49-F238E27FC236}">
+                    <a16:creationId xmlns:a16="http://schemas.microsoft.com/office/drawing/2014/main" id="{D18C5E22-FF6B-0BD3-7649-2057241BEF3B}"/>
+                  </a:ext>
+                </a:extLst>
+              </p:cNvPr>
+              <p:cNvSpPr txBox="1">
+                <a:spLocks noRot="1" noChangeAspect="1" noMove="1" noResize="1" noEditPoints="1" noAdjustHandles="1" noChangeArrowheads="1" noChangeShapeType="1" noTextEdit="1"/>
+              </p:cNvSpPr>
+              <p:nvPr/>
+            </p:nvSpPr>
+            <p:spPr>
+              <a:xfrm>
+                <a:off x="3937148" y="474997"/>
+                <a:ext cx="812595" cy="369332"/>
+              </a:xfrm>
+              <a:prstGeom prst="rect">
+                <a:avLst/>
+              </a:prstGeom>
+              <a:blipFill>
+                <a:blip r:embed="rId12"/>
+                <a:stretch>
+                  <a:fillRect/>
+                </a:stretch>
+              </a:blipFill>
+            </p:spPr>
+            <p:txBody>
+              <a:bodyPr/>
+              <a:lstStyle/>
+              <a:p>
+                <a:r>
+                  <a:rPr lang="en-US">
+                    <a:noFill/>
+                  </a:rPr>
+                  <a:t> </a:t>
+                </a:r>
+              </a:p>
+            </p:txBody>
+          </p:sp>
+        </mc:Fallback>
+      </mc:AlternateContent>
+      <mc:AlternateContent xmlns:mc="http://schemas.openxmlformats.org/markup-compatibility/2006">
+        <mc:Choice xmlns:a14="http://schemas.microsoft.com/office/drawing/2010/main" Requires="a14">
+          <p:sp>
+            <p:nvSpPr>
+              <p:cNvPr id="46" name="Rectangle 45">
+                <a:extLst>
+                  <a:ext uri="{FF2B5EF4-FFF2-40B4-BE49-F238E27FC236}">
+                    <a16:creationId xmlns:a16="http://schemas.microsoft.com/office/drawing/2014/main" id="{D527F719-6FEF-8989-9D01-818347FC4D86}"/>
+                  </a:ext>
+                </a:extLst>
+              </p:cNvPr>
+              <p:cNvSpPr/>
+              <p:nvPr/>
+            </p:nvSpPr>
+            <p:spPr>
+              <a:xfrm>
+                <a:off x="5818381" y="3020082"/>
+                <a:ext cx="618258" cy="369332"/>
+              </a:xfrm>
+              <a:prstGeom prst="rect">
+                <a:avLst/>
+              </a:prstGeom>
+              <a:solidFill>
+                <a:schemeClr val="accent1">
+                  <a:lumMod val="40000"/>
+                  <a:lumOff val="60000"/>
+                </a:schemeClr>
+              </a:solidFill>
+              <a:ln w="38100"/>
+            </p:spPr>
+            <p:style>
+              <a:lnRef idx="2">
+                <a:schemeClr val="accent1">
+                  <a:shade val="15000"/>
+                </a:schemeClr>
+              </a:lnRef>
+              <a:fillRef idx="1">
+                <a:schemeClr val="accent1"/>
+              </a:fillRef>
+              <a:effectRef idx="0">
+                <a:schemeClr val="accent1"/>
+              </a:effectRef>
+              <a:fontRef idx="minor">
+                <a:schemeClr val="lt1"/>
+              </a:fontRef>
+            </p:style>
+            <p:txBody>
+              <a:bodyPr rtlCol="0" anchor="ctr"/>
+              <a:lstStyle/>
+              <a:p>
+                <a:pPr algn="ctr"/>
+                <a14:m>
+                  <m:oMathPara xmlns:m="http://schemas.openxmlformats.org/officeDocument/2006/math">
+                    <m:oMathParaPr>
+                      <m:jc m:val="centerGroup"/>
+                    </m:oMathParaPr>
+                    <m:oMath xmlns:m="http://schemas.openxmlformats.org/officeDocument/2006/math">
+                      <m:sSub>
+                        <m:sSubPr>
+                          <m:ctrlPr>
+                            <a:rPr lang="en-US" sz="2000" b="1" i="1" smtClean="0">
+                              <a:solidFill>
+                                <a:schemeClr val="tx1"/>
+                              </a:solidFill>
+                              <a:latin typeface="Cambria Math" panose="02040503050406030204" pitchFamily="18" charset="0"/>
+                            </a:rPr>
+                          </m:ctrlPr>
+                        </m:sSubPr>
+                        <m:e>
+                          <m:r>
+                            <a:rPr lang="en-US" sz="2000" b="1" i="1" smtClean="0">
+                              <a:solidFill>
+                                <a:schemeClr val="tx1"/>
+                              </a:solidFill>
+                              <a:latin typeface="Cambria Math" panose="02040503050406030204" pitchFamily="18" charset="0"/>
+                            </a:rPr>
+                            <m:t>𝒁</m:t>
+                          </m:r>
+                        </m:e>
+                        <m:sub>
+                          <m:r>
+                            <a:rPr lang="en-US" sz="2000" b="1" i="1" smtClean="0">
+                              <a:solidFill>
+                                <a:schemeClr val="tx1"/>
+                              </a:solidFill>
+                              <a:latin typeface="Cambria Math" panose="02040503050406030204" pitchFamily="18" charset="0"/>
+                            </a:rPr>
+                            <m:t>𝟏</m:t>
+                          </m:r>
+                        </m:sub>
+                      </m:sSub>
+                    </m:oMath>
+                  </m:oMathPara>
+                </a14:m>
+                <a:endParaRPr lang="en-US" sz="2800" b="1" dirty="0">
+                  <a:solidFill>
+                    <a:schemeClr val="tx1"/>
+                  </a:solidFill>
+                </a:endParaRPr>
+              </a:p>
+            </p:txBody>
+          </p:sp>
+        </mc:Choice>
+        <mc:Fallback>
+          <p:sp>
+            <p:nvSpPr>
+              <p:cNvPr id="46" name="Rectangle 45">
+                <a:extLst>
+                  <a:ext uri="{FF2B5EF4-FFF2-40B4-BE49-F238E27FC236}">
+                    <a16:creationId xmlns:a16="http://schemas.microsoft.com/office/drawing/2014/main" id="{D527F719-6FEF-8989-9D01-818347FC4D86}"/>
+                  </a:ext>
+                </a:extLst>
+              </p:cNvPr>
+              <p:cNvSpPr>
+                <a:spLocks noRot="1" noChangeAspect="1" noMove="1" noResize="1" noEditPoints="1" noAdjustHandles="1" noChangeArrowheads="1" noChangeShapeType="1" noTextEdit="1"/>
+              </p:cNvSpPr>
+              <p:nvPr/>
+            </p:nvSpPr>
+            <p:spPr>
+              <a:xfrm>
+                <a:off x="5818381" y="3020082"/>
+                <a:ext cx="618258" cy="369332"/>
+              </a:xfrm>
+              <a:prstGeom prst="rect">
+                <a:avLst/>
+              </a:prstGeom>
+              <a:blipFill>
+                <a:blip r:embed="rId13"/>
+                <a:stretch>
+                  <a:fillRect b="-1493"/>
+                </a:stretch>
+              </a:blipFill>
+              <a:ln w="38100"/>
+            </p:spPr>
+            <p:txBody>
+              <a:bodyPr/>
+              <a:lstStyle/>
+              <a:p>
+                <a:r>
+                  <a:rPr lang="en-US">
+                    <a:noFill/>
+                  </a:rPr>
+                  <a:t> </a:t>
+                </a:r>
+              </a:p>
+            </p:txBody>
+          </p:sp>
+        </mc:Fallback>
+      </mc:AlternateContent>
+      <mc:AlternateContent xmlns:mc="http://schemas.openxmlformats.org/markup-compatibility/2006">
+        <mc:Choice xmlns:a14="http://schemas.microsoft.com/office/drawing/2010/main" Requires="a14">
+          <p:sp>
+            <p:nvSpPr>
+              <p:cNvPr id="47" name="Rectangle 46">
+                <a:extLst>
+                  <a:ext uri="{FF2B5EF4-FFF2-40B4-BE49-F238E27FC236}">
+                    <a16:creationId xmlns:a16="http://schemas.microsoft.com/office/drawing/2014/main" id="{AEC8DB58-7082-2D25-5CB2-EB00767FB873}"/>
+                  </a:ext>
+                </a:extLst>
+              </p:cNvPr>
+              <p:cNvSpPr/>
+              <p:nvPr/>
+            </p:nvSpPr>
+            <p:spPr>
+              <a:xfrm>
+                <a:off x="5818381" y="3516466"/>
+                <a:ext cx="618258" cy="369332"/>
+              </a:xfrm>
+              <a:prstGeom prst="rect">
+                <a:avLst/>
+              </a:prstGeom>
+              <a:solidFill>
+                <a:schemeClr val="accent1">
+                  <a:lumMod val="40000"/>
+                  <a:lumOff val="60000"/>
+                </a:schemeClr>
+              </a:solidFill>
+              <a:ln w="38100"/>
+            </p:spPr>
+            <p:style>
+              <a:lnRef idx="2">
+                <a:schemeClr val="accent1">
+                  <a:shade val="15000"/>
+                </a:schemeClr>
+              </a:lnRef>
+              <a:fillRef idx="1">
+                <a:schemeClr val="accent1"/>
+              </a:fillRef>
+              <a:effectRef idx="0">
+                <a:schemeClr val="accent1"/>
+              </a:effectRef>
+              <a:fontRef idx="minor">
+                <a:schemeClr val="lt1"/>
+              </a:fontRef>
+            </p:style>
+            <p:txBody>
+              <a:bodyPr rtlCol="0" anchor="ctr"/>
+              <a:lstStyle/>
+              <a:p>
+                <a:pPr algn="ctr"/>
+                <a14:m>
+                  <m:oMathPara xmlns:m="http://schemas.openxmlformats.org/officeDocument/2006/math">
+                    <m:oMathParaPr>
+                      <m:jc m:val="centerGroup"/>
+                    </m:oMathParaPr>
+                    <m:oMath xmlns:m="http://schemas.openxmlformats.org/officeDocument/2006/math">
+                      <m:sSub>
+                        <m:sSubPr>
+                          <m:ctrlPr>
+                            <a:rPr lang="en-US" sz="2000" b="1" i="1" smtClean="0">
+                              <a:solidFill>
+                                <a:schemeClr val="tx1"/>
+                              </a:solidFill>
+                              <a:latin typeface="Cambria Math" panose="02040503050406030204" pitchFamily="18" charset="0"/>
+                            </a:rPr>
+                          </m:ctrlPr>
+                        </m:sSubPr>
+                        <m:e>
+                          <m:r>
+                            <a:rPr lang="en-US" sz="2000" b="1" i="1" smtClean="0">
+                              <a:solidFill>
+                                <a:schemeClr val="tx1"/>
+                              </a:solidFill>
+                              <a:latin typeface="Cambria Math" panose="02040503050406030204" pitchFamily="18" charset="0"/>
+                            </a:rPr>
+                            <m:t>𝒁</m:t>
+                          </m:r>
+                        </m:e>
+                        <m:sub>
+                          <m:r>
+                            <a:rPr lang="en-US" sz="2000" b="1" i="1" smtClean="0">
+                              <a:solidFill>
+                                <a:schemeClr val="tx1"/>
+                              </a:solidFill>
+                              <a:latin typeface="Cambria Math" panose="02040503050406030204" pitchFamily="18" charset="0"/>
+                            </a:rPr>
+                            <m:t>𝟐</m:t>
+                          </m:r>
+                        </m:sub>
+                      </m:sSub>
+                    </m:oMath>
+                  </m:oMathPara>
+                </a14:m>
+                <a:endParaRPr lang="en-US" sz="2800" b="1" dirty="0">
+                  <a:solidFill>
+                    <a:schemeClr val="tx1"/>
+                  </a:solidFill>
+                </a:endParaRPr>
+              </a:p>
+            </p:txBody>
+          </p:sp>
+        </mc:Choice>
+        <mc:Fallback>
+          <p:sp>
+            <p:nvSpPr>
+              <p:cNvPr id="47" name="Rectangle 46">
+                <a:extLst>
+                  <a:ext uri="{FF2B5EF4-FFF2-40B4-BE49-F238E27FC236}">
+                    <a16:creationId xmlns:a16="http://schemas.microsoft.com/office/drawing/2014/main" id="{AEC8DB58-7082-2D25-5CB2-EB00767FB873}"/>
+                  </a:ext>
+                </a:extLst>
+              </p:cNvPr>
+              <p:cNvSpPr>
+                <a:spLocks noRot="1" noChangeAspect="1" noMove="1" noResize="1" noEditPoints="1" noAdjustHandles="1" noChangeArrowheads="1" noChangeShapeType="1" noTextEdit="1"/>
+              </p:cNvSpPr>
+              <p:nvPr/>
+            </p:nvSpPr>
+            <p:spPr>
+              <a:xfrm>
+                <a:off x="5818381" y="3516466"/>
+                <a:ext cx="618258" cy="369332"/>
+              </a:xfrm>
+              <a:prstGeom prst="rect">
+                <a:avLst/>
+              </a:prstGeom>
+              <a:blipFill>
+                <a:blip r:embed="rId14"/>
+                <a:stretch>
+                  <a:fillRect b="-1515"/>
+                </a:stretch>
+              </a:blipFill>
+              <a:ln w="38100"/>
+            </p:spPr>
+            <p:txBody>
+              <a:bodyPr/>
+              <a:lstStyle/>
+              <a:p>
+                <a:r>
+                  <a:rPr lang="en-US">
+                    <a:noFill/>
+                  </a:rPr>
+                  <a:t> </a:t>
+                </a:r>
+              </a:p>
+            </p:txBody>
+          </p:sp>
+        </mc:Fallback>
+      </mc:AlternateContent>
+      <mc:AlternateContent xmlns:mc="http://schemas.openxmlformats.org/markup-compatibility/2006">
+        <mc:Choice xmlns:a14="http://schemas.microsoft.com/office/drawing/2010/main" Requires="a14">
+          <p:sp>
+            <p:nvSpPr>
+              <p:cNvPr id="48" name="Rectangle 47">
+                <a:extLst>
+                  <a:ext uri="{FF2B5EF4-FFF2-40B4-BE49-F238E27FC236}">
+                    <a16:creationId xmlns:a16="http://schemas.microsoft.com/office/drawing/2014/main" id="{EC38AD29-A267-CBC9-2887-44C296869635}"/>
+                  </a:ext>
+                </a:extLst>
+              </p:cNvPr>
+              <p:cNvSpPr/>
+              <p:nvPr/>
+            </p:nvSpPr>
+            <p:spPr>
+              <a:xfrm>
+                <a:off x="5831222" y="4417606"/>
+                <a:ext cx="618258" cy="369332"/>
+              </a:xfrm>
+              <a:prstGeom prst="rect">
+                <a:avLst/>
+              </a:prstGeom>
+              <a:solidFill>
+                <a:schemeClr val="accent1">
+                  <a:lumMod val="40000"/>
+                  <a:lumOff val="60000"/>
+                </a:schemeClr>
+              </a:solidFill>
+              <a:ln w="38100"/>
+            </p:spPr>
+            <p:style>
+              <a:lnRef idx="2">
+                <a:schemeClr val="accent1">
+                  <a:shade val="15000"/>
+                </a:schemeClr>
+              </a:lnRef>
+              <a:fillRef idx="1">
+                <a:schemeClr val="accent1"/>
+              </a:fillRef>
+              <a:effectRef idx="0">
+                <a:schemeClr val="accent1"/>
+              </a:effectRef>
+              <a:fontRef idx="minor">
+                <a:schemeClr val="lt1"/>
+              </a:fontRef>
+            </p:style>
+            <p:txBody>
+              <a:bodyPr rtlCol="0" anchor="ctr"/>
+              <a:lstStyle/>
+              <a:p>
+                <a:pPr algn="ctr"/>
+                <a14:m>
+                  <m:oMathPara xmlns:m="http://schemas.openxmlformats.org/officeDocument/2006/math">
+                    <m:oMathParaPr>
+                      <m:jc m:val="centerGroup"/>
+                    </m:oMathParaPr>
+                    <m:oMath xmlns:m="http://schemas.openxmlformats.org/officeDocument/2006/math">
+                      <m:sSub>
+                        <m:sSubPr>
+                          <m:ctrlPr>
+                            <a:rPr lang="en-US" sz="2000" b="1" i="1" smtClean="0">
+                              <a:solidFill>
+                                <a:schemeClr val="tx1"/>
+                              </a:solidFill>
+                              <a:latin typeface="Cambria Math" panose="02040503050406030204" pitchFamily="18" charset="0"/>
+                            </a:rPr>
+                          </m:ctrlPr>
+                        </m:sSubPr>
+                        <m:e>
+                          <m:r>
+                            <a:rPr lang="en-US" sz="2000" b="1" i="1" smtClean="0">
+                              <a:solidFill>
+                                <a:schemeClr val="tx1"/>
+                              </a:solidFill>
+                              <a:latin typeface="Cambria Math" panose="02040503050406030204" pitchFamily="18" charset="0"/>
+                            </a:rPr>
+                            <m:t>𝒁</m:t>
+                          </m:r>
+                        </m:e>
+                        <m:sub>
+                          <m:r>
+                            <a:rPr lang="en-US" sz="2000" b="1" i="1" smtClean="0">
+                              <a:solidFill>
+                                <a:schemeClr val="tx1"/>
+                              </a:solidFill>
+                              <a:latin typeface="Cambria Math" panose="02040503050406030204" pitchFamily="18" charset="0"/>
+                            </a:rPr>
+                            <m:t>𝒌</m:t>
+                          </m:r>
+                        </m:sub>
+                      </m:sSub>
+                    </m:oMath>
+                  </m:oMathPara>
+                </a14:m>
+                <a:endParaRPr lang="en-US" sz="2800" b="1" dirty="0">
+                  <a:solidFill>
+                    <a:schemeClr val="tx1"/>
+                  </a:solidFill>
+                </a:endParaRPr>
+              </a:p>
+            </p:txBody>
+          </p:sp>
+        </mc:Choice>
+        <mc:Fallback>
+          <p:sp>
+            <p:nvSpPr>
+              <p:cNvPr id="48" name="Rectangle 47">
+                <a:extLst>
+                  <a:ext uri="{FF2B5EF4-FFF2-40B4-BE49-F238E27FC236}">
+                    <a16:creationId xmlns:a16="http://schemas.microsoft.com/office/drawing/2014/main" id="{EC38AD29-A267-CBC9-2887-44C296869635}"/>
+                  </a:ext>
+                </a:extLst>
+              </p:cNvPr>
+              <p:cNvSpPr>
+                <a:spLocks noRot="1" noChangeAspect="1" noMove="1" noResize="1" noEditPoints="1" noAdjustHandles="1" noChangeArrowheads="1" noChangeShapeType="1" noTextEdit="1"/>
+              </p:cNvSpPr>
+              <p:nvPr/>
+            </p:nvSpPr>
+            <p:spPr>
+              <a:xfrm>
+                <a:off x="5831222" y="4417606"/>
+                <a:ext cx="618258" cy="369332"/>
+              </a:xfrm>
+              <a:prstGeom prst="rect">
+                <a:avLst/>
+              </a:prstGeom>
+              <a:blipFill>
+                <a:blip r:embed="rId15"/>
+                <a:stretch>
+                  <a:fillRect b="-3030"/>
+                </a:stretch>
+              </a:blipFill>
+              <a:ln w="38100"/>
+            </p:spPr>
+            <p:txBody>
+              <a:bodyPr/>
+              <a:lstStyle/>
+              <a:p>
+                <a:r>
+                  <a:rPr lang="en-US">
+                    <a:noFill/>
+                  </a:rPr>
+                  <a:t> </a:t>
+                </a:r>
+              </a:p>
+            </p:txBody>
+          </p:sp>
+        </mc:Fallback>
+      </mc:AlternateContent>
+      <mc:AlternateContent xmlns:mc="http://schemas.openxmlformats.org/markup-compatibility/2006">
+        <mc:Choice xmlns:a14="http://schemas.microsoft.com/office/drawing/2010/main" Requires="a14">
+          <p:sp>
+            <p:nvSpPr>
+              <p:cNvPr id="52" name="TextBox 51">
+                <a:extLst>
+                  <a:ext uri="{FF2B5EF4-FFF2-40B4-BE49-F238E27FC236}">
+                    <a16:creationId xmlns:a16="http://schemas.microsoft.com/office/drawing/2014/main" id="{75E0B4C2-2BD4-4A6B-891A-80DA3A246391}"/>
+                  </a:ext>
+                </a:extLst>
+              </p:cNvPr>
+              <p:cNvSpPr txBox="1"/>
+              <p:nvPr/>
+            </p:nvSpPr>
+            <p:spPr>
+              <a:xfrm>
+                <a:off x="6030464" y="3921222"/>
+                <a:ext cx="165109" cy="369332"/>
+              </a:xfrm>
+              <a:prstGeom prst="rect">
+                <a:avLst/>
+              </a:prstGeom>
+              <a:noFill/>
+            </p:spPr>
+            <p:txBody>
+              <a:bodyPr wrap="none" lIns="0" tIns="0" rIns="0" bIns="0" rtlCol="0">
+                <a:spAutoFit/>
+              </a:bodyPr>
+              <a:lstStyle/>
+              <a:p>
+                <a14:m>
+                  <m:oMathPara xmlns:m="http://schemas.openxmlformats.org/officeDocument/2006/math">
+                    <m:oMathParaPr>
+                      <m:jc m:val="centerGroup"/>
+                    </m:oMathParaPr>
+                    <m:oMath xmlns:m="http://schemas.openxmlformats.org/officeDocument/2006/math">
+                      <m:r>
+                        <a:rPr lang="en-US" sz="2400" b="0" i="1" smtClean="0">
+                          <a:latin typeface="Cambria Math" panose="02040503050406030204" pitchFamily="18" charset="0"/>
+                        </a:rPr>
+                        <m:t>⋮</m:t>
+                      </m:r>
+                    </m:oMath>
+                  </m:oMathPara>
+                </a14:m>
+                <a:endParaRPr lang="en-US" sz="2400" dirty="0"/>
+              </a:p>
+            </p:txBody>
+          </p:sp>
+        </mc:Choice>
+        <mc:Fallback>
+          <p:sp>
+            <p:nvSpPr>
+              <p:cNvPr id="52" name="TextBox 51">
+                <a:extLst>
+                  <a:ext uri="{FF2B5EF4-FFF2-40B4-BE49-F238E27FC236}">
+                    <a16:creationId xmlns:a16="http://schemas.microsoft.com/office/drawing/2014/main" id="{75E0B4C2-2BD4-4A6B-891A-80DA3A246391}"/>
+                  </a:ext>
+                </a:extLst>
+              </p:cNvPr>
+              <p:cNvSpPr txBox="1">
+                <a:spLocks noRot="1" noChangeAspect="1" noMove="1" noResize="1" noEditPoints="1" noAdjustHandles="1" noChangeArrowheads="1" noChangeShapeType="1" noTextEdit="1"/>
+              </p:cNvSpPr>
+              <p:nvPr/>
+            </p:nvSpPr>
+            <p:spPr>
+              <a:xfrm>
+                <a:off x="6030464" y="3921222"/>
+                <a:ext cx="165109" cy="369332"/>
+              </a:xfrm>
+              <a:prstGeom prst="rect">
+                <a:avLst/>
+              </a:prstGeom>
+              <a:blipFill>
+                <a:blip r:embed="rId16"/>
+                <a:stretch>
+                  <a:fillRect l="-37037" r="-44444" b="-4918"/>
+                </a:stretch>
+              </a:blipFill>
+            </p:spPr>
+            <p:txBody>
+              <a:bodyPr/>
+              <a:lstStyle/>
+              <a:p>
+                <a:r>
+                  <a:rPr lang="en-US">
+                    <a:noFill/>
+                  </a:rPr>
+                  <a:t> </a:t>
+                </a:r>
+              </a:p>
+            </p:txBody>
+          </p:sp>
+        </mc:Fallback>
+      </mc:AlternateContent>
+      <mc:AlternateContent xmlns:mc="http://schemas.openxmlformats.org/markup-compatibility/2006">
+        <mc:Choice xmlns:a14="http://schemas.microsoft.com/office/drawing/2010/main" Requires="a14">
+          <p:sp>
+            <p:nvSpPr>
+              <p:cNvPr id="53" name="TextBox 52">
+                <a:extLst>
+                  <a:ext uri="{FF2B5EF4-FFF2-40B4-BE49-F238E27FC236}">
+                    <a16:creationId xmlns:a16="http://schemas.microsoft.com/office/drawing/2014/main" id="{DD35B74E-741C-BA2C-0C6A-3B8673FCCC62}"/>
+                  </a:ext>
+                </a:extLst>
+              </p:cNvPr>
+              <p:cNvSpPr txBox="1"/>
+              <p:nvPr/>
+            </p:nvSpPr>
+            <p:spPr>
+              <a:xfrm>
+                <a:off x="3533588" y="3547440"/>
+                <a:ext cx="1638590" cy="646331"/>
+              </a:xfrm>
+              <a:prstGeom prst="rect">
+                <a:avLst/>
+              </a:prstGeom>
+              <a:noFill/>
+            </p:spPr>
+            <p:txBody>
+              <a:bodyPr wrap="none" rtlCol="0">
+                <a:spAutoFit/>
+              </a:bodyPr>
+              <a:lstStyle/>
+              <a:p>
+                <a:pPr/>
+                <a14:m>
+                  <m:oMathPara xmlns:m="http://schemas.openxmlformats.org/officeDocument/2006/math">
+                    <m:oMathParaPr>
+                      <m:jc m:val="centerGroup"/>
+                    </m:oMathParaPr>
+                    <m:oMath xmlns:m="http://schemas.openxmlformats.org/officeDocument/2006/math">
+                      <m:r>
+                        <m:rPr>
+                          <m:sty m:val="p"/>
+                        </m:rPr>
+                        <a:rPr lang="en-US" b="0" i="0" smtClean="0">
+                          <a:latin typeface="Cambria Math" panose="02040503050406030204" pitchFamily="18" charset="0"/>
+                        </a:rPr>
+                        <m:t>Partition</m:t>
+                      </m:r>
+                      <m:r>
+                        <a:rPr lang="en-US" b="0" i="1" smtClean="0">
+                          <a:latin typeface="Cambria Math" panose="02040503050406030204" pitchFamily="18" charset="0"/>
+                        </a:rPr>
+                        <m:t> </m:t>
+                      </m:r>
+                      <m:r>
+                        <a:rPr lang="en-US" b="1" i="1" smtClean="0">
+                          <a:latin typeface="Cambria Math" panose="02040503050406030204" pitchFamily="18" charset="0"/>
+                        </a:rPr>
+                        <m:t>𝒁</m:t>
+                      </m:r>
+                      <m:r>
+                        <a:rPr lang="en-US" b="1" i="1" smtClean="0">
+                          <a:latin typeface="Cambria Math" panose="02040503050406030204" pitchFamily="18" charset="0"/>
+                        </a:rPr>
+                        <m:t> </m:t>
+                      </m:r>
+                    </m:oMath>
+                  </m:oMathPara>
+                </a14:m>
+                <a:endParaRPr lang="en-US" b="1" i="1" dirty="0">
+                  <a:latin typeface="Cambria Math" panose="02040503050406030204" pitchFamily="18" charset="0"/>
+                </a:endParaRPr>
+              </a:p>
+              <a:p>
+                <a:pPr/>
+                <a14:m>
+                  <m:oMathPara xmlns:m="http://schemas.openxmlformats.org/officeDocument/2006/math">
+                    <m:oMathParaPr>
+                      <m:jc m:val="centerGroup"/>
+                    </m:oMathParaPr>
+                    <m:oMath xmlns:m="http://schemas.openxmlformats.org/officeDocument/2006/math">
+                      <m:r>
+                        <m:rPr>
+                          <m:sty m:val="p"/>
+                        </m:rPr>
+                        <a:rPr lang="en-US" b="0" i="0" smtClean="0">
+                          <a:latin typeface="Cambria Math" panose="02040503050406030204" pitchFamily="18" charset="0"/>
+                        </a:rPr>
+                        <m:t>according</m:t>
+                      </m:r>
+                      <m:r>
+                        <a:rPr lang="en-US" b="0" i="0" smtClean="0">
+                          <a:latin typeface="Cambria Math" panose="02040503050406030204" pitchFamily="18" charset="0"/>
+                        </a:rPr>
+                        <m:t> </m:t>
+                      </m:r>
+                      <m:r>
+                        <m:rPr>
+                          <m:sty m:val="p"/>
+                        </m:rPr>
+                        <a:rPr lang="en-US" b="0" i="0" smtClean="0">
+                          <a:latin typeface="Cambria Math" panose="02040503050406030204" pitchFamily="18" charset="0"/>
+                        </a:rPr>
+                        <m:t>to</m:t>
+                      </m:r>
+                      <m:r>
+                        <a:rPr lang="en-US" b="0" i="0" smtClean="0">
+                          <a:latin typeface="Cambria Math" panose="02040503050406030204" pitchFamily="18" charset="0"/>
+                        </a:rPr>
+                        <m:t> </m:t>
+                      </m:r>
+                      <m:r>
+                        <a:rPr lang="en-US" b="1" i="1" smtClean="0">
+                          <a:latin typeface="Cambria Math" panose="02040503050406030204" pitchFamily="18" charset="0"/>
+                        </a:rPr>
+                        <m:t>𝑺</m:t>
+                      </m:r>
+                    </m:oMath>
+                  </m:oMathPara>
+                </a14:m>
+                <a:endParaRPr lang="en-US" dirty="0"/>
+              </a:p>
+            </p:txBody>
+          </p:sp>
+        </mc:Choice>
+        <mc:Fallback>
+          <p:sp>
+            <p:nvSpPr>
+              <p:cNvPr id="53" name="TextBox 52">
+                <a:extLst>
+                  <a:ext uri="{FF2B5EF4-FFF2-40B4-BE49-F238E27FC236}">
+                    <a16:creationId xmlns:a16="http://schemas.microsoft.com/office/drawing/2014/main" id="{DD35B74E-741C-BA2C-0C6A-3B8673FCCC62}"/>
+                  </a:ext>
+                </a:extLst>
+              </p:cNvPr>
+              <p:cNvSpPr txBox="1">
+                <a:spLocks noRot="1" noChangeAspect="1" noMove="1" noResize="1" noEditPoints="1" noAdjustHandles="1" noChangeArrowheads="1" noChangeShapeType="1" noTextEdit="1"/>
+              </p:cNvSpPr>
+              <p:nvPr/>
+            </p:nvSpPr>
+            <p:spPr>
+              <a:xfrm>
+                <a:off x="3533588" y="3547440"/>
+                <a:ext cx="1638590" cy="646331"/>
+              </a:xfrm>
+              <a:prstGeom prst="rect">
+                <a:avLst/>
+              </a:prstGeom>
+              <a:blipFill>
+                <a:blip r:embed="rId17"/>
+                <a:stretch>
+                  <a:fillRect b="-6604"/>
+                </a:stretch>
+              </a:blipFill>
+            </p:spPr>
+            <p:txBody>
+              <a:bodyPr/>
+              <a:lstStyle/>
+              <a:p>
+                <a:r>
+                  <a:rPr lang="en-US">
+                    <a:noFill/>
+                  </a:rPr>
+                  <a:t> </a:t>
+                </a:r>
+              </a:p>
+            </p:txBody>
+          </p:sp>
+        </mc:Fallback>
+      </mc:AlternateContent>
+      <p:cxnSp>
+        <p:nvCxnSpPr>
+          <p:cNvPr id="54" name="Straight Arrow Connector 53">
+            <a:extLst>
+              <a:ext uri="{FF2B5EF4-FFF2-40B4-BE49-F238E27FC236}">
+                <a16:creationId xmlns:a16="http://schemas.microsoft.com/office/drawing/2014/main" id="{506BFC3A-93ED-FF93-8DB9-48BE4E7948AA}"/>
+              </a:ext>
+            </a:extLst>
+          </p:cNvPr>
+          <p:cNvCxnSpPr>
+            <a:cxnSpLocks/>
+          </p:cNvCxnSpPr>
+          <p:nvPr/>
+        </p:nvCxnSpPr>
+        <p:spPr>
+          <a:xfrm>
+            <a:off x="5123590" y="3890708"/>
+            <a:ext cx="513231" cy="0"/>
+          </a:xfrm>
+          <a:prstGeom prst="straightConnector1">
+            <a:avLst/>
+          </a:prstGeom>
+          <a:ln w="76200">
+            <a:tailEnd type="triangle"/>
+          </a:ln>
+        </p:spPr>
+        <p:style>
+          <a:lnRef idx="1">
+            <a:schemeClr val="accent1"/>
+          </a:lnRef>
+          <a:fillRef idx="0">
+            <a:schemeClr val="accent1"/>
+          </a:fillRef>
+          <a:effectRef idx="0">
+            <a:schemeClr val="accent1"/>
+          </a:effectRef>
+          <a:fontRef idx="minor">
+            <a:schemeClr val="tx1"/>
+          </a:fontRef>
+        </p:style>
+      </p:cxnSp>
+      <p:cxnSp>
+        <p:nvCxnSpPr>
+          <p:cNvPr id="56" name="Straight Arrow Connector 55">
+            <a:extLst>
+              <a:ext uri="{FF2B5EF4-FFF2-40B4-BE49-F238E27FC236}">
+                <a16:creationId xmlns:a16="http://schemas.microsoft.com/office/drawing/2014/main" id="{8701E4EE-DCFA-C277-9228-350AA4E26328}"/>
+              </a:ext>
+            </a:extLst>
+          </p:cNvPr>
+          <p:cNvCxnSpPr>
+            <a:cxnSpLocks/>
+          </p:cNvCxnSpPr>
+          <p:nvPr/>
+        </p:nvCxnSpPr>
+        <p:spPr>
+          <a:xfrm>
+            <a:off x="6605436" y="3191537"/>
+            <a:ext cx="513231" cy="0"/>
+          </a:xfrm>
+          <a:prstGeom prst="straightConnector1">
+            <a:avLst/>
+          </a:prstGeom>
+          <a:ln w="76200">
+            <a:tailEnd type="triangle"/>
+          </a:ln>
+        </p:spPr>
+        <p:style>
+          <a:lnRef idx="1">
+            <a:schemeClr val="accent1"/>
+          </a:lnRef>
+          <a:fillRef idx="0">
+            <a:schemeClr val="accent1"/>
+          </a:fillRef>
+          <a:effectRef idx="0">
+            <a:schemeClr val="accent1"/>
+          </a:effectRef>
+          <a:fontRef idx="minor">
+            <a:schemeClr val="tx1"/>
+          </a:fontRef>
+        </p:style>
+      </p:cxnSp>
+      <p:cxnSp>
+        <p:nvCxnSpPr>
+          <p:cNvPr id="58" name="Straight Arrow Connector 57">
+            <a:extLst>
+              <a:ext uri="{FF2B5EF4-FFF2-40B4-BE49-F238E27FC236}">
+                <a16:creationId xmlns:a16="http://schemas.microsoft.com/office/drawing/2014/main" id="{EC8D3C7A-0266-F218-861C-B992B7C1918B}"/>
+              </a:ext>
+            </a:extLst>
+          </p:cNvPr>
+          <p:cNvCxnSpPr>
+            <a:cxnSpLocks/>
+          </p:cNvCxnSpPr>
+          <p:nvPr/>
+        </p:nvCxnSpPr>
+        <p:spPr>
+          <a:xfrm>
+            <a:off x="6605436" y="3653627"/>
+            <a:ext cx="513231" cy="0"/>
+          </a:xfrm>
+          <a:prstGeom prst="straightConnector1">
+            <a:avLst/>
+          </a:prstGeom>
+          <a:ln w="76200">
+            <a:tailEnd type="triangle"/>
+          </a:ln>
+        </p:spPr>
+        <p:style>
+          <a:lnRef idx="1">
+            <a:schemeClr val="accent1"/>
+          </a:lnRef>
+          <a:fillRef idx="0">
+            <a:schemeClr val="accent1"/>
+          </a:fillRef>
+          <a:effectRef idx="0">
+            <a:schemeClr val="accent1"/>
+          </a:effectRef>
+          <a:fontRef idx="minor">
+            <a:schemeClr val="tx1"/>
+          </a:fontRef>
+        </p:style>
+      </p:cxnSp>
+      <p:cxnSp>
+        <p:nvCxnSpPr>
+          <p:cNvPr id="59" name="Straight Arrow Connector 58">
+            <a:extLst>
+              <a:ext uri="{FF2B5EF4-FFF2-40B4-BE49-F238E27FC236}">
+                <a16:creationId xmlns:a16="http://schemas.microsoft.com/office/drawing/2014/main" id="{2C32D308-5246-55AF-B29B-62D84B2450B7}"/>
+              </a:ext>
+            </a:extLst>
+          </p:cNvPr>
+          <p:cNvCxnSpPr>
+            <a:cxnSpLocks/>
+          </p:cNvCxnSpPr>
+          <p:nvPr/>
+        </p:nvCxnSpPr>
+        <p:spPr>
+          <a:xfrm>
+            <a:off x="6605436" y="4602272"/>
+            <a:ext cx="513231" cy="0"/>
+          </a:xfrm>
+          <a:prstGeom prst="straightConnector1">
+            <a:avLst/>
+          </a:prstGeom>
+          <a:ln w="76200">
+            <a:tailEnd type="triangle"/>
+          </a:ln>
+        </p:spPr>
+        <p:style>
+          <a:lnRef idx="1">
+            <a:schemeClr val="accent1"/>
+          </a:lnRef>
+          <a:fillRef idx="0">
+            <a:schemeClr val="accent1"/>
+          </a:fillRef>
+          <a:effectRef idx="0">
+            <a:schemeClr val="accent1"/>
+          </a:effectRef>
+          <a:fontRef idx="minor">
+            <a:schemeClr val="tx1"/>
+          </a:fontRef>
+        </p:style>
+      </p:cxnSp>
+      <mc:AlternateContent xmlns:mc="http://schemas.openxmlformats.org/markup-compatibility/2006">
+        <mc:Choice xmlns:a14="http://schemas.microsoft.com/office/drawing/2010/main" Requires="a14">
+          <p:sp>
+            <p:nvSpPr>
+              <p:cNvPr id="61" name="TextBox 60">
+                <a:extLst>
+                  <a:ext uri="{FF2B5EF4-FFF2-40B4-BE49-F238E27FC236}">
+                    <a16:creationId xmlns:a16="http://schemas.microsoft.com/office/drawing/2014/main" id="{1C1721F9-1258-25DE-33D0-1B5443481316}"/>
+                  </a:ext>
+                </a:extLst>
+              </p:cNvPr>
+              <p:cNvSpPr txBox="1"/>
+              <p:nvPr/>
+            </p:nvSpPr>
+            <p:spPr>
+              <a:xfrm>
+                <a:off x="5508898" y="4860455"/>
+                <a:ext cx="1510926" cy="379656"/>
+              </a:xfrm>
+              <a:prstGeom prst="rect">
+                <a:avLst/>
+              </a:prstGeom>
+              <a:noFill/>
+            </p:spPr>
+            <p:txBody>
+              <a:bodyPr wrap="none" rtlCol="0">
+                <a:spAutoFit/>
+              </a:bodyPr>
+              <a:lstStyle/>
+              <a:p>
+                <a:pPr/>
+                <a14:m>
+                  <m:oMathPara xmlns:m="http://schemas.openxmlformats.org/officeDocument/2006/math">
+                    <m:oMathParaPr>
+                      <m:jc m:val="centerGroup"/>
+                    </m:oMathParaPr>
+                    <m:oMath xmlns:m="http://schemas.openxmlformats.org/officeDocument/2006/math">
+                      <m:sSub>
+                        <m:sSubPr>
+                          <m:ctrlPr>
+                            <a:rPr lang="en-US" b="1" i="1" smtClean="0">
+                              <a:latin typeface="Cambria Math" panose="02040503050406030204" pitchFamily="18" charset="0"/>
+                            </a:rPr>
+                          </m:ctrlPr>
+                        </m:sSubPr>
+                        <m:e>
+                          <m:r>
+                            <a:rPr lang="en-US" b="1" i="1" smtClean="0">
+                              <a:latin typeface="Cambria Math" panose="02040503050406030204" pitchFamily="18" charset="0"/>
+                            </a:rPr>
+                            <m:t>𝑯</m:t>
+                          </m:r>
+                        </m:e>
+                        <m:sub>
+                          <m:r>
+                            <a:rPr lang="en-US" b="1" i="1" smtClean="0">
+                              <a:latin typeface="Cambria Math" panose="02040503050406030204" pitchFamily="18" charset="0"/>
+                            </a:rPr>
+                            <m:t>𝒊</m:t>
+                          </m:r>
+                        </m:sub>
+                      </m:sSub>
+                      <m:r>
+                        <a:rPr lang="en-US" b="1" i="1" smtClean="0">
+                          <a:latin typeface="Cambria Math" panose="02040503050406030204" pitchFamily="18" charset="0"/>
+                        </a:rPr>
+                        <m:t>∈</m:t>
+                      </m:r>
+                      <m:r>
+                        <a:rPr lang="en-US" b="0" i="1" smtClean="0">
+                          <a:latin typeface="Cambria Math" panose="02040503050406030204" pitchFamily="18" charset="0"/>
+                        </a:rPr>
+                        <m:t> </m:t>
+                      </m:r>
+                      <m:sSup>
+                        <m:sSupPr>
+                          <m:ctrlPr>
+                            <a:rPr lang="en-US" b="0" i="1" smtClean="0">
+                              <a:latin typeface="Cambria Math" panose="02040503050406030204" pitchFamily="18" charset="0"/>
+                              <a:ea typeface="Cambria Math" panose="02040503050406030204" pitchFamily="18" charset="0"/>
+                            </a:rPr>
+                          </m:ctrlPr>
+                        </m:sSupPr>
+                        <m:e>
+                          <m:r>
+                            <a:rPr lang="en-US" b="0" i="1" smtClean="0">
+                              <a:latin typeface="Cambria Math" panose="02040503050406030204" pitchFamily="18" charset="0"/>
+                              <a:ea typeface="Cambria Math" panose="02040503050406030204" pitchFamily="18" charset="0"/>
+                            </a:rPr>
+                            <m:t>ℝ</m:t>
+                          </m:r>
+                        </m:e>
+                        <m:sup>
+                          <m:r>
+                            <a:rPr lang="en-US" b="0" i="1" smtClean="0">
+                              <a:latin typeface="Cambria Math" panose="02040503050406030204" pitchFamily="18" charset="0"/>
+                              <a:ea typeface="Cambria Math" panose="02040503050406030204" pitchFamily="18" charset="0"/>
+                            </a:rPr>
+                            <m:t>|</m:t>
+                          </m:r>
+                          <m:sSub>
+                            <m:sSubPr>
+                              <m:ctrlPr>
+                                <a:rPr lang="en-US" b="0" i="1" smtClean="0">
+                                  <a:latin typeface="Cambria Math" panose="02040503050406030204" pitchFamily="18" charset="0"/>
+                                  <a:ea typeface="Cambria Math" panose="02040503050406030204" pitchFamily="18" charset="0"/>
+                                </a:rPr>
+                              </m:ctrlPr>
+                            </m:sSubPr>
+                            <m:e>
+                              <m:r>
+                                <a:rPr lang="en-US" b="0" i="1" smtClean="0">
+                                  <a:latin typeface="Cambria Math" panose="02040503050406030204" pitchFamily="18" charset="0"/>
+                                  <a:ea typeface="Cambria Math" panose="02040503050406030204" pitchFamily="18" charset="0"/>
+                                </a:rPr>
+                                <m:t>𝑐</m:t>
+                              </m:r>
+                            </m:e>
+                            <m:sub>
+                              <m:r>
+                                <a:rPr lang="en-US" b="0" i="1" smtClean="0">
+                                  <a:latin typeface="Cambria Math" panose="02040503050406030204" pitchFamily="18" charset="0"/>
+                                  <a:ea typeface="Cambria Math" panose="02040503050406030204" pitchFamily="18" charset="0"/>
+                                </a:rPr>
+                                <m:t>𝑘</m:t>
+                              </m:r>
+                            </m:sub>
+                          </m:sSub>
+                          <m:r>
+                            <a:rPr lang="en-US" b="0" i="1" smtClean="0">
+                              <a:latin typeface="Cambria Math" panose="02040503050406030204" pitchFamily="18" charset="0"/>
+                              <a:ea typeface="Cambria Math" panose="02040503050406030204" pitchFamily="18" charset="0"/>
+                            </a:rPr>
+                            <m:t>|×</m:t>
+                          </m:r>
+                          <m:r>
+                            <a:rPr lang="en-US" b="0" i="1" smtClean="0">
+                              <a:latin typeface="Cambria Math" panose="02040503050406030204" pitchFamily="18" charset="0"/>
+                              <a:ea typeface="Cambria Math" panose="02040503050406030204" pitchFamily="18" charset="0"/>
+                            </a:rPr>
+                            <m:t>𝑘</m:t>
+                          </m:r>
+                        </m:sup>
+                      </m:sSup>
+                    </m:oMath>
+                  </m:oMathPara>
+                </a14:m>
+                <a:endParaRPr lang="en-US" dirty="0"/>
+              </a:p>
+            </p:txBody>
+          </p:sp>
+        </mc:Choice>
+        <mc:Fallback>
+          <p:sp>
+            <p:nvSpPr>
+              <p:cNvPr id="61" name="TextBox 60">
+                <a:extLst>
+                  <a:ext uri="{FF2B5EF4-FFF2-40B4-BE49-F238E27FC236}">
+                    <a16:creationId xmlns:a16="http://schemas.microsoft.com/office/drawing/2014/main" id="{1C1721F9-1258-25DE-33D0-1B5443481316}"/>
+                  </a:ext>
+                </a:extLst>
+              </p:cNvPr>
+              <p:cNvSpPr txBox="1">
+                <a:spLocks noRot="1" noChangeAspect="1" noMove="1" noResize="1" noEditPoints="1" noAdjustHandles="1" noChangeArrowheads="1" noChangeShapeType="1" noTextEdit="1"/>
+              </p:cNvSpPr>
+              <p:nvPr/>
+            </p:nvSpPr>
+            <p:spPr>
+              <a:xfrm>
+                <a:off x="5508898" y="4860455"/>
+                <a:ext cx="1510926" cy="379656"/>
+              </a:xfrm>
+              <a:prstGeom prst="rect">
+                <a:avLst/>
+              </a:prstGeom>
+              <a:blipFill>
+                <a:blip r:embed="rId18"/>
+                <a:stretch>
+                  <a:fillRect/>
+                </a:stretch>
+              </a:blipFill>
+            </p:spPr>
+            <p:txBody>
+              <a:bodyPr/>
+              <a:lstStyle/>
+              <a:p>
+                <a:r>
+                  <a:rPr lang="en-US">
+                    <a:noFill/>
+                  </a:rPr>
+                  <a:t> </a:t>
+                </a:r>
+              </a:p>
+            </p:txBody>
+          </p:sp>
+        </mc:Fallback>
+      </mc:AlternateContent>
+      <mc:AlternateContent xmlns:mc="http://schemas.openxmlformats.org/markup-compatibility/2006">
+        <mc:Choice xmlns:a14="http://schemas.microsoft.com/office/drawing/2010/main" Requires="a14">
+          <p:sp>
+            <p:nvSpPr>
+              <p:cNvPr id="65" name="TextBox 64">
+                <a:extLst>
+                  <a:ext uri="{FF2B5EF4-FFF2-40B4-BE49-F238E27FC236}">
+                    <a16:creationId xmlns:a16="http://schemas.microsoft.com/office/drawing/2014/main" id="{EE732D9C-23F5-A3EA-2A2B-EDD23AD4ABF0}"/>
+                  </a:ext>
+                </a:extLst>
+              </p:cNvPr>
+              <p:cNvSpPr txBox="1"/>
+              <p:nvPr/>
+            </p:nvSpPr>
+            <p:spPr>
+              <a:xfrm>
+                <a:off x="7028227" y="2978470"/>
+                <a:ext cx="878959" cy="369332"/>
+              </a:xfrm>
+              <a:prstGeom prst="rect">
+                <a:avLst/>
+              </a:prstGeom>
+              <a:noFill/>
+            </p:spPr>
+            <p:txBody>
+              <a:bodyPr wrap="none" rtlCol="0">
+                <a:spAutoFit/>
+              </a:bodyPr>
+              <a:lstStyle/>
+              <a:p>
+                <a:pPr/>
+                <a14:m>
+                  <m:oMathPara xmlns:m="http://schemas.openxmlformats.org/officeDocument/2006/math">
+                    <m:oMathParaPr>
+                      <m:jc m:val="centerGroup"/>
+                    </m:oMathParaPr>
+                    <m:oMath xmlns:m="http://schemas.openxmlformats.org/officeDocument/2006/math">
+                      <m:sSub>
+                        <m:sSubPr>
+                          <m:ctrlPr>
+                            <a:rPr lang="en-US" b="0" i="1" smtClean="0">
+                              <a:latin typeface="Cambria Math" panose="02040503050406030204" pitchFamily="18" charset="0"/>
+                            </a:rPr>
+                          </m:ctrlPr>
+                        </m:sSubPr>
+                        <m:e>
+                          <m:r>
+                            <a:rPr lang="en-US" b="0" i="1" smtClean="0">
+                              <a:latin typeface="Cambria Math" panose="02040503050406030204" pitchFamily="18" charset="0"/>
+                            </a:rPr>
+                            <m:t>𝑓</m:t>
+                          </m:r>
+                        </m:e>
+                        <m:sub>
+                          <m:r>
+                            <a:rPr lang="en-US" b="0" i="1" smtClean="0">
+                              <a:latin typeface="Cambria Math" panose="02040503050406030204" pitchFamily="18" charset="0"/>
+                            </a:rPr>
+                            <m:t>1</m:t>
+                          </m:r>
+                        </m:sub>
+                      </m:sSub>
+                      <m:r>
+                        <a:rPr lang="en-US" b="0" i="1" smtClean="0">
+                          <a:latin typeface="Cambria Math" panose="02040503050406030204" pitchFamily="18" charset="0"/>
+                        </a:rPr>
+                        <m:t>(</m:t>
+                      </m:r>
+                      <m:sSub>
+                        <m:sSubPr>
+                          <m:ctrlPr>
+                            <a:rPr lang="en-US" b="1" i="1" smtClean="0">
+                              <a:latin typeface="Cambria Math" panose="02040503050406030204" pitchFamily="18" charset="0"/>
+                            </a:rPr>
+                          </m:ctrlPr>
+                        </m:sSubPr>
+                        <m:e>
+                          <m:r>
+                            <a:rPr lang="en-US" b="1" i="1" smtClean="0">
+                              <a:latin typeface="Cambria Math" panose="02040503050406030204" pitchFamily="18" charset="0"/>
+                            </a:rPr>
+                            <m:t>𝒁</m:t>
+                          </m:r>
+                        </m:e>
+                        <m:sub>
+                          <m:r>
+                            <a:rPr lang="en-US" b="1" i="1" smtClean="0">
+                              <a:latin typeface="Cambria Math" panose="02040503050406030204" pitchFamily="18" charset="0"/>
+                            </a:rPr>
+                            <m:t>𝟏</m:t>
+                          </m:r>
+                        </m:sub>
+                      </m:sSub>
+                      <m:r>
+                        <a:rPr lang="en-US" b="0" i="1" smtClean="0">
+                          <a:latin typeface="Cambria Math" panose="02040503050406030204" pitchFamily="18" charset="0"/>
+                        </a:rPr>
+                        <m:t>)</m:t>
+                      </m:r>
+                    </m:oMath>
+                  </m:oMathPara>
+                </a14:m>
+                <a:endParaRPr lang="en-US" dirty="0"/>
+              </a:p>
+            </p:txBody>
+          </p:sp>
+        </mc:Choice>
+        <mc:Fallback>
+          <p:sp>
+            <p:nvSpPr>
+              <p:cNvPr id="65" name="TextBox 64">
+                <a:extLst>
+                  <a:ext uri="{FF2B5EF4-FFF2-40B4-BE49-F238E27FC236}">
+                    <a16:creationId xmlns:a16="http://schemas.microsoft.com/office/drawing/2014/main" id="{EE732D9C-23F5-A3EA-2A2B-EDD23AD4ABF0}"/>
+                  </a:ext>
+                </a:extLst>
+              </p:cNvPr>
+              <p:cNvSpPr txBox="1">
+                <a:spLocks noRot="1" noChangeAspect="1" noMove="1" noResize="1" noEditPoints="1" noAdjustHandles="1" noChangeArrowheads="1" noChangeShapeType="1" noTextEdit="1"/>
+              </p:cNvSpPr>
+              <p:nvPr/>
+            </p:nvSpPr>
+            <p:spPr>
+              <a:xfrm>
+                <a:off x="7028227" y="2978470"/>
+                <a:ext cx="878959" cy="369332"/>
+              </a:xfrm>
+              <a:prstGeom prst="rect">
+                <a:avLst/>
+              </a:prstGeom>
+              <a:blipFill>
+                <a:blip r:embed="rId19"/>
+                <a:stretch>
+                  <a:fillRect b="-13333"/>
+                </a:stretch>
+              </a:blipFill>
+            </p:spPr>
+            <p:txBody>
+              <a:bodyPr/>
+              <a:lstStyle/>
+              <a:p>
+                <a:r>
+                  <a:rPr lang="en-US">
+                    <a:noFill/>
+                  </a:rPr>
+                  <a:t> </a:t>
+                </a:r>
+              </a:p>
+            </p:txBody>
+          </p:sp>
+        </mc:Fallback>
+      </mc:AlternateContent>
+      <mc:AlternateContent xmlns:mc="http://schemas.openxmlformats.org/markup-compatibility/2006">
+        <mc:Choice xmlns:a14="http://schemas.microsoft.com/office/drawing/2010/main" Requires="a14">
+          <p:sp>
+            <p:nvSpPr>
+              <p:cNvPr id="66" name="TextBox 65">
+                <a:extLst>
+                  <a:ext uri="{FF2B5EF4-FFF2-40B4-BE49-F238E27FC236}">
+                    <a16:creationId xmlns:a16="http://schemas.microsoft.com/office/drawing/2014/main" id="{FD395380-955D-801E-5940-9810C39FCE5C}"/>
+                  </a:ext>
+                </a:extLst>
+              </p:cNvPr>
+              <p:cNvSpPr txBox="1"/>
+              <p:nvPr/>
+            </p:nvSpPr>
+            <p:spPr>
+              <a:xfrm>
+                <a:off x="7041513" y="3476601"/>
+                <a:ext cx="884281" cy="369332"/>
+              </a:xfrm>
+              <a:prstGeom prst="rect">
+                <a:avLst/>
+              </a:prstGeom>
+              <a:noFill/>
+            </p:spPr>
+            <p:txBody>
+              <a:bodyPr wrap="none" rtlCol="0">
+                <a:spAutoFit/>
+              </a:bodyPr>
+              <a:lstStyle/>
+              <a:p>
+                <a:pPr/>
+                <a14:m>
+                  <m:oMathPara xmlns:m="http://schemas.openxmlformats.org/officeDocument/2006/math">
+                    <m:oMathParaPr>
+                      <m:jc m:val="centerGroup"/>
+                    </m:oMathParaPr>
+                    <m:oMath xmlns:m="http://schemas.openxmlformats.org/officeDocument/2006/math">
+                      <m:sSub>
+                        <m:sSubPr>
+                          <m:ctrlPr>
+                            <a:rPr lang="en-US" b="0" i="1" smtClean="0">
+                              <a:latin typeface="Cambria Math" panose="02040503050406030204" pitchFamily="18" charset="0"/>
+                            </a:rPr>
+                          </m:ctrlPr>
+                        </m:sSubPr>
+                        <m:e>
+                          <m:r>
+                            <a:rPr lang="en-US" b="0" i="1" smtClean="0">
+                              <a:latin typeface="Cambria Math" panose="02040503050406030204" pitchFamily="18" charset="0"/>
+                            </a:rPr>
+                            <m:t>𝑓</m:t>
+                          </m:r>
+                        </m:e>
+                        <m:sub>
+                          <m:r>
+                            <a:rPr lang="en-US" b="0" i="1" smtClean="0">
+                              <a:latin typeface="Cambria Math" panose="02040503050406030204" pitchFamily="18" charset="0"/>
+                            </a:rPr>
+                            <m:t>2</m:t>
+                          </m:r>
+                        </m:sub>
+                      </m:sSub>
+                      <m:r>
+                        <a:rPr lang="en-US" b="0" i="1" smtClean="0">
+                          <a:latin typeface="Cambria Math" panose="02040503050406030204" pitchFamily="18" charset="0"/>
+                        </a:rPr>
+                        <m:t>(</m:t>
+                      </m:r>
+                      <m:sSub>
+                        <m:sSubPr>
+                          <m:ctrlPr>
+                            <a:rPr lang="en-US" b="1" i="1" smtClean="0">
+                              <a:latin typeface="Cambria Math" panose="02040503050406030204" pitchFamily="18" charset="0"/>
+                            </a:rPr>
+                          </m:ctrlPr>
+                        </m:sSubPr>
+                        <m:e>
+                          <m:r>
+                            <a:rPr lang="en-US" b="1" i="1" smtClean="0">
+                              <a:latin typeface="Cambria Math" panose="02040503050406030204" pitchFamily="18" charset="0"/>
+                            </a:rPr>
+                            <m:t>𝒁</m:t>
+                          </m:r>
+                        </m:e>
+                        <m:sub>
+                          <m:r>
+                            <a:rPr lang="en-US" b="1" i="1" smtClean="0">
+                              <a:latin typeface="Cambria Math" panose="02040503050406030204" pitchFamily="18" charset="0"/>
+                            </a:rPr>
+                            <m:t>𝟐</m:t>
+                          </m:r>
+                        </m:sub>
+                      </m:sSub>
+                      <m:r>
+                        <a:rPr lang="en-US" b="0" i="1" smtClean="0">
+                          <a:latin typeface="Cambria Math" panose="02040503050406030204" pitchFamily="18" charset="0"/>
+                        </a:rPr>
+                        <m:t>)</m:t>
+                      </m:r>
+                    </m:oMath>
+                  </m:oMathPara>
+                </a14:m>
+                <a:endParaRPr lang="en-US" dirty="0"/>
+              </a:p>
+            </p:txBody>
+          </p:sp>
+        </mc:Choice>
+        <mc:Fallback>
+          <p:sp>
+            <p:nvSpPr>
+              <p:cNvPr id="66" name="TextBox 65">
+                <a:extLst>
+                  <a:ext uri="{FF2B5EF4-FFF2-40B4-BE49-F238E27FC236}">
+                    <a16:creationId xmlns:a16="http://schemas.microsoft.com/office/drawing/2014/main" id="{FD395380-955D-801E-5940-9810C39FCE5C}"/>
+                  </a:ext>
+                </a:extLst>
+              </p:cNvPr>
+              <p:cNvSpPr txBox="1">
+                <a:spLocks noRot="1" noChangeAspect="1" noMove="1" noResize="1" noEditPoints="1" noAdjustHandles="1" noChangeArrowheads="1" noChangeShapeType="1" noTextEdit="1"/>
+              </p:cNvSpPr>
+              <p:nvPr/>
+            </p:nvSpPr>
+            <p:spPr>
+              <a:xfrm>
+                <a:off x="7041513" y="3476601"/>
+                <a:ext cx="884281" cy="369332"/>
+              </a:xfrm>
+              <a:prstGeom prst="rect">
+                <a:avLst/>
+              </a:prstGeom>
+              <a:blipFill>
+                <a:blip r:embed="rId20"/>
+                <a:stretch>
+                  <a:fillRect b="-13115"/>
+                </a:stretch>
+              </a:blipFill>
+            </p:spPr>
+            <p:txBody>
+              <a:bodyPr/>
+              <a:lstStyle/>
+              <a:p>
+                <a:r>
+                  <a:rPr lang="en-US">
+                    <a:noFill/>
+                  </a:rPr>
+                  <a:t> </a:t>
+                </a:r>
+              </a:p>
+            </p:txBody>
+          </p:sp>
+        </mc:Fallback>
+      </mc:AlternateContent>
+      <mc:AlternateContent xmlns:mc="http://schemas.openxmlformats.org/markup-compatibility/2006">
+        <mc:Choice xmlns:a14="http://schemas.microsoft.com/office/drawing/2010/main" Requires="a14">
+          <p:sp>
+            <p:nvSpPr>
+              <p:cNvPr id="67" name="TextBox 66">
+                <a:extLst>
+                  <a:ext uri="{FF2B5EF4-FFF2-40B4-BE49-F238E27FC236}">
+                    <a16:creationId xmlns:a16="http://schemas.microsoft.com/office/drawing/2014/main" id="{8E87BF5D-8A4D-2A34-8EA9-C2AAEB77728E}"/>
+                  </a:ext>
+                </a:extLst>
+              </p:cNvPr>
+              <p:cNvSpPr txBox="1"/>
+              <p:nvPr/>
+            </p:nvSpPr>
+            <p:spPr>
+              <a:xfrm>
+                <a:off x="7041513" y="4404338"/>
+                <a:ext cx="895630" cy="369332"/>
+              </a:xfrm>
+              <a:prstGeom prst="rect">
+                <a:avLst/>
+              </a:prstGeom>
+              <a:noFill/>
+            </p:spPr>
+            <p:txBody>
+              <a:bodyPr wrap="none" rtlCol="0">
+                <a:spAutoFit/>
+              </a:bodyPr>
+              <a:lstStyle/>
+              <a:p>
+                <a:pPr/>
+                <a14:m>
+                  <m:oMathPara xmlns:m="http://schemas.openxmlformats.org/officeDocument/2006/math">
+                    <m:oMathParaPr>
+                      <m:jc m:val="centerGroup"/>
+                    </m:oMathParaPr>
+                    <m:oMath xmlns:m="http://schemas.openxmlformats.org/officeDocument/2006/math">
+                      <m:sSub>
+                        <m:sSubPr>
+                          <m:ctrlPr>
+                            <a:rPr lang="en-US" b="0" i="1" smtClean="0">
+                              <a:latin typeface="Cambria Math" panose="02040503050406030204" pitchFamily="18" charset="0"/>
+                            </a:rPr>
+                          </m:ctrlPr>
+                        </m:sSubPr>
+                        <m:e>
+                          <m:r>
+                            <a:rPr lang="en-US" b="0" i="1" smtClean="0">
+                              <a:latin typeface="Cambria Math" panose="02040503050406030204" pitchFamily="18" charset="0"/>
+                            </a:rPr>
+                            <m:t>𝑓</m:t>
+                          </m:r>
+                        </m:e>
+                        <m:sub>
+                          <m:r>
+                            <a:rPr lang="en-US" b="0" i="1" smtClean="0">
+                              <a:latin typeface="Cambria Math" panose="02040503050406030204" pitchFamily="18" charset="0"/>
+                            </a:rPr>
+                            <m:t>𝑘</m:t>
+                          </m:r>
+                        </m:sub>
+                      </m:sSub>
+                      <m:r>
+                        <a:rPr lang="en-US" b="0" i="1" smtClean="0">
+                          <a:latin typeface="Cambria Math" panose="02040503050406030204" pitchFamily="18" charset="0"/>
+                        </a:rPr>
+                        <m:t>(</m:t>
+                      </m:r>
+                      <m:sSub>
+                        <m:sSubPr>
+                          <m:ctrlPr>
+                            <a:rPr lang="en-US" b="1" i="1" smtClean="0">
+                              <a:latin typeface="Cambria Math" panose="02040503050406030204" pitchFamily="18" charset="0"/>
+                            </a:rPr>
+                          </m:ctrlPr>
+                        </m:sSubPr>
+                        <m:e>
+                          <m:r>
+                            <a:rPr lang="en-US" b="1" i="1" smtClean="0">
+                              <a:latin typeface="Cambria Math" panose="02040503050406030204" pitchFamily="18" charset="0"/>
+                            </a:rPr>
+                            <m:t>𝒁</m:t>
+                          </m:r>
+                        </m:e>
+                        <m:sub>
+                          <m:r>
+                            <a:rPr lang="en-US" b="1" i="1" smtClean="0">
+                              <a:latin typeface="Cambria Math" panose="02040503050406030204" pitchFamily="18" charset="0"/>
+                            </a:rPr>
+                            <m:t>𝒌</m:t>
+                          </m:r>
+                        </m:sub>
+                      </m:sSub>
+                      <m:r>
+                        <a:rPr lang="en-US" b="0" i="1" smtClean="0">
+                          <a:latin typeface="Cambria Math" panose="02040503050406030204" pitchFamily="18" charset="0"/>
+                        </a:rPr>
+                        <m:t>)</m:t>
+                      </m:r>
+                    </m:oMath>
+                  </m:oMathPara>
+                </a14:m>
+                <a:endParaRPr lang="en-US" dirty="0"/>
+              </a:p>
+            </p:txBody>
+          </p:sp>
+        </mc:Choice>
+        <mc:Fallback>
+          <p:sp>
+            <p:nvSpPr>
+              <p:cNvPr id="67" name="TextBox 66">
+                <a:extLst>
+                  <a:ext uri="{FF2B5EF4-FFF2-40B4-BE49-F238E27FC236}">
+                    <a16:creationId xmlns:a16="http://schemas.microsoft.com/office/drawing/2014/main" id="{8E87BF5D-8A4D-2A34-8EA9-C2AAEB77728E}"/>
+                  </a:ext>
+                </a:extLst>
+              </p:cNvPr>
+              <p:cNvSpPr txBox="1">
+                <a:spLocks noRot="1" noChangeAspect="1" noMove="1" noResize="1" noEditPoints="1" noAdjustHandles="1" noChangeArrowheads="1" noChangeShapeType="1" noTextEdit="1"/>
+              </p:cNvSpPr>
+              <p:nvPr/>
+            </p:nvSpPr>
+            <p:spPr>
+              <a:xfrm>
+                <a:off x="7041513" y="4404338"/>
+                <a:ext cx="895630" cy="369332"/>
+              </a:xfrm>
+              <a:prstGeom prst="rect">
+                <a:avLst/>
+              </a:prstGeom>
+              <a:blipFill>
+                <a:blip r:embed="rId21"/>
+                <a:stretch>
+                  <a:fillRect b="-13115"/>
+                </a:stretch>
+              </a:blipFill>
+            </p:spPr>
+            <p:txBody>
+              <a:bodyPr/>
+              <a:lstStyle/>
+              <a:p>
+                <a:r>
+                  <a:rPr lang="en-US">
+                    <a:noFill/>
+                  </a:rPr>
+                  <a:t> </a:t>
+                </a:r>
+              </a:p>
+            </p:txBody>
+          </p:sp>
+        </mc:Fallback>
+      </mc:AlternateContent>
+      <p:cxnSp>
+        <p:nvCxnSpPr>
+          <p:cNvPr id="69" name="Straight Arrow Connector 68">
+            <a:extLst>
+              <a:ext uri="{FF2B5EF4-FFF2-40B4-BE49-F238E27FC236}">
+                <a16:creationId xmlns:a16="http://schemas.microsoft.com/office/drawing/2014/main" id="{724BF6F8-9B64-17F4-BEF4-CA09765A8DE4}"/>
+              </a:ext>
+            </a:extLst>
+          </p:cNvPr>
+          <p:cNvCxnSpPr>
+            <a:cxnSpLocks/>
+          </p:cNvCxnSpPr>
+          <p:nvPr/>
+        </p:nvCxnSpPr>
+        <p:spPr>
+          <a:xfrm>
+            <a:off x="7843411" y="3193937"/>
+            <a:ext cx="513231" cy="0"/>
+          </a:xfrm>
+          <a:prstGeom prst="straightConnector1">
+            <a:avLst/>
+          </a:prstGeom>
+          <a:ln w="76200">
+            <a:tailEnd type="triangle"/>
+          </a:ln>
+        </p:spPr>
+        <p:style>
+          <a:lnRef idx="1">
+            <a:schemeClr val="accent1"/>
+          </a:lnRef>
+          <a:fillRef idx="0">
+            <a:schemeClr val="accent1"/>
+          </a:fillRef>
+          <a:effectRef idx="0">
+            <a:schemeClr val="accent1"/>
+          </a:effectRef>
+          <a:fontRef idx="minor">
+            <a:schemeClr val="tx1"/>
+          </a:fontRef>
+        </p:style>
+      </p:cxnSp>
+      <p:cxnSp>
+        <p:nvCxnSpPr>
+          <p:cNvPr id="70" name="Straight Arrow Connector 69">
+            <a:extLst>
+              <a:ext uri="{FF2B5EF4-FFF2-40B4-BE49-F238E27FC236}">
+                <a16:creationId xmlns:a16="http://schemas.microsoft.com/office/drawing/2014/main" id="{F71081D4-CB26-A05C-38F9-F75EC8791297}"/>
+              </a:ext>
+            </a:extLst>
+          </p:cNvPr>
+          <p:cNvCxnSpPr>
+            <a:cxnSpLocks/>
+          </p:cNvCxnSpPr>
+          <p:nvPr/>
+        </p:nvCxnSpPr>
+        <p:spPr>
+          <a:xfrm>
+            <a:off x="7843411" y="3656027"/>
+            <a:ext cx="513231" cy="0"/>
+          </a:xfrm>
+          <a:prstGeom prst="straightConnector1">
+            <a:avLst/>
+          </a:prstGeom>
+          <a:ln w="76200">
+            <a:tailEnd type="triangle"/>
+          </a:ln>
+        </p:spPr>
+        <p:style>
+          <a:lnRef idx="1">
+            <a:schemeClr val="accent1"/>
+          </a:lnRef>
+          <a:fillRef idx="0">
+            <a:schemeClr val="accent1"/>
+          </a:fillRef>
+          <a:effectRef idx="0">
+            <a:schemeClr val="accent1"/>
+          </a:effectRef>
+          <a:fontRef idx="minor">
+            <a:schemeClr val="tx1"/>
+          </a:fontRef>
+        </p:style>
+      </p:cxnSp>
+      <p:cxnSp>
+        <p:nvCxnSpPr>
+          <p:cNvPr id="71" name="Straight Arrow Connector 70">
+            <a:extLst>
+              <a:ext uri="{FF2B5EF4-FFF2-40B4-BE49-F238E27FC236}">
+                <a16:creationId xmlns:a16="http://schemas.microsoft.com/office/drawing/2014/main" id="{EDECB19B-3A67-ACC3-CC63-55E0E10AD2A4}"/>
+              </a:ext>
+            </a:extLst>
+          </p:cNvPr>
+          <p:cNvCxnSpPr>
+            <a:cxnSpLocks/>
+          </p:cNvCxnSpPr>
+          <p:nvPr/>
+        </p:nvCxnSpPr>
+        <p:spPr>
+          <a:xfrm>
+            <a:off x="7843411" y="4604672"/>
+            <a:ext cx="513231" cy="0"/>
+          </a:xfrm>
+          <a:prstGeom prst="straightConnector1">
+            <a:avLst/>
+          </a:prstGeom>
+          <a:ln w="76200">
+            <a:tailEnd type="triangle"/>
+          </a:ln>
+        </p:spPr>
+        <p:style>
+          <a:lnRef idx="1">
+            <a:schemeClr val="accent1"/>
+          </a:lnRef>
+          <a:fillRef idx="0">
+            <a:schemeClr val="accent1"/>
+          </a:fillRef>
+          <a:effectRef idx="0">
+            <a:schemeClr val="accent1"/>
+          </a:effectRef>
+          <a:fontRef idx="minor">
+            <a:schemeClr val="tx1"/>
+          </a:fontRef>
+        </p:style>
+      </p:cxnSp>
+      <mc:AlternateContent xmlns:mc="http://schemas.openxmlformats.org/markup-compatibility/2006">
+        <mc:Choice xmlns:a14="http://schemas.microsoft.com/office/drawing/2010/main" Requires="a14">
+          <p:sp>
+            <p:nvSpPr>
+              <p:cNvPr id="72" name="Rectangle 71">
+                <a:extLst>
+                  <a:ext uri="{FF2B5EF4-FFF2-40B4-BE49-F238E27FC236}">
+                    <a16:creationId xmlns:a16="http://schemas.microsoft.com/office/drawing/2014/main" id="{A4A6CEC8-85D3-EFDF-4C92-5577C9B080FC}"/>
+                  </a:ext>
+                </a:extLst>
+              </p:cNvPr>
+              <p:cNvSpPr/>
+              <p:nvPr/>
+            </p:nvSpPr>
+            <p:spPr>
+              <a:xfrm>
+                <a:off x="8418467" y="3002540"/>
+                <a:ext cx="618258" cy="369332"/>
+              </a:xfrm>
+              <a:prstGeom prst="rect">
+                <a:avLst/>
+              </a:prstGeom>
+              <a:solidFill>
+                <a:schemeClr val="accent1">
+                  <a:lumMod val="40000"/>
+                  <a:lumOff val="60000"/>
+                </a:schemeClr>
+              </a:solidFill>
+              <a:ln w="38100"/>
+            </p:spPr>
+            <p:style>
+              <a:lnRef idx="2">
+                <a:schemeClr val="accent1">
+                  <a:shade val="15000"/>
+                </a:schemeClr>
+              </a:lnRef>
+              <a:fillRef idx="1">
+                <a:schemeClr val="accent1"/>
+              </a:fillRef>
+              <a:effectRef idx="0">
+                <a:schemeClr val="accent1"/>
+              </a:effectRef>
+              <a:fontRef idx="minor">
+                <a:schemeClr val="lt1"/>
+              </a:fontRef>
+            </p:style>
+            <p:txBody>
+              <a:bodyPr rtlCol="0" anchor="ctr"/>
+              <a:lstStyle/>
+              <a:p>
+                <a:pPr algn="ctr"/>
+                <a14:m>
+                  <m:oMathPara xmlns:m="http://schemas.openxmlformats.org/officeDocument/2006/math">
+                    <m:oMathParaPr>
+                      <m:jc m:val="centerGroup"/>
+                    </m:oMathParaPr>
+                    <m:oMath xmlns:m="http://schemas.openxmlformats.org/officeDocument/2006/math">
+                      <m:sSub>
+                        <m:sSubPr>
+                          <m:ctrlPr>
+                            <a:rPr lang="en-US" sz="2000" b="1" i="1" smtClean="0">
+                              <a:solidFill>
+                                <a:schemeClr val="tx1"/>
+                              </a:solidFill>
+                              <a:latin typeface="Cambria Math" panose="02040503050406030204" pitchFamily="18" charset="0"/>
+                            </a:rPr>
+                          </m:ctrlPr>
+                        </m:sSubPr>
+                        <m:e>
+                          <m:r>
+                            <a:rPr lang="en-US" sz="2000" b="1" i="1" smtClean="0">
+                              <a:solidFill>
+                                <a:schemeClr val="tx1"/>
+                              </a:solidFill>
+                              <a:latin typeface="Cambria Math" panose="02040503050406030204" pitchFamily="18" charset="0"/>
+                            </a:rPr>
+                            <m:t>𝑸</m:t>
+                          </m:r>
+                        </m:e>
+                        <m:sub>
+                          <m:r>
+                            <a:rPr lang="en-US" sz="2000" b="1" i="1" smtClean="0">
+                              <a:solidFill>
+                                <a:schemeClr val="tx1"/>
+                              </a:solidFill>
+                              <a:latin typeface="Cambria Math" panose="02040503050406030204" pitchFamily="18" charset="0"/>
+                            </a:rPr>
+                            <m:t>𝟏</m:t>
+                          </m:r>
+                        </m:sub>
+                      </m:sSub>
+                    </m:oMath>
+                  </m:oMathPara>
+                </a14:m>
+                <a:endParaRPr lang="en-US" sz="2800" b="1" dirty="0">
+                  <a:solidFill>
+                    <a:schemeClr val="tx1"/>
+                  </a:solidFill>
+                </a:endParaRPr>
+              </a:p>
+            </p:txBody>
+          </p:sp>
+        </mc:Choice>
+        <mc:Fallback>
+          <p:sp>
+            <p:nvSpPr>
+              <p:cNvPr id="72" name="Rectangle 71">
+                <a:extLst>
+                  <a:ext uri="{FF2B5EF4-FFF2-40B4-BE49-F238E27FC236}">
+                    <a16:creationId xmlns:a16="http://schemas.microsoft.com/office/drawing/2014/main" id="{A4A6CEC8-85D3-EFDF-4C92-5577C9B080FC}"/>
+                  </a:ext>
+                </a:extLst>
+              </p:cNvPr>
+              <p:cNvSpPr>
+                <a:spLocks noRot="1" noChangeAspect="1" noMove="1" noResize="1" noEditPoints="1" noAdjustHandles="1" noChangeArrowheads="1" noChangeShapeType="1" noTextEdit="1"/>
+              </p:cNvSpPr>
+              <p:nvPr/>
+            </p:nvSpPr>
+            <p:spPr>
+              <a:xfrm>
+                <a:off x="8418467" y="3002540"/>
+                <a:ext cx="618258" cy="369332"/>
+              </a:xfrm>
+              <a:prstGeom prst="rect">
+                <a:avLst/>
+              </a:prstGeom>
+              <a:blipFill>
+                <a:blip r:embed="rId22"/>
+                <a:stretch>
+                  <a:fillRect b="-10606"/>
+                </a:stretch>
+              </a:blipFill>
+              <a:ln w="38100"/>
+            </p:spPr>
+            <p:txBody>
+              <a:bodyPr/>
+              <a:lstStyle/>
+              <a:p>
+                <a:r>
+                  <a:rPr lang="en-US">
+                    <a:noFill/>
+                  </a:rPr>
+                  <a:t> </a:t>
+                </a:r>
+              </a:p>
+            </p:txBody>
+          </p:sp>
+        </mc:Fallback>
+      </mc:AlternateContent>
+      <mc:AlternateContent xmlns:mc="http://schemas.openxmlformats.org/markup-compatibility/2006">
+        <mc:Choice xmlns:a14="http://schemas.microsoft.com/office/drawing/2010/main" Requires="a14">
+          <p:sp>
+            <p:nvSpPr>
+              <p:cNvPr id="73" name="Rectangle 72">
+                <a:extLst>
+                  <a:ext uri="{FF2B5EF4-FFF2-40B4-BE49-F238E27FC236}">
+                    <a16:creationId xmlns:a16="http://schemas.microsoft.com/office/drawing/2014/main" id="{79445E91-F1CA-69C2-3044-4842E29001DC}"/>
+                  </a:ext>
+                </a:extLst>
+              </p:cNvPr>
+              <p:cNvSpPr/>
+              <p:nvPr/>
+            </p:nvSpPr>
+            <p:spPr>
+              <a:xfrm>
+                <a:off x="8418467" y="3498924"/>
+                <a:ext cx="618258" cy="369332"/>
+              </a:xfrm>
+              <a:prstGeom prst="rect">
+                <a:avLst/>
+              </a:prstGeom>
+              <a:solidFill>
+                <a:schemeClr val="accent1">
+                  <a:lumMod val="40000"/>
+                  <a:lumOff val="60000"/>
+                </a:schemeClr>
+              </a:solidFill>
+              <a:ln w="38100"/>
+            </p:spPr>
+            <p:style>
+              <a:lnRef idx="2">
+                <a:schemeClr val="accent1">
+                  <a:shade val="15000"/>
+                </a:schemeClr>
+              </a:lnRef>
+              <a:fillRef idx="1">
+                <a:schemeClr val="accent1"/>
+              </a:fillRef>
+              <a:effectRef idx="0">
+                <a:schemeClr val="accent1"/>
+              </a:effectRef>
+              <a:fontRef idx="minor">
+                <a:schemeClr val="lt1"/>
+              </a:fontRef>
+            </p:style>
+            <p:txBody>
+              <a:bodyPr rtlCol="0" anchor="ctr"/>
+              <a:lstStyle/>
+              <a:p>
+                <a:pPr algn="ctr"/>
+                <a14:m>
+                  <m:oMathPara xmlns:m="http://schemas.openxmlformats.org/officeDocument/2006/math">
+                    <m:oMathParaPr>
+                      <m:jc m:val="centerGroup"/>
+                    </m:oMathParaPr>
+                    <m:oMath xmlns:m="http://schemas.openxmlformats.org/officeDocument/2006/math">
+                      <m:sSub>
+                        <m:sSubPr>
+                          <m:ctrlPr>
+                            <a:rPr lang="en-US" sz="2000" b="1" i="1" smtClean="0">
+                              <a:solidFill>
+                                <a:schemeClr val="tx1"/>
+                              </a:solidFill>
+                              <a:latin typeface="Cambria Math" panose="02040503050406030204" pitchFamily="18" charset="0"/>
+                            </a:rPr>
+                          </m:ctrlPr>
+                        </m:sSubPr>
+                        <m:e>
+                          <m:r>
+                            <a:rPr lang="en-US" sz="2000" b="1" i="1" smtClean="0">
+                              <a:solidFill>
+                                <a:schemeClr val="tx1"/>
+                              </a:solidFill>
+                              <a:latin typeface="Cambria Math" panose="02040503050406030204" pitchFamily="18" charset="0"/>
+                            </a:rPr>
+                            <m:t>𝑸</m:t>
+                          </m:r>
+                        </m:e>
+                        <m:sub>
+                          <m:r>
+                            <a:rPr lang="en-US" sz="2000" b="1" i="1" smtClean="0">
+                              <a:solidFill>
+                                <a:schemeClr val="tx1"/>
+                              </a:solidFill>
+                              <a:latin typeface="Cambria Math" panose="02040503050406030204" pitchFamily="18" charset="0"/>
+                            </a:rPr>
+                            <m:t>𝟐</m:t>
+                          </m:r>
+                        </m:sub>
+                      </m:sSub>
+                    </m:oMath>
+                  </m:oMathPara>
+                </a14:m>
+                <a:endParaRPr lang="en-US" sz="2800" b="1" dirty="0">
+                  <a:solidFill>
+                    <a:schemeClr val="tx1"/>
+                  </a:solidFill>
+                </a:endParaRPr>
+              </a:p>
+            </p:txBody>
+          </p:sp>
+        </mc:Choice>
+        <mc:Fallback>
+          <p:sp>
+            <p:nvSpPr>
+              <p:cNvPr id="73" name="Rectangle 72">
+                <a:extLst>
+                  <a:ext uri="{FF2B5EF4-FFF2-40B4-BE49-F238E27FC236}">
+                    <a16:creationId xmlns:a16="http://schemas.microsoft.com/office/drawing/2014/main" id="{79445E91-F1CA-69C2-3044-4842E29001DC}"/>
+                  </a:ext>
+                </a:extLst>
+              </p:cNvPr>
+              <p:cNvSpPr>
+                <a:spLocks noRot="1" noChangeAspect="1" noMove="1" noResize="1" noEditPoints="1" noAdjustHandles="1" noChangeArrowheads="1" noChangeShapeType="1" noTextEdit="1"/>
+              </p:cNvSpPr>
+              <p:nvPr/>
+            </p:nvSpPr>
+            <p:spPr>
+              <a:xfrm>
+                <a:off x="8418467" y="3498924"/>
+                <a:ext cx="618258" cy="369332"/>
+              </a:xfrm>
+              <a:prstGeom prst="rect">
+                <a:avLst/>
+              </a:prstGeom>
+              <a:blipFill>
+                <a:blip r:embed="rId23"/>
+                <a:stretch>
+                  <a:fillRect b="-10448"/>
+                </a:stretch>
+              </a:blipFill>
+              <a:ln w="38100"/>
+            </p:spPr>
+            <p:txBody>
+              <a:bodyPr/>
+              <a:lstStyle/>
+              <a:p>
+                <a:r>
+                  <a:rPr lang="en-US">
+                    <a:noFill/>
+                  </a:rPr>
+                  <a:t> </a:t>
+                </a:r>
+              </a:p>
+            </p:txBody>
+          </p:sp>
+        </mc:Fallback>
+      </mc:AlternateContent>
+      <mc:AlternateContent xmlns:mc="http://schemas.openxmlformats.org/markup-compatibility/2006">
+        <mc:Choice xmlns:a14="http://schemas.microsoft.com/office/drawing/2010/main" Requires="a14">
+          <p:sp>
+            <p:nvSpPr>
+              <p:cNvPr id="74" name="Rectangle 73">
+                <a:extLst>
+                  <a:ext uri="{FF2B5EF4-FFF2-40B4-BE49-F238E27FC236}">
+                    <a16:creationId xmlns:a16="http://schemas.microsoft.com/office/drawing/2014/main" id="{FD89E96E-D11F-DE38-5D04-343A1FD66C6D}"/>
+                  </a:ext>
+                </a:extLst>
+              </p:cNvPr>
+              <p:cNvSpPr/>
+              <p:nvPr/>
+            </p:nvSpPr>
+            <p:spPr>
+              <a:xfrm>
+                <a:off x="8431308" y="4400064"/>
+                <a:ext cx="618258" cy="369332"/>
+              </a:xfrm>
+              <a:prstGeom prst="rect">
+                <a:avLst/>
+              </a:prstGeom>
+              <a:solidFill>
+                <a:schemeClr val="accent1">
+                  <a:lumMod val="40000"/>
+                  <a:lumOff val="60000"/>
+                </a:schemeClr>
+              </a:solidFill>
+              <a:ln w="38100"/>
+            </p:spPr>
+            <p:style>
+              <a:lnRef idx="2">
+                <a:schemeClr val="accent1">
+                  <a:shade val="15000"/>
+                </a:schemeClr>
+              </a:lnRef>
+              <a:fillRef idx="1">
+                <a:schemeClr val="accent1"/>
+              </a:fillRef>
+              <a:effectRef idx="0">
+                <a:schemeClr val="accent1"/>
+              </a:effectRef>
+              <a:fontRef idx="minor">
+                <a:schemeClr val="lt1"/>
+              </a:fontRef>
+            </p:style>
+            <p:txBody>
+              <a:bodyPr rtlCol="0" anchor="ctr"/>
+              <a:lstStyle/>
+              <a:p>
+                <a:pPr algn="ctr"/>
+                <a14:m>
+                  <m:oMathPara xmlns:m="http://schemas.openxmlformats.org/officeDocument/2006/math">
+                    <m:oMathParaPr>
+                      <m:jc m:val="centerGroup"/>
+                    </m:oMathParaPr>
+                    <m:oMath xmlns:m="http://schemas.openxmlformats.org/officeDocument/2006/math">
+                      <m:sSub>
+                        <m:sSubPr>
+                          <m:ctrlPr>
+                            <a:rPr lang="en-US" sz="2000" b="1" i="1" smtClean="0">
+                              <a:solidFill>
+                                <a:schemeClr val="tx1"/>
+                              </a:solidFill>
+                              <a:latin typeface="Cambria Math" panose="02040503050406030204" pitchFamily="18" charset="0"/>
+                            </a:rPr>
+                          </m:ctrlPr>
+                        </m:sSubPr>
+                        <m:e>
+                          <m:r>
+                            <a:rPr lang="en-US" sz="2000" b="1" i="1" smtClean="0">
+                              <a:solidFill>
+                                <a:schemeClr val="tx1"/>
+                              </a:solidFill>
+                              <a:latin typeface="Cambria Math" panose="02040503050406030204" pitchFamily="18" charset="0"/>
+                            </a:rPr>
+                            <m:t>𝑸</m:t>
+                          </m:r>
+                        </m:e>
+                        <m:sub>
+                          <m:r>
+                            <a:rPr lang="en-US" sz="2000" b="1" i="1" smtClean="0">
+                              <a:solidFill>
+                                <a:schemeClr val="tx1"/>
+                              </a:solidFill>
+                              <a:latin typeface="Cambria Math" panose="02040503050406030204" pitchFamily="18" charset="0"/>
+                            </a:rPr>
+                            <m:t>𝒌</m:t>
+                          </m:r>
+                        </m:sub>
+                      </m:sSub>
+                    </m:oMath>
+                  </m:oMathPara>
+                </a14:m>
+                <a:endParaRPr lang="en-US" sz="2800" b="1" dirty="0">
+                  <a:solidFill>
+                    <a:schemeClr val="tx1"/>
+                  </a:solidFill>
+                </a:endParaRPr>
+              </a:p>
+            </p:txBody>
+          </p:sp>
+        </mc:Choice>
+        <mc:Fallback>
+          <p:sp>
+            <p:nvSpPr>
+              <p:cNvPr id="74" name="Rectangle 73">
+                <a:extLst>
+                  <a:ext uri="{FF2B5EF4-FFF2-40B4-BE49-F238E27FC236}">
+                    <a16:creationId xmlns:a16="http://schemas.microsoft.com/office/drawing/2014/main" id="{FD89E96E-D11F-DE38-5D04-343A1FD66C6D}"/>
+                  </a:ext>
+                </a:extLst>
+              </p:cNvPr>
+              <p:cNvSpPr>
+                <a:spLocks noRot="1" noChangeAspect="1" noMove="1" noResize="1" noEditPoints="1" noAdjustHandles="1" noChangeArrowheads="1" noChangeShapeType="1" noTextEdit="1"/>
+              </p:cNvSpPr>
+              <p:nvPr/>
+            </p:nvSpPr>
+            <p:spPr>
+              <a:xfrm>
+                <a:off x="8431308" y="4400064"/>
+                <a:ext cx="618258" cy="369332"/>
+              </a:xfrm>
+              <a:prstGeom prst="rect">
+                <a:avLst/>
+              </a:prstGeom>
+              <a:blipFill>
+                <a:blip r:embed="rId24"/>
+                <a:stretch>
+                  <a:fillRect b="-12121"/>
+                </a:stretch>
+              </a:blipFill>
+              <a:ln w="38100"/>
+            </p:spPr>
+            <p:txBody>
+              <a:bodyPr/>
+              <a:lstStyle/>
+              <a:p>
+                <a:r>
+                  <a:rPr lang="en-US">
+                    <a:noFill/>
+                  </a:rPr>
+                  <a:t> </a:t>
+                </a:r>
+              </a:p>
+            </p:txBody>
+          </p:sp>
+        </mc:Fallback>
+      </mc:AlternateContent>
+      <mc:AlternateContent xmlns:mc="http://schemas.openxmlformats.org/markup-compatibility/2006">
+        <mc:Choice xmlns:a14="http://schemas.microsoft.com/office/drawing/2010/main" Requires="a14">
+          <p:sp>
+            <p:nvSpPr>
+              <p:cNvPr id="75" name="TextBox 74">
+                <a:extLst>
+                  <a:ext uri="{FF2B5EF4-FFF2-40B4-BE49-F238E27FC236}">
+                    <a16:creationId xmlns:a16="http://schemas.microsoft.com/office/drawing/2014/main" id="{BD8065BF-5181-B3AB-B304-3802E8AC519D}"/>
+                  </a:ext>
+                </a:extLst>
+              </p:cNvPr>
+              <p:cNvSpPr txBox="1"/>
+              <p:nvPr/>
+            </p:nvSpPr>
+            <p:spPr>
+              <a:xfrm>
+                <a:off x="8630550" y="3903680"/>
+                <a:ext cx="165109" cy="369332"/>
+              </a:xfrm>
+              <a:prstGeom prst="rect">
+                <a:avLst/>
+              </a:prstGeom>
+              <a:noFill/>
+            </p:spPr>
+            <p:txBody>
+              <a:bodyPr wrap="none" lIns="0" tIns="0" rIns="0" bIns="0" rtlCol="0">
+                <a:spAutoFit/>
+              </a:bodyPr>
+              <a:lstStyle/>
+              <a:p>
+                <a14:m>
+                  <m:oMathPara xmlns:m="http://schemas.openxmlformats.org/officeDocument/2006/math">
+                    <m:oMathParaPr>
+                      <m:jc m:val="centerGroup"/>
+                    </m:oMathParaPr>
+                    <m:oMath xmlns:m="http://schemas.openxmlformats.org/officeDocument/2006/math">
+                      <m:r>
+                        <a:rPr lang="en-US" sz="2400" b="0" i="1" smtClean="0">
+                          <a:latin typeface="Cambria Math" panose="02040503050406030204" pitchFamily="18" charset="0"/>
+                        </a:rPr>
+                        <m:t>⋮</m:t>
+                      </m:r>
+                    </m:oMath>
+                  </m:oMathPara>
+                </a14:m>
+                <a:endParaRPr lang="en-US" sz="2400" dirty="0"/>
+              </a:p>
+            </p:txBody>
+          </p:sp>
+        </mc:Choice>
+        <mc:Fallback>
+          <p:sp>
+            <p:nvSpPr>
+              <p:cNvPr id="75" name="TextBox 74">
+                <a:extLst>
+                  <a:ext uri="{FF2B5EF4-FFF2-40B4-BE49-F238E27FC236}">
+                    <a16:creationId xmlns:a16="http://schemas.microsoft.com/office/drawing/2014/main" id="{BD8065BF-5181-B3AB-B304-3802E8AC519D}"/>
+                  </a:ext>
+                </a:extLst>
+              </p:cNvPr>
+              <p:cNvSpPr txBox="1">
+                <a:spLocks noRot="1" noChangeAspect="1" noMove="1" noResize="1" noEditPoints="1" noAdjustHandles="1" noChangeArrowheads="1" noChangeShapeType="1" noTextEdit="1"/>
+              </p:cNvSpPr>
+              <p:nvPr/>
+            </p:nvSpPr>
+            <p:spPr>
+              <a:xfrm>
+                <a:off x="8630550" y="3903680"/>
+                <a:ext cx="165109" cy="369332"/>
+              </a:xfrm>
+              <a:prstGeom prst="rect">
+                <a:avLst/>
+              </a:prstGeom>
+              <a:blipFill>
+                <a:blip r:embed="rId25"/>
+                <a:stretch>
+                  <a:fillRect l="-40741" r="-40741" b="-4918"/>
+                </a:stretch>
+              </a:blipFill>
+            </p:spPr>
+            <p:txBody>
+              <a:bodyPr/>
+              <a:lstStyle/>
+              <a:p>
+                <a:r>
+                  <a:rPr lang="en-US">
+                    <a:noFill/>
+                  </a:rPr>
+                  <a:t> </a:t>
+                </a:r>
+              </a:p>
+            </p:txBody>
+          </p:sp>
+        </mc:Fallback>
+      </mc:AlternateContent>
+      <p:cxnSp>
+        <p:nvCxnSpPr>
+          <p:cNvPr id="76" name="Straight Arrow Connector 75">
+            <a:extLst>
+              <a:ext uri="{FF2B5EF4-FFF2-40B4-BE49-F238E27FC236}">
+                <a16:creationId xmlns:a16="http://schemas.microsoft.com/office/drawing/2014/main" id="{F52241A9-AF3C-927F-1A05-771F6B3AB072}"/>
+              </a:ext>
+            </a:extLst>
+          </p:cNvPr>
+          <p:cNvCxnSpPr>
+            <a:cxnSpLocks/>
+          </p:cNvCxnSpPr>
+          <p:nvPr/>
+        </p:nvCxnSpPr>
+        <p:spPr>
+          <a:xfrm>
+            <a:off x="9127925" y="3169322"/>
+            <a:ext cx="513231" cy="0"/>
+          </a:xfrm>
+          <a:prstGeom prst="straightConnector1">
+            <a:avLst/>
+          </a:prstGeom>
+          <a:ln w="76200">
+            <a:tailEnd type="triangle"/>
+          </a:ln>
+        </p:spPr>
+        <p:style>
+          <a:lnRef idx="1">
+            <a:schemeClr val="accent1"/>
+          </a:lnRef>
+          <a:fillRef idx="0">
+            <a:schemeClr val="accent1"/>
+          </a:fillRef>
+          <a:effectRef idx="0">
+            <a:schemeClr val="accent1"/>
+          </a:effectRef>
+          <a:fontRef idx="minor">
+            <a:schemeClr val="tx1"/>
+          </a:fontRef>
+        </p:style>
+      </p:cxnSp>
+      <p:cxnSp>
+        <p:nvCxnSpPr>
+          <p:cNvPr id="77" name="Straight Arrow Connector 76">
+            <a:extLst>
+              <a:ext uri="{FF2B5EF4-FFF2-40B4-BE49-F238E27FC236}">
+                <a16:creationId xmlns:a16="http://schemas.microsoft.com/office/drawing/2014/main" id="{4AFA45EA-1574-E292-8540-1E66EF80D3BB}"/>
+              </a:ext>
+            </a:extLst>
+          </p:cNvPr>
+          <p:cNvCxnSpPr>
+            <a:cxnSpLocks/>
+          </p:cNvCxnSpPr>
+          <p:nvPr/>
+        </p:nvCxnSpPr>
+        <p:spPr>
+          <a:xfrm>
+            <a:off x="9127925" y="3631412"/>
+            <a:ext cx="513231" cy="0"/>
+          </a:xfrm>
+          <a:prstGeom prst="straightConnector1">
+            <a:avLst/>
+          </a:prstGeom>
+          <a:ln w="76200">
+            <a:tailEnd type="triangle"/>
+          </a:ln>
+        </p:spPr>
+        <p:style>
+          <a:lnRef idx="1">
+            <a:schemeClr val="accent1"/>
+          </a:lnRef>
+          <a:fillRef idx="0">
+            <a:schemeClr val="accent1"/>
+          </a:fillRef>
+          <a:effectRef idx="0">
+            <a:schemeClr val="accent1"/>
+          </a:effectRef>
+          <a:fontRef idx="minor">
+            <a:schemeClr val="tx1"/>
+          </a:fontRef>
+        </p:style>
+      </p:cxnSp>
+      <p:cxnSp>
+        <p:nvCxnSpPr>
+          <p:cNvPr id="78" name="Straight Arrow Connector 77">
+            <a:extLst>
+              <a:ext uri="{FF2B5EF4-FFF2-40B4-BE49-F238E27FC236}">
+                <a16:creationId xmlns:a16="http://schemas.microsoft.com/office/drawing/2014/main" id="{25DBEAA6-B34E-35D1-5F12-C1BF8A1E2108}"/>
+              </a:ext>
+            </a:extLst>
+          </p:cNvPr>
+          <p:cNvCxnSpPr>
+            <a:cxnSpLocks/>
+          </p:cNvCxnSpPr>
+          <p:nvPr/>
+        </p:nvCxnSpPr>
+        <p:spPr>
+          <a:xfrm>
+            <a:off x="9127925" y="4580057"/>
+            <a:ext cx="513231" cy="0"/>
+          </a:xfrm>
+          <a:prstGeom prst="straightConnector1">
+            <a:avLst/>
+          </a:prstGeom>
+          <a:ln w="76200">
+            <a:tailEnd type="triangle"/>
+          </a:ln>
+        </p:spPr>
+        <p:style>
+          <a:lnRef idx="1">
+            <a:schemeClr val="accent1"/>
+          </a:lnRef>
+          <a:fillRef idx="0">
+            <a:schemeClr val="accent1"/>
+          </a:fillRef>
+          <a:effectRef idx="0">
+            <a:schemeClr val="accent1"/>
+          </a:effectRef>
+          <a:fontRef idx="minor">
+            <a:schemeClr val="tx1"/>
+          </a:fontRef>
+        </p:style>
+      </p:cxnSp>
+      <mc:AlternateContent xmlns:mc="http://schemas.openxmlformats.org/markup-compatibility/2006">
+        <mc:Choice xmlns:a14="http://schemas.microsoft.com/office/drawing/2010/main" Requires="a14">
+          <p:sp>
+            <p:nvSpPr>
+              <p:cNvPr id="79" name="TextBox 78">
+                <a:extLst>
+                  <a:ext uri="{FF2B5EF4-FFF2-40B4-BE49-F238E27FC236}">
+                    <a16:creationId xmlns:a16="http://schemas.microsoft.com/office/drawing/2014/main" id="{2F511F80-E173-588E-69DE-5CFEC242758C}"/>
+                  </a:ext>
+                </a:extLst>
+              </p:cNvPr>
+              <p:cNvSpPr txBox="1"/>
+              <p:nvPr/>
+            </p:nvSpPr>
+            <p:spPr>
+              <a:xfrm>
+                <a:off x="9588515" y="2988240"/>
+                <a:ext cx="1076705" cy="369332"/>
+              </a:xfrm>
+              <a:prstGeom prst="rect">
+                <a:avLst/>
+              </a:prstGeom>
+              <a:noFill/>
+            </p:spPr>
+            <p:txBody>
+              <a:bodyPr wrap="none" rtlCol="0">
+                <a:spAutoFit/>
+              </a:bodyPr>
+              <a:lstStyle/>
+              <a:p>
+                <a:pPr/>
+                <a14:m>
+                  <m:oMathPara xmlns:m="http://schemas.openxmlformats.org/officeDocument/2006/math">
+                    <m:oMathParaPr>
+                      <m:jc m:val="centerGroup"/>
+                    </m:oMathParaPr>
+                    <m:oMath xmlns:m="http://schemas.openxmlformats.org/officeDocument/2006/math">
+                      <m:r>
+                        <m:rPr>
+                          <m:sty m:val="p"/>
+                        </m:rPr>
+                        <a:rPr lang="en-US" b="0" i="0" smtClean="0">
+                          <a:latin typeface="Cambria Math" panose="02040503050406030204" pitchFamily="18" charset="0"/>
+                        </a:rPr>
+                        <m:t>S</m:t>
+                      </m:r>
+                      <m:r>
+                        <a:rPr lang="en-US" b="0" i="1" smtClean="0">
+                          <a:latin typeface="Cambria Math" panose="02040503050406030204" pitchFamily="18" charset="0"/>
+                        </a:rPr>
+                        <m:t>𝑀</m:t>
+                      </m:r>
+                      <m:r>
+                        <a:rPr lang="en-US" b="0" i="1" smtClean="0">
+                          <a:latin typeface="Cambria Math" panose="02040503050406030204" pitchFamily="18" charset="0"/>
+                        </a:rPr>
+                        <m:t> </m:t>
+                      </m:r>
+                      <m:r>
+                        <a:rPr lang="en-US" b="1" i="1" smtClean="0">
+                          <a:latin typeface="Cambria Math" panose="02040503050406030204" pitchFamily="18" charset="0"/>
+                        </a:rPr>
+                        <m:t>(</m:t>
+                      </m:r>
+                      <m:sSub>
+                        <m:sSubPr>
+                          <m:ctrlPr>
+                            <a:rPr lang="en-US" b="1" i="1" smtClean="0">
+                              <a:latin typeface="Cambria Math" panose="02040503050406030204" pitchFamily="18" charset="0"/>
+                            </a:rPr>
+                          </m:ctrlPr>
+                        </m:sSubPr>
+                        <m:e>
+                          <m:r>
+                            <a:rPr lang="en-US" b="1" i="1" smtClean="0">
+                              <a:latin typeface="Cambria Math" panose="02040503050406030204" pitchFamily="18" charset="0"/>
+                            </a:rPr>
+                            <m:t>𝑸</m:t>
+                          </m:r>
+                        </m:e>
+                        <m:sub>
+                          <m:r>
+                            <a:rPr lang="en-US" b="1" i="1" smtClean="0">
+                              <a:latin typeface="Cambria Math" panose="02040503050406030204" pitchFamily="18" charset="0"/>
+                            </a:rPr>
+                            <m:t>𝟏</m:t>
+                          </m:r>
+                        </m:sub>
+                      </m:sSub>
+                      <m:r>
+                        <a:rPr lang="en-US" b="1" i="1" smtClean="0">
+                          <a:latin typeface="Cambria Math" panose="02040503050406030204" pitchFamily="18" charset="0"/>
+                        </a:rPr>
+                        <m:t>)</m:t>
+                      </m:r>
+                    </m:oMath>
+                  </m:oMathPara>
+                </a14:m>
+                <a:endParaRPr lang="en-US" b="1" dirty="0"/>
+              </a:p>
+            </p:txBody>
+          </p:sp>
+        </mc:Choice>
+        <mc:Fallback>
+          <p:sp>
+            <p:nvSpPr>
+              <p:cNvPr id="79" name="TextBox 78">
+                <a:extLst>
+                  <a:ext uri="{FF2B5EF4-FFF2-40B4-BE49-F238E27FC236}">
+                    <a16:creationId xmlns:a16="http://schemas.microsoft.com/office/drawing/2014/main" id="{2F511F80-E173-588E-69DE-5CFEC242758C}"/>
+                  </a:ext>
+                </a:extLst>
+              </p:cNvPr>
+              <p:cNvSpPr txBox="1">
+                <a:spLocks noRot="1" noChangeAspect="1" noMove="1" noResize="1" noEditPoints="1" noAdjustHandles="1" noChangeArrowheads="1" noChangeShapeType="1" noTextEdit="1"/>
+              </p:cNvSpPr>
+              <p:nvPr/>
+            </p:nvSpPr>
+            <p:spPr>
+              <a:xfrm>
+                <a:off x="9588515" y="2988240"/>
+                <a:ext cx="1076705" cy="369332"/>
+              </a:xfrm>
+              <a:prstGeom prst="rect">
+                <a:avLst/>
+              </a:prstGeom>
+              <a:blipFill>
+                <a:blip r:embed="rId26"/>
+                <a:stretch>
+                  <a:fillRect b="-13115"/>
+                </a:stretch>
+              </a:blipFill>
+            </p:spPr>
+            <p:txBody>
+              <a:bodyPr/>
+              <a:lstStyle/>
+              <a:p>
+                <a:r>
+                  <a:rPr lang="en-US">
+                    <a:noFill/>
+                  </a:rPr>
+                  <a:t> </a:t>
+                </a:r>
+              </a:p>
+            </p:txBody>
+          </p:sp>
+        </mc:Fallback>
+      </mc:AlternateContent>
+      <mc:AlternateContent xmlns:mc="http://schemas.openxmlformats.org/markup-compatibility/2006">
+        <mc:Choice xmlns:a14="http://schemas.microsoft.com/office/drawing/2010/main" Requires="a14">
+          <p:sp>
+            <p:nvSpPr>
+              <p:cNvPr id="80" name="TextBox 79">
+                <a:extLst>
+                  <a:ext uri="{FF2B5EF4-FFF2-40B4-BE49-F238E27FC236}">
+                    <a16:creationId xmlns:a16="http://schemas.microsoft.com/office/drawing/2014/main" id="{9470FA67-6926-C1BD-81F2-67F1CCF06129}"/>
+                  </a:ext>
+                </a:extLst>
+              </p:cNvPr>
+              <p:cNvSpPr txBox="1"/>
+              <p:nvPr/>
+            </p:nvSpPr>
+            <p:spPr>
+              <a:xfrm>
+                <a:off x="9588515" y="3432599"/>
+                <a:ext cx="1076705" cy="369332"/>
+              </a:xfrm>
+              <a:prstGeom prst="rect">
+                <a:avLst/>
+              </a:prstGeom>
+              <a:noFill/>
+            </p:spPr>
+            <p:txBody>
+              <a:bodyPr wrap="none" rtlCol="0">
+                <a:spAutoFit/>
+              </a:bodyPr>
+              <a:lstStyle/>
+              <a:p>
+                <a:pPr/>
+                <a14:m>
+                  <m:oMathPara xmlns:m="http://schemas.openxmlformats.org/officeDocument/2006/math">
+                    <m:oMathParaPr>
+                      <m:jc m:val="centerGroup"/>
+                    </m:oMathParaPr>
+                    <m:oMath xmlns:m="http://schemas.openxmlformats.org/officeDocument/2006/math">
+                      <m:r>
+                        <m:rPr>
+                          <m:sty m:val="p"/>
+                        </m:rPr>
+                        <a:rPr lang="en-US" b="0" i="0" smtClean="0">
+                          <a:latin typeface="Cambria Math" panose="02040503050406030204" pitchFamily="18" charset="0"/>
+                        </a:rPr>
+                        <m:t>S</m:t>
+                      </m:r>
+                      <m:r>
+                        <a:rPr lang="en-US" b="0" i="1" smtClean="0">
+                          <a:latin typeface="Cambria Math" panose="02040503050406030204" pitchFamily="18" charset="0"/>
+                        </a:rPr>
+                        <m:t>𝑀</m:t>
+                      </m:r>
+                      <m:r>
+                        <a:rPr lang="en-US" b="0" i="1" smtClean="0">
+                          <a:latin typeface="Cambria Math" panose="02040503050406030204" pitchFamily="18" charset="0"/>
+                        </a:rPr>
+                        <m:t> </m:t>
+                      </m:r>
+                      <m:r>
+                        <a:rPr lang="en-US" b="1" i="1" smtClean="0">
+                          <a:latin typeface="Cambria Math" panose="02040503050406030204" pitchFamily="18" charset="0"/>
+                        </a:rPr>
+                        <m:t>(</m:t>
+                      </m:r>
+                      <m:sSub>
+                        <m:sSubPr>
+                          <m:ctrlPr>
+                            <a:rPr lang="en-US" b="1" i="1" smtClean="0">
+                              <a:latin typeface="Cambria Math" panose="02040503050406030204" pitchFamily="18" charset="0"/>
+                            </a:rPr>
+                          </m:ctrlPr>
+                        </m:sSubPr>
+                        <m:e>
+                          <m:r>
+                            <a:rPr lang="en-US" b="1" i="1" smtClean="0">
+                              <a:latin typeface="Cambria Math" panose="02040503050406030204" pitchFamily="18" charset="0"/>
+                            </a:rPr>
+                            <m:t>𝑸</m:t>
+                          </m:r>
+                        </m:e>
+                        <m:sub>
+                          <m:r>
+                            <a:rPr lang="en-US" b="1" i="1" smtClean="0">
+                              <a:latin typeface="Cambria Math" panose="02040503050406030204" pitchFamily="18" charset="0"/>
+                            </a:rPr>
+                            <m:t>𝟐</m:t>
+                          </m:r>
+                        </m:sub>
+                      </m:sSub>
+                      <m:r>
+                        <a:rPr lang="en-US" b="1" i="1" smtClean="0">
+                          <a:latin typeface="Cambria Math" panose="02040503050406030204" pitchFamily="18" charset="0"/>
+                        </a:rPr>
+                        <m:t>)</m:t>
+                      </m:r>
+                    </m:oMath>
+                  </m:oMathPara>
+                </a14:m>
+                <a:endParaRPr lang="en-US" b="1" dirty="0"/>
+              </a:p>
+            </p:txBody>
+          </p:sp>
+        </mc:Choice>
+        <mc:Fallback>
+          <p:sp>
+            <p:nvSpPr>
+              <p:cNvPr id="80" name="TextBox 79">
+                <a:extLst>
+                  <a:ext uri="{FF2B5EF4-FFF2-40B4-BE49-F238E27FC236}">
+                    <a16:creationId xmlns:a16="http://schemas.microsoft.com/office/drawing/2014/main" id="{9470FA67-6926-C1BD-81F2-67F1CCF06129}"/>
+                  </a:ext>
+                </a:extLst>
+              </p:cNvPr>
+              <p:cNvSpPr txBox="1">
+                <a:spLocks noRot="1" noChangeAspect="1" noMove="1" noResize="1" noEditPoints="1" noAdjustHandles="1" noChangeArrowheads="1" noChangeShapeType="1" noTextEdit="1"/>
+              </p:cNvSpPr>
+              <p:nvPr/>
+            </p:nvSpPr>
+            <p:spPr>
+              <a:xfrm>
+                <a:off x="9588515" y="3432599"/>
+                <a:ext cx="1076705" cy="369332"/>
+              </a:xfrm>
+              <a:prstGeom prst="rect">
+                <a:avLst/>
+              </a:prstGeom>
+              <a:blipFill>
+                <a:blip r:embed="rId27"/>
+                <a:stretch>
+                  <a:fillRect b="-13115"/>
+                </a:stretch>
+              </a:blipFill>
+            </p:spPr>
+            <p:txBody>
+              <a:bodyPr/>
+              <a:lstStyle/>
+              <a:p>
+                <a:r>
+                  <a:rPr lang="en-US">
+                    <a:noFill/>
+                  </a:rPr>
+                  <a:t> </a:t>
+                </a:r>
+              </a:p>
+            </p:txBody>
+          </p:sp>
+        </mc:Fallback>
+      </mc:AlternateContent>
+      <mc:AlternateContent xmlns:mc="http://schemas.openxmlformats.org/markup-compatibility/2006">
+        <mc:Choice xmlns:a14="http://schemas.microsoft.com/office/drawing/2010/main" Requires="a14">
+          <p:sp>
+            <p:nvSpPr>
+              <p:cNvPr id="81" name="TextBox 80">
+                <a:extLst>
+                  <a:ext uri="{FF2B5EF4-FFF2-40B4-BE49-F238E27FC236}">
+                    <a16:creationId xmlns:a16="http://schemas.microsoft.com/office/drawing/2014/main" id="{4C67564C-B450-BF39-619A-AA96CE1B3689}"/>
+                  </a:ext>
+                </a:extLst>
+              </p:cNvPr>
+              <p:cNvSpPr txBox="1"/>
+              <p:nvPr/>
+            </p:nvSpPr>
+            <p:spPr>
+              <a:xfrm>
+                <a:off x="9607506" y="4400064"/>
+                <a:ext cx="1078308" cy="369332"/>
+              </a:xfrm>
+              <a:prstGeom prst="rect">
+                <a:avLst/>
+              </a:prstGeom>
+              <a:noFill/>
+            </p:spPr>
+            <p:txBody>
+              <a:bodyPr wrap="none" rtlCol="0">
+                <a:spAutoFit/>
+              </a:bodyPr>
+              <a:lstStyle/>
+              <a:p>
+                <a:pPr/>
+                <a14:m>
+                  <m:oMathPara xmlns:m="http://schemas.openxmlformats.org/officeDocument/2006/math">
+                    <m:oMathParaPr>
+                      <m:jc m:val="centerGroup"/>
+                    </m:oMathParaPr>
+                    <m:oMath xmlns:m="http://schemas.openxmlformats.org/officeDocument/2006/math">
+                      <m:r>
+                        <m:rPr>
+                          <m:sty m:val="p"/>
+                        </m:rPr>
+                        <a:rPr lang="en-US" b="0" i="0" smtClean="0">
+                          <a:latin typeface="Cambria Math" panose="02040503050406030204" pitchFamily="18" charset="0"/>
+                        </a:rPr>
+                        <m:t>S</m:t>
+                      </m:r>
+                      <m:r>
+                        <a:rPr lang="en-US" b="0" i="1" smtClean="0">
+                          <a:latin typeface="Cambria Math" panose="02040503050406030204" pitchFamily="18" charset="0"/>
+                        </a:rPr>
+                        <m:t>𝑀</m:t>
+                      </m:r>
+                      <m:r>
+                        <a:rPr lang="en-US" b="0" i="1" smtClean="0">
+                          <a:latin typeface="Cambria Math" panose="02040503050406030204" pitchFamily="18" charset="0"/>
+                        </a:rPr>
+                        <m:t> </m:t>
+                      </m:r>
+                      <m:r>
+                        <a:rPr lang="en-US" b="1" i="1" smtClean="0">
+                          <a:latin typeface="Cambria Math" panose="02040503050406030204" pitchFamily="18" charset="0"/>
+                        </a:rPr>
+                        <m:t>(</m:t>
+                      </m:r>
+                      <m:sSub>
+                        <m:sSubPr>
+                          <m:ctrlPr>
+                            <a:rPr lang="en-US" b="1" i="1" smtClean="0">
+                              <a:latin typeface="Cambria Math" panose="02040503050406030204" pitchFamily="18" charset="0"/>
+                            </a:rPr>
+                          </m:ctrlPr>
+                        </m:sSubPr>
+                        <m:e>
+                          <m:r>
+                            <a:rPr lang="en-US" b="1" i="1" smtClean="0">
+                              <a:latin typeface="Cambria Math" panose="02040503050406030204" pitchFamily="18" charset="0"/>
+                            </a:rPr>
+                            <m:t>𝑸</m:t>
+                          </m:r>
+                        </m:e>
+                        <m:sub>
+                          <m:r>
+                            <a:rPr lang="en-US" b="1" i="1" smtClean="0">
+                              <a:latin typeface="Cambria Math" panose="02040503050406030204" pitchFamily="18" charset="0"/>
+                            </a:rPr>
+                            <m:t>𝒌</m:t>
+                          </m:r>
+                        </m:sub>
+                      </m:sSub>
+                      <m:r>
+                        <a:rPr lang="en-US" b="1" i="1" smtClean="0">
+                          <a:latin typeface="Cambria Math" panose="02040503050406030204" pitchFamily="18" charset="0"/>
+                        </a:rPr>
+                        <m:t>)</m:t>
+                      </m:r>
+                    </m:oMath>
+                  </m:oMathPara>
+                </a14:m>
+                <a:endParaRPr lang="en-US" b="1" dirty="0"/>
+              </a:p>
+            </p:txBody>
+          </p:sp>
+        </mc:Choice>
+        <mc:Fallback>
+          <p:sp>
+            <p:nvSpPr>
+              <p:cNvPr id="81" name="TextBox 80">
+                <a:extLst>
+                  <a:ext uri="{FF2B5EF4-FFF2-40B4-BE49-F238E27FC236}">
+                    <a16:creationId xmlns:a16="http://schemas.microsoft.com/office/drawing/2014/main" id="{4C67564C-B450-BF39-619A-AA96CE1B3689}"/>
+                  </a:ext>
+                </a:extLst>
+              </p:cNvPr>
+              <p:cNvSpPr txBox="1">
+                <a:spLocks noRot="1" noChangeAspect="1" noMove="1" noResize="1" noEditPoints="1" noAdjustHandles="1" noChangeArrowheads="1" noChangeShapeType="1" noTextEdit="1"/>
+              </p:cNvSpPr>
+              <p:nvPr/>
+            </p:nvSpPr>
+            <p:spPr>
+              <a:xfrm>
+                <a:off x="9607506" y="4400064"/>
+                <a:ext cx="1078308" cy="369332"/>
+              </a:xfrm>
+              <a:prstGeom prst="rect">
+                <a:avLst/>
+              </a:prstGeom>
+              <a:blipFill>
+                <a:blip r:embed="rId28"/>
+                <a:stretch>
+                  <a:fillRect b="-13333"/>
+                </a:stretch>
+              </a:blipFill>
+            </p:spPr>
+            <p:txBody>
+              <a:bodyPr/>
+              <a:lstStyle/>
+              <a:p>
+                <a:r>
+                  <a:rPr lang="en-US">
+                    <a:noFill/>
+                  </a:rPr>
+                  <a:t> </a:t>
+                </a:r>
+              </a:p>
+            </p:txBody>
+          </p:sp>
+        </mc:Fallback>
+      </mc:AlternateContent>
+      <p:cxnSp>
+        <p:nvCxnSpPr>
+          <p:cNvPr id="84" name="Connector: Elbow 83">
+            <a:extLst>
+              <a:ext uri="{FF2B5EF4-FFF2-40B4-BE49-F238E27FC236}">
+                <a16:creationId xmlns:a16="http://schemas.microsoft.com/office/drawing/2014/main" id="{B4794ED8-36D8-211C-D94B-C0B812FE7B4F}"/>
+              </a:ext>
+            </a:extLst>
+          </p:cNvPr>
+          <p:cNvCxnSpPr>
+            <a:stCxn id="6" idx="2"/>
+            <a:endCxn id="53" idx="2"/>
+          </p:cNvCxnSpPr>
+          <p:nvPr/>
+        </p:nvCxnSpPr>
+        <p:spPr>
+          <a:xfrm rot="16200000" flipH="1">
+            <a:off x="2497002" y="2337890"/>
+            <a:ext cx="156576" cy="3555186"/>
+          </a:xfrm>
+          <a:prstGeom prst="bentConnector3">
+            <a:avLst>
+              <a:gd name="adj1" fmla="val 401731"/>
+            </a:avLst>
+          </a:prstGeom>
+          <a:ln w="76200">
+            <a:tailEnd type="triangle"/>
+          </a:ln>
+        </p:spPr>
+        <p:style>
+          <a:lnRef idx="1">
+            <a:schemeClr val="accent1"/>
+          </a:lnRef>
+          <a:fillRef idx="0">
+            <a:schemeClr val="accent1"/>
+          </a:fillRef>
+          <a:effectRef idx="0">
+            <a:schemeClr val="accent1"/>
+          </a:effectRef>
+          <a:fontRef idx="minor">
+            <a:schemeClr val="tx1"/>
+          </a:fontRef>
+        </p:style>
+      </p:cxnSp>
+      <p:cxnSp>
+        <p:nvCxnSpPr>
+          <p:cNvPr id="85" name="Connector: Elbow 84">
+            <a:extLst>
+              <a:ext uri="{FF2B5EF4-FFF2-40B4-BE49-F238E27FC236}">
+                <a16:creationId xmlns:a16="http://schemas.microsoft.com/office/drawing/2014/main" id="{E913731C-B8E1-4D25-894F-C691BACAD3A9}"/>
+              </a:ext>
+            </a:extLst>
+          </p:cNvPr>
+          <p:cNvCxnSpPr>
+            <a:cxnSpLocks/>
+            <a:stCxn id="36" idx="2"/>
+            <a:endCxn id="53" idx="0"/>
+          </p:cNvCxnSpPr>
+          <p:nvPr/>
+        </p:nvCxnSpPr>
+        <p:spPr>
+          <a:xfrm rot="5400000">
+            <a:off x="4249127" y="2022942"/>
+            <a:ext cx="1628255" cy="1420741"/>
+          </a:xfrm>
+          <a:prstGeom prst="bentConnector3">
+            <a:avLst>
+              <a:gd name="adj1" fmla="val 21653"/>
+            </a:avLst>
+          </a:prstGeom>
+          <a:ln w="76200">
+            <a:tailEnd type="triangle"/>
+          </a:ln>
+        </p:spPr>
+        <p:style>
+          <a:lnRef idx="1">
+            <a:schemeClr val="accent1"/>
+          </a:lnRef>
+          <a:fillRef idx="0">
+            <a:schemeClr val="accent1"/>
+          </a:fillRef>
+          <a:effectRef idx="0">
+            <a:schemeClr val="accent1"/>
+          </a:effectRef>
+          <a:fontRef idx="minor">
+            <a:schemeClr val="tx1"/>
+          </a:fontRef>
+        </p:style>
+      </p:cxnSp>
+      <p:cxnSp>
+        <p:nvCxnSpPr>
+          <p:cNvPr id="95" name="Straight Arrow Connector 94">
+            <a:extLst>
+              <a:ext uri="{FF2B5EF4-FFF2-40B4-BE49-F238E27FC236}">
+                <a16:creationId xmlns:a16="http://schemas.microsoft.com/office/drawing/2014/main" id="{7372098F-AA89-8108-205F-3E1C95BF454B}"/>
+              </a:ext>
+            </a:extLst>
+          </p:cNvPr>
+          <p:cNvCxnSpPr>
+            <a:cxnSpLocks/>
+          </p:cNvCxnSpPr>
+          <p:nvPr/>
+        </p:nvCxnSpPr>
+        <p:spPr>
+          <a:xfrm>
+            <a:off x="10560485" y="3191537"/>
+            <a:ext cx="513231" cy="0"/>
+          </a:xfrm>
+          <a:prstGeom prst="straightConnector1">
+            <a:avLst/>
+          </a:prstGeom>
+          <a:ln w="76200">
+            <a:tailEnd type="triangle"/>
+          </a:ln>
+        </p:spPr>
+        <p:style>
+          <a:lnRef idx="1">
+            <a:schemeClr val="accent1"/>
+          </a:lnRef>
+          <a:fillRef idx="0">
+            <a:schemeClr val="accent1"/>
+          </a:fillRef>
+          <a:effectRef idx="0">
+            <a:schemeClr val="accent1"/>
+          </a:effectRef>
+          <a:fontRef idx="minor">
+            <a:schemeClr val="tx1"/>
+          </a:fontRef>
+        </p:style>
+      </p:cxnSp>
+      <p:cxnSp>
+        <p:nvCxnSpPr>
+          <p:cNvPr id="96" name="Straight Arrow Connector 95">
+            <a:extLst>
+              <a:ext uri="{FF2B5EF4-FFF2-40B4-BE49-F238E27FC236}">
+                <a16:creationId xmlns:a16="http://schemas.microsoft.com/office/drawing/2014/main" id="{43CABFF7-542F-A562-8AFE-7F5D22151C7D}"/>
+              </a:ext>
+            </a:extLst>
+          </p:cNvPr>
+          <p:cNvCxnSpPr>
+            <a:cxnSpLocks/>
+          </p:cNvCxnSpPr>
+          <p:nvPr/>
+        </p:nvCxnSpPr>
+        <p:spPr>
+          <a:xfrm>
+            <a:off x="10560485" y="3653627"/>
+            <a:ext cx="513231" cy="0"/>
+          </a:xfrm>
+          <a:prstGeom prst="straightConnector1">
+            <a:avLst/>
+          </a:prstGeom>
+          <a:ln w="76200">
+            <a:tailEnd type="triangle"/>
+          </a:ln>
+        </p:spPr>
+        <p:style>
+          <a:lnRef idx="1">
+            <a:schemeClr val="accent1"/>
+          </a:lnRef>
+          <a:fillRef idx="0">
+            <a:schemeClr val="accent1"/>
+          </a:fillRef>
+          <a:effectRef idx="0">
+            <a:schemeClr val="accent1"/>
+          </a:effectRef>
+          <a:fontRef idx="minor">
+            <a:schemeClr val="tx1"/>
+          </a:fontRef>
+        </p:style>
+      </p:cxnSp>
+      <p:cxnSp>
+        <p:nvCxnSpPr>
+          <p:cNvPr id="97" name="Straight Arrow Connector 96">
+            <a:extLst>
+              <a:ext uri="{FF2B5EF4-FFF2-40B4-BE49-F238E27FC236}">
+                <a16:creationId xmlns:a16="http://schemas.microsoft.com/office/drawing/2014/main" id="{8649C723-05B5-6280-1874-6EC20CF62A66}"/>
+              </a:ext>
+            </a:extLst>
+          </p:cNvPr>
+          <p:cNvCxnSpPr>
+            <a:cxnSpLocks/>
+          </p:cNvCxnSpPr>
+          <p:nvPr/>
+        </p:nvCxnSpPr>
+        <p:spPr>
+          <a:xfrm>
+            <a:off x="10560485" y="4602272"/>
+            <a:ext cx="513231" cy="0"/>
+          </a:xfrm>
+          <a:prstGeom prst="straightConnector1">
+            <a:avLst/>
+          </a:prstGeom>
+          <a:ln w="76200">
+            <a:tailEnd type="triangle"/>
+          </a:ln>
+        </p:spPr>
+        <p:style>
+          <a:lnRef idx="1">
+            <a:schemeClr val="accent1"/>
+          </a:lnRef>
+          <a:fillRef idx="0">
+            <a:schemeClr val="accent1"/>
+          </a:fillRef>
+          <a:effectRef idx="0">
+            <a:schemeClr val="accent1"/>
+          </a:effectRef>
+          <a:fontRef idx="minor">
+            <a:schemeClr val="tx1"/>
+          </a:fontRef>
+        </p:style>
+      </p:cxnSp>
+      <mc:AlternateContent xmlns:mc="http://schemas.openxmlformats.org/markup-compatibility/2006">
+        <mc:Choice xmlns:a14="http://schemas.microsoft.com/office/drawing/2010/main" Requires="a14">
+          <p:sp>
+            <p:nvSpPr>
+              <p:cNvPr id="101" name="Rectangle 100">
+                <a:extLst>
+                  <a:ext uri="{FF2B5EF4-FFF2-40B4-BE49-F238E27FC236}">
+                    <a16:creationId xmlns:a16="http://schemas.microsoft.com/office/drawing/2014/main" id="{109DB7D3-BB9C-BECD-C887-47782B858916}"/>
+                  </a:ext>
+                </a:extLst>
+              </p:cNvPr>
+              <p:cNvSpPr/>
+              <p:nvPr/>
+            </p:nvSpPr>
+            <p:spPr>
+              <a:xfrm>
+                <a:off x="11177762" y="2988240"/>
+                <a:ext cx="618258" cy="369332"/>
+              </a:xfrm>
+              <a:prstGeom prst="rect">
+                <a:avLst/>
+              </a:prstGeom>
+              <a:solidFill>
+                <a:schemeClr val="accent1">
+                  <a:lumMod val="40000"/>
+                  <a:lumOff val="60000"/>
+                </a:schemeClr>
+              </a:solidFill>
+              <a:ln w="38100"/>
+            </p:spPr>
+            <p:style>
+              <a:lnRef idx="2">
+                <a:schemeClr val="accent1">
+                  <a:shade val="15000"/>
+                </a:schemeClr>
+              </a:lnRef>
+              <a:fillRef idx="1">
+                <a:schemeClr val="accent1"/>
+              </a:fillRef>
+              <a:effectRef idx="0">
+                <a:schemeClr val="accent1"/>
+              </a:effectRef>
+              <a:fontRef idx="minor">
+                <a:schemeClr val="lt1"/>
+              </a:fontRef>
+            </p:style>
+            <p:txBody>
+              <a:bodyPr rtlCol="0" anchor="ctr"/>
+              <a:lstStyle/>
+              <a:p>
+                <a:pPr algn="ctr"/>
+                <a14:m>
+                  <m:oMathPara xmlns:m="http://schemas.openxmlformats.org/officeDocument/2006/math">
+                    <m:oMathParaPr>
+                      <m:jc m:val="centerGroup"/>
+                    </m:oMathParaPr>
+                    <m:oMath xmlns:m="http://schemas.openxmlformats.org/officeDocument/2006/math">
+                      <m:sSub>
+                        <m:sSubPr>
+                          <m:ctrlPr>
+                            <a:rPr lang="en-US" sz="2000" b="1" i="1" smtClean="0">
+                              <a:solidFill>
+                                <a:schemeClr val="tx1"/>
+                              </a:solidFill>
+                              <a:latin typeface="Cambria Math" panose="02040503050406030204" pitchFamily="18" charset="0"/>
+                            </a:rPr>
+                          </m:ctrlPr>
+                        </m:sSubPr>
+                        <m:e>
+                          <m:r>
+                            <a:rPr lang="en-US" sz="2000" b="1" i="1" smtClean="0">
+                              <a:solidFill>
+                                <a:schemeClr val="tx1"/>
+                              </a:solidFill>
+                              <a:latin typeface="Cambria Math" panose="02040503050406030204" pitchFamily="18" charset="0"/>
+                            </a:rPr>
+                            <m:t>𝑷</m:t>
+                          </m:r>
+                        </m:e>
+                        <m:sub>
+                          <m:r>
+                            <a:rPr lang="en-US" sz="2000" b="1" i="1" smtClean="0">
+                              <a:solidFill>
+                                <a:schemeClr val="tx1"/>
+                              </a:solidFill>
+                              <a:latin typeface="Cambria Math" panose="02040503050406030204" pitchFamily="18" charset="0"/>
+                            </a:rPr>
+                            <m:t>𝟏</m:t>
+                          </m:r>
+                        </m:sub>
+                      </m:sSub>
+                    </m:oMath>
+                  </m:oMathPara>
+                </a14:m>
+                <a:endParaRPr lang="en-US" sz="2800" b="1" dirty="0">
+                  <a:solidFill>
+                    <a:schemeClr val="tx1"/>
+                  </a:solidFill>
+                </a:endParaRPr>
+              </a:p>
+            </p:txBody>
+          </p:sp>
+        </mc:Choice>
+        <mc:Fallback>
+          <p:sp>
+            <p:nvSpPr>
+              <p:cNvPr id="101" name="Rectangle 100">
+                <a:extLst>
+                  <a:ext uri="{FF2B5EF4-FFF2-40B4-BE49-F238E27FC236}">
+                    <a16:creationId xmlns:a16="http://schemas.microsoft.com/office/drawing/2014/main" id="{109DB7D3-BB9C-BECD-C887-47782B858916}"/>
+                  </a:ext>
+                </a:extLst>
+              </p:cNvPr>
+              <p:cNvSpPr>
+                <a:spLocks noRot="1" noChangeAspect="1" noMove="1" noResize="1" noEditPoints="1" noAdjustHandles="1" noChangeArrowheads="1" noChangeShapeType="1" noTextEdit="1"/>
+              </p:cNvSpPr>
+              <p:nvPr/>
+            </p:nvSpPr>
+            <p:spPr>
+              <a:xfrm>
+                <a:off x="11177762" y="2988240"/>
+                <a:ext cx="618258" cy="369332"/>
+              </a:xfrm>
+              <a:prstGeom prst="rect">
+                <a:avLst/>
+              </a:prstGeom>
+              <a:blipFill>
+                <a:blip r:embed="rId29"/>
+                <a:stretch>
+                  <a:fillRect/>
+                </a:stretch>
+              </a:blipFill>
+              <a:ln w="38100"/>
+            </p:spPr>
+            <p:txBody>
+              <a:bodyPr/>
+              <a:lstStyle/>
+              <a:p>
+                <a:r>
+                  <a:rPr lang="en-US">
+                    <a:noFill/>
+                  </a:rPr>
+                  <a:t> </a:t>
+                </a:r>
+              </a:p>
+            </p:txBody>
+          </p:sp>
+        </mc:Fallback>
+      </mc:AlternateContent>
+      <mc:AlternateContent xmlns:mc="http://schemas.openxmlformats.org/markup-compatibility/2006">
+        <mc:Choice xmlns:a14="http://schemas.microsoft.com/office/drawing/2010/main" Requires="a14">
+          <p:sp>
+            <p:nvSpPr>
+              <p:cNvPr id="102" name="Rectangle 101">
+                <a:extLst>
+                  <a:ext uri="{FF2B5EF4-FFF2-40B4-BE49-F238E27FC236}">
+                    <a16:creationId xmlns:a16="http://schemas.microsoft.com/office/drawing/2014/main" id="{0F905D0E-F1A1-E9C7-AB8A-AA931EA2C67D}"/>
+                  </a:ext>
+                </a:extLst>
+              </p:cNvPr>
+              <p:cNvSpPr/>
+              <p:nvPr/>
+            </p:nvSpPr>
+            <p:spPr>
+              <a:xfrm>
+                <a:off x="11177762" y="3484624"/>
+                <a:ext cx="618258" cy="369332"/>
+              </a:xfrm>
+              <a:prstGeom prst="rect">
+                <a:avLst/>
+              </a:prstGeom>
+              <a:solidFill>
+                <a:schemeClr val="accent1">
+                  <a:lumMod val="40000"/>
+                  <a:lumOff val="60000"/>
+                </a:schemeClr>
+              </a:solidFill>
+              <a:ln w="38100"/>
+            </p:spPr>
+            <p:style>
+              <a:lnRef idx="2">
+                <a:schemeClr val="accent1">
+                  <a:shade val="15000"/>
+                </a:schemeClr>
+              </a:lnRef>
+              <a:fillRef idx="1">
+                <a:schemeClr val="accent1"/>
+              </a:fillRef>
+              <a:effectRef idx="0">
+                <a:schemeClr val="accent1"/>
+              </a:effectRef>
+              <a:fontRef idx="minor">
+                <a:schemeClr val="lt1"/>
+              </a:fontRef>
+            </p:style>
+            <p:txBody>
+              <a:bodyPr rtlCol="0" anchor="ctr"/>
+              <a:lstStyle/>
+              <a:p>
+                <a:pPr algn="ctr"/>
+                <a14:m>
+                  <m:oMathPara xmlns:m="http://schemas.openxmlformats.org/officeDocument/2006/math">
+                    <m:oMathParaPr>
+                      <m:jc m:val="centerGroup"/>
+                    </m:oMathParaPr>
+                    <m:oMath xmlns:m="http://schemas.openxmlformats.org/officeDocument/2006/math">
+                      <m:sSub>
+                        <m:sSubPr>
+                          <m:ctrlPr>
+                            <a:rPr lang="en-US" sz="2000" b="1" i="1" smtClean="0">
+                              <a:solidFill>
+                                <a:schemeClr val="tx1"/>
+                              </a:solidFill>
+                              <a:latin typeface="Cambria Math" panose="02040503050406030204" pitchFamily="18" charset="0"/>
+                            </a:rPr>
+                          </m:ctrlPr>
+                        </m:sSubPr>
+                        <m:e>
+                          <m:r>
+                            <a:rPr lang="en-US" sz="2000" b="1" i="1" smtClean="0">
+                              <a:solidFill>
+                                <a:schemeClr val="tx1"/>
+                              </a:solidFill>
+                              <a:latin typeface="Cambria Math" panose="02040503050406030204" pitchFamily="18" charset="0"/>
+                            </a:rPr>
+                            <m:t>𝑷</m:t>
+                          </m:r>
+                        </m:e>
+                        <m:sub>
+                          <m:r>
+                            <a:rPr lang="en-US" sz="2000" b="1" i="1" smtClean="0">
+                              <a:solidFill>
+                                <a:schemeClr val="tx1"/>
+                              </a:solidFill>
+                              <a:latin typeface="Cambria Math" panose="02040503050406030204" pitchFamily="18" charset="0"/>
+                            </a:rPr>
+                            <m:t>𝟐</m:t>
+                          </m:r>
+                        </m:sub>
+                      </m:sSub>
+                    </m:oMath>
+                  </m:oMathPara>
+                </a14:m>
+                <a:endParaRPr lang="en-US" sz="2800" b="1" dirty="0">
+                  <a:solidFill>
+                    <a:schemeClr val="tx1"/>
+                  </a:solidFill>
+                </a:endParaRPr>
+              </a:p>
+            </p:txBody>
+          </p:sp>
+        </mc:Choice>
+        <mc:Fallback>
+          <p:sp>
+            <p:nvSpPr>
+              <p:cNvPr id="102" name="Rectangle 101">
+                <a:extLst>
+                  <a:ext uri="{FF2B5EF4-FFF2-40B4-BE49-F238E27FC236}">
+                    <a16:creationId xmlns:a16="http://schemas.microsoft.com/office/drawing/2014/main" id="{0F905D0E-F1A1-E9C7-AB8A-AA931EA2C67D}"/>
+                  </a:ext>
+                </a:extLst>
+              </p:cNvPr>
+              <p:cNvSpPr>
+                <a:spLocks noRot="1" noChangeAspect="1" noMove="1" noResize="1" noEditPoints="1" noAdjustHandles="1" noChangeArrowheads="1" noChangeShapeType="1" noTextEdit="1"/>
+              </p:cNvSpPr>
+              <p:nvPr/>
+            </p:nvSpPr>
+            <p:spPr>
+              <a:xfrm>
+                <a:off x="11177762" y="3484624"/>
+                <a:ext cx="618258" cy="369332"/>
+              </a:xfrm>
+              <a:prstGeom prst="rect">
+                <a:avLst/>
+              </a:prstGeom>
+              <a:blipFill>
+                <a:blip r:embed="rId30"/>
+                <a:stretch>
+                  <a:fillRect b="-1515"/>
+                </a:stretch>
+              </a:blipFill>
+              <a:ln w="38100"/>
+            </p:spPr>
+            <p:txBody>
+              <a:bodyPr/>
+              <a:lstStyle/>
+              <a:p>
+                <a:r>
+                  <a:rPr lang="en-US">
+                    <a:noFill/>
+                  </a:rPr>
+                  <a:t> </a:t>
+                </a:r>
+              </a:p>
+            </p:txBody>
+          </p:sp>
+        </mc:Fallback>
+      </mc:AlternateContent>
+      <mc:AlternateContent xmlns:mc="http://schemas.openxmlformats.org/markup-compatibility/2006">
+        <mc:Choice xmlns:a14="http://schemas.microsoft.com/office/drawing/2010/main" Requires="a14">
+          <p:sp>
+            <p:nvSpPr>
+              <p:cNvPr id="103" name="Rectangle 102">
+                <a:extLst>
+                  <a:ext uri="{FF2B5EF4-FFF2-40B4-BE49-F238E27FC236}">
+                    <a16:creationId xmlns:a16="http://schemas.microsoft.com/office/drawing/2014/main" id="{13870D0C-9DC8-D7EA-0511-E19D3F1D034E}"/>
+                  </a:ext>
+                </a:extLst>
+              </p:cNvPr>
+              <p:cNvSpPr/>
+              <p:nvPr/>
+            </p:nvSpPr>
+            <p:spPr>
+              <a:xfrm>
+                <a:off x="11190603" y="4385764"/>
+                <a:ext cx="618258" cy="369332"/>
+              </a:xfrm>
+              <a:prstGeom prst="rect">
+                <a:avLst/>
+              </a:prstGeom>
+              <a:solidFill>
+                <a:schemeClr val="accent1">
+                  <a:lumMod val="40000"/>
+                  <a:lumOff val="60000"/>
+                </a:schemeClr>
+              </a:solidFill>
+              <a:ln w="38100"/>
+            </p:spPr>
+            <p:style>
+              <a:lnRef idx="2">
+                <a:schemeClr val="accent1">
+                  <a:shade val="15000"/>
+                </a:schemeClr>
+              </a:lnRef>
+              <a:fillRef idx="1">
+                <a:schemeClr val="accent1"/>
+              </a:fillRef>
+              <a:effectRef idx="0">
+                <a:schemeClr val="accent1"/>
+              </a:effectRef>
+              <a:fontRef idx="minor">
+                <a:schemeClr val="lt1"/>
+              </a:fontRef>
+            </p:style>
+            <p:txBody>
+              <a:bodyPr rtlCol="0" anchor="ctr"/>
+              <a:lstStyle/>
+              <a:p>
+                <a:pPr algn="ctr"/>
+                <a14:m>
+                  <m:oMathPara xmlns:m="http://schemas.openxmlformats.org/officeDocument/2006/math">
+                    <m:oMathParaPr>
+                      <m:jc m:val="centerGroup"/>
+                    </m:oMathParaPr>
+                    <m:oMath xmlns:m="http://schemas.openxmlformats.org/officeDocument/2006/math">
+                      <m:sSub>
+                        <m:sSubPr>
+                          <m:ctrlPr>
+                            <a:rPr lang="en-US" sz="2000" b="1" i="1" smtClean="0">
+                              <a:solidFill>
+                                <a:schemeClr val="tx1"/>
+                              </a:solidFill>
+                              <a:latin typeface="Cambria Math" panose="02040503050406030204" pitchFamily="18" charset="0"/>
+                            </a:rPr>
+                          </m:ctrlPr>
+                        </m:sSubPr>
+                        <m:e>
+                          <m:r>
+                            <a:rPr lang="en-US" sz="2000" b="1" i="1" smtClean="0">
+                              <a:solidFill>
+                                <a:schemeClr val="tx1"/>
+                              </a:solidFill>
+                              <a:latin typeface="Cambria Math" panose="02040503050406030204" pitchFamily="18" charset="0"/>
+                            </a:rPr>
+                            <m:t>𝑷</m:t>
+                          </m:r>
+                        </m:e>
+                        <m:sub>
+                          <m:r>
+                            <a:rPr lang="en-US" sz="2000" b="1" i="1" smtClean="0">
+                              <a:solidFill>
+                                <a:schemeClr val="tx1"/>
+                              </a:solidFill>
+                              <a:latin typeface="Cambria Math" panose="02040503050406030204" pitchFamily="18" charset="0"/>
+                            </a:rPr>
+                            <m:t>𝒌</m:t>
+                          </m:r>
+                        </m:sub>
+                      </m:sSub>
+                    </m:oMath>
+                  </m:oMathPara>
+                </a14:m>
+                <a:endParaRPr lang="en-US" sz="2800" b="1" dirty="0">
+                  <a:solidFill>
+                    <a:schemeClr val="tx1"/>
+                  </a:solidFill>
+                </a:endParaRPr>
+              </a:p>
+            </p:txBody>
+          </p:sp>
+        </mc:Choice>
+        <mc:Fallback>
+          <p:sp>
+            <p:nvSpPr>
+              <p:cNvPr id="103" name="Rectangle 102">
+                <a:extLst>
+                  <a:ext uri="{FF2B5EF4-FFF2-40B4-BE49-F238E27FC236}">
+                    <a16:creationId xmlns:a16="http://schemas.microsoft.com/office/drawing/2014/main" id="{13870D0C-9DC8-D7EA-0511-E19D3F1D034E}"/>
+                  </a:ext>
+                </a:extLst>
+              </p:cNvPr>
+              <p:cNvSpPr>
+                <a:spLocks noRot="1" noChangeAspect="1" noMove="1" noResize="1" noEditPoints="1" noAdjustHandles="1" noChangeArrowheads="1" noChangeShapeType="1" noTextEdit="1"/>
+              </p:cNvSpPr>
+              <p:nvPr/>
+            </p:nvSpPr>
+            <p:spPr>
+              <a:xfrm>
+                <a:off x="11190603" y="4385764"/>
+                <a:ext cx="618258" cy="369332"/>
+              </a:xfrm>
+              <a:prstGeom prst="rect">
+                <a:avLst/>
+              </a:prstGeom>
+              <a:blipFill>
+                <a:blip r:embed="rId31"/>
+                <a:stretch>
+                  <a:fillRect b="-2985"/>
+                </a:stretch>
+              </a:blipFill>
+              <a:ln w="38100"/>
+            </p:spPr>
+            <p:txBody>
+              <a:bodyPr/>
+              <a:lstStyle/>
+              <a:p>
+                <a:r>
+                  <a:rPr lang="en-US">
+                    <a:noFill/>
+                  </a:rPr>
+                  <a:t> </a:t>
+                </a:r>
+              </a:p>
+            </p:txBody>
+          </p:sp>
+        </mc:Fallback>
+      </mc:AlternateContent>
+      <mc:AlternateContent xmlns:mc="http://schemas.openxmlformats.org/markup-compatibility/2006">
+        <mc:Choice xmlns:a14="http://schemas.microsoft.com/office/drawing/2010/main" Requires="a14">
+          <p:sp>
+            <p:nvSpPr>
+              <p:cNvPr id="104" name="TextBox 103">
+                <a:extLst>
+                  <a:ext uri="{FF2B5EF4-FFF2-40B4-BE49-F238E27FC236}">
+                    <a16:creationId xmlns:a16="http://schemas.microsoft.com/office/drawing/2014/main" id="{8D0420B7-9B3D-C493-2C37-C71CD7D6593B}"/>
+                  </a:ext>
+                </a:extLst>
+              </p:cNvPr>
+              <p:cNvSpPr txBox="1"/>
+              <p:nvPr/>
+            </p:nvSpPr>
+            <p:spPr>
+              <a:xfrm>
+                <a:off x="7041513" y="217714"/>
+                <a:ext cx="4897938" cy="2031325"/>
+              </a:xfrm>
+              <a:prstGeom prst="rect">
+                <a:avLst/>
+              </a:prstGeom>
+              <a:noFill/>
+            </p:spPr>
+            <p:txBody>
+              <a:bodyPr wrap="square" rtlCol="0">
+                <a:spAutoFit/>
+              </a:bodyPr>
+              <a:lstStyle/>
+              <a:p>
+                <a14:m>
+                  <m:oMath xmlns:m="http://schemas.openxmlformats.org/officeDocument/2006/math">
+                    <m:r>
+                      <a:rPr lang="en-US" b="0" i="1" smtClean="0">
+                        <a:latin typeface="Cambria Math" panose="02040503050406030204" pitchFamily="18" charset="0"/>
+                      </a:rPr>
+                      <m:t>𝑔</m:t>
+                    </m:r>
+                    <m:r>
+                      <a:rPr lang="en-US" b="0" i="1" smtClean="0">
+                        <a:latin typeface="Cambria Math" panose="02040503050406030204" pitchFamily="18" charset="0"/>
+                      </a:rPr>
+                      <m:t> </m:t>
+                    </m:r>
+                  </m:oMath>
+                </a14:m>
+                <a:r>
+                  <a:rPr lang="en-US" dirty="0"/>
+                  <a:t>– a trainable function (MLP, or other NN)</a:t>
+                </a:r>
+              </a:p>
+              <a:p>
+                <a14:m>
+                  <m:oMath xmlns:m="http://schemas.openxmlformats.org/officeDocument/2006/math">
+                    <m:sSub>
+                      <m:sSubPr>
+                        <m:ctrlPr>
+                          <a:rPr lang="en-US" b="0" i="1" smtClean="0">
+                            <a:latin typeface="Cambria Math" panose="02040503050406030204" pitchFamily="18" charset="0"/>
+                          </a:rPr>
+                        </m:ctrlPr>
+                      </m:sSubPr>
+                      <m:e>
+                        <m:r>
+                          <a:rPr lang="en-US" b="0" i="1" smtClean="0">
+                            <a:latin typeface="Cambria Math" panose="02040503050406030204" pitchFamily="18" charset="0"/>
+                          </a:rPr>
+                          <m:t>𝑓</m:t>
+                        </m:r>
+                      </m:e>
+                      <m:sub>
+                        <m:r>
+                          <a:rPr lang="en-US" b="0" i="1" smtClean="0">
+                            <a:latin typeface="Cambria Math" panose="02040503050406030204" pitchFamily="18" charset="0"/>
+                          </a:rPr>
+                          <m:t>𝑖</m:t>
+                        </m:r>
+                      </m:sub>
+                    </m:sSub>
+                    <m:r>
+                      <a:rPr lang="en-US" b="0" i="0" smtClean="0">
+                        <a:latin typeface="Cambria Math" panose="02040503050406030204" pitchFamily="18" charset="0"/>
+                      </a:rPr>
+                      <m:t>−</m:t>
+                    </m:r>
+                  </m:oMath>
+                </a14:m>
+                <a:r>
+                  <a:rPr lang="en-US" dirty="0"/>
+                  <a:t> a trainable function applied to the representations of nodes belonging to cluster </a:t>
+                </a:r>
+                <a14:m>
+                  <m:oMath xmlns:m="http://schemas.openxmlformats.org/officeDocument/2006/math">
+                    <m:r>
+                      <a:rPr lang="en-US" b="0" i="1" smtClean="0">
+                        <a:latin typeface="Cambria Math" panose="02040503050406030204" pitchFamily="18" charset="0"/>
+                      </a:rPr>
+                      <m:t>𝑖</m:t>
+                    </m:r>
+                  </m:oMath>
+                </a14:m>
+                <a:endParaRPr lang="en-US" dirty="0"/>
+              </a:p>
+              <a:p>
+                <a14:m>
+                  <m:oMath xmlns:m="http://schemas.openxmlformats.org/officeDocument/2006/math">
+                    <m:r>
+                      <a:rPr lang="en-US" b="1" i="1" smtClean="0">
+                        <a:latin typeface="Cambria Math" panose="02040503050406030204" pitchFamily="18" charset="0"/>
+                      </a:rPr>
+                      <m:t>𝑷</m:t>
+                    </m:r>
+                    <m:r>
+                      <a:rPr lang="en-US" b="0" i="0" smtClean="0">
+                        <a:latin typeface="Cambria Math" panose="02040503050406030204" pitchFamily="18" charset="0"/>
+                      </a:rPr>
+                      <m:t>−</m:t>
+                    </m:r>
+                  </m:oMath>
+                </a14:m>
+                <a:r>
+                  <a:rPr lang="en-US" b="1" dirty="0"/>
+                  <a:t> </a:t>
+                </a:r>
+                <a:r>
+                  <a:rPr lang="en-US" dirty="0"/>
+                  <a:t>the matrix of assignment probabilities for the first (top layer) partition</a:t>
+                </a:r>
+              </a:p>
+              <a:p>
+                <a:endParaRPr lang="en-US" dirty="0"/>
+              </a:p>
+              <a:p>
+                <a:endParaRPr lang="en-US" b="1" dirty="0"/>
+              </a:p>
+            </p:txBody>
+          </p:sp>
+        </mc:Choice>
+        <mc:Fallback>
+          <p:sp>
+            <p:nvSpPr>
+              <p:cNvPr id="104" name="TextBox 103">
+                <a:extLst>
+                  <a:ext uri="{FF2B5EF4-FFF2-40B4-BE49-F238E27FC236}">
+                    <a16:creationId xmlns:a16="http://schemas.microsoft.com/office/drawing/2014/main" id="{8D0420B7-9B3D-C493-2C37-C71CD7D6593B}"/>
+                  </a:ext>
+                </a:extLst>
+              </p:cNvPr>
+              <p:cNvSpPr txBox="1">
+                <a:spLocks noRot="1" noChangeAspect="1" noMove="1" noResize="1" noEditPoints="1" noAdjustHandles="1" noChangeArrowheads="1" noChangeShapeType="1" noTextEdit="1"/>
+              </p:cNvSpPr>
+              <p:nvPr/>
+            </p:nvSpPr>
+            <p:spPr>
+              <a:xfrm>
+                <a:off x="7041513" y="217714"/>
+                <a:ext cx="4897938" cy="2031325"/>
+              </a:xfrm>
+              <a:prstGeom prst="rect">
+                <a:avLst/>
+              </a:prstGeom>
+              <a:blipFill>
+                <a:blip r:embed="rId32"/>
+                <a:stretch>
+                  <a:fillRect l="-995" t="-1802" r="-498"/>
+                </a:stretch>
+              </a:blipFill>
+            </p:spPr>
+            <p:txBody>
+              <a:bodyPr/>
+              <a:lstStyle/>
+              <a:p>
+                <a:r>
+                  <a:rPr lang="en-US">
+                    <a:noFill/>
+                  </a:rPr>
+                  <a:t> </a:t>
+                </a:r>
+              </a:p>
+            </p:txBody>
+          </p:sp>
+        </mc:Fallback>
+      </mc:AlternateContent>
+    </p:spTree>
+    <p:extLst>
+      <p:ext uri="{BB962C8B-B14F-4D97-AF65-F5344CB8AC3E}">
+        <p14:creationId xmlns:p14="http://schemas.microsoft.com/office/powerpoint/2010/main" val="1880040222"/>
       </p:ext>
     </p:extLst>
   </p:cSld>
